--- a/slides/introduction.pptx
+++ b/slides/introduction.pptx
@@ -1,40 +1,51 @@
 
 <file path=ppt/presentation.xml><?xml version="1.0" encoding="utf-8"?>
-<p:presentation xmlns:a="http://schemas.openxmlformats.org/drawingml/2006/main" xmlns:r="http://schemas.openxmlformats.org/officeDocument/2006/relationships" xmlns:mc="http://schemas.openxmlformats.org/markup-compatibility/2006" xmlns:mv="urn:schemas-microsoft-com:mac:vml" xmlns:p="http://schemas.openxmlformats.org/presentationml/2006/main" xmlns:c="http://schemas.openxmlformats.org/drawingml/2006/chart" xmlns:dgm="http://schemas.openxmlformats.org/drawingml/2006/diagram" xmlns:o="urn:schemas-microsoft-com:office:office" xmlns:v="urn:schemas-microsoft-com:vml" xmlns:pvml="urn:schemas-microsoft-com:office:powerpoint" xmlns:com="http://schemas.openxmlformats.org/drawingml/2006/compatibility" xmlns:p14="http://schemas.microsoft.com/office/powerpoint/2010/main" xmlns:p15="http://schemas.microsoft.com/office/powerpoint/2012/main" xmlns:ahyp="http://schemas.microsoft.com/office/drawing/2018/hyperlinkcolor" autoCompressPictures="0" embedTrueTypeFonts="1" strictFirstAndLastChars="0" saveSubsetFonts="1">
+<p:presentation xmlns:a="http://schemas.openxmlformats.org/drawingml/2006/main" xmlns:r="http://schemas.openxmlformats.org/officeDocument/2006/relationships" xmlns:p="http://schemas.openxmlformats.org/presentationml/2006/main" strictFirstAndLastChars="0" embedTrueTypeFonts="1" saveSubsetFonts="1" autoCompressPictures="0">
   <p:sldMasterIdLst>
-    <p:sldMasterId id="2147483648" r:id="rId4"/>
+    <p:sldMasterId id="2147483648" r:id="rId1"/>
   </p:sldMasterIdLst>
   <p:notesMasterIdLst>
-    <p:notesMasterId r:id="rId5"/>
+    <p:notesMasterId r:id="rId8"/>
   </p:notesMasterIdLst>
   <p:sldIdLst>
-    <p:sldId id="256" r:id="rId6"/>
-    <p:sldId id="257" r:id="rId7"/>
-    <p:sldId id="258" r:id="rId8"/>
-    <p:sldId id="259" r:id="rId9"/>
-    <p:sldId id="260" r:id="rId10"/>
-    <p:sldId id="261" r:id="rId11"/>
+    <p:sldId id="256" r:id="rId2"/>
+    <p:sldId id="257" r:id="rId3"/>
+    <p:sldId id="258" r:id="rId4"/>
+    <p:sldId id="259" r:id="rId5"/>
+    <p:sldId id="260" r:id="rId6"/>
+    <p:sldId id="261" r:id="rId7"/>
   </p:sldIdLst>
-  <p:sldSz cy="6858000" cx="9144000"/>
+  <p:sldSz cx="9144000" cy="6858000" type="screen4x3"/>
   <p:notesSz cx="6858000" cy="9144000"/>
   <p:embeddedFontLst>
     <p:embeddedFont>
-      <p:font typeface="Arial Narrow"/>
-      <p:regular r:id="rId12"/>
-      <p:bold r:id="rId13"/>
-      <p:italic r:id="rId14"/>
-      <p:boldItalic r:id="rId15"/>
+      <p:font typeface="Arial Black" panose="020B0A04020102020204" pitchFamily="34" charset="0"/>
+      <p:bold r:id="rId9"/>
     </p:embeddedFont>
     <p:embeddedFont>
-      <p:font typeface="Century Gothic"/>
-      <p:regular r:id="rId16"/>
-      <p:bold r:id="rId17"/>
-      <p:italic r:id="rId18"/>
-      <p:boldItalic r:id="rId19"/>
+      <p:font typeface="Arial Narrow" panose="020B0606020202030204" pitchFamily="34" charset="0"/>
+      <p:regular r:id="rId10"/>
+      <p:bold r:id="rId11"/>
+      <p:italic r:id="rId12"/>
+      <p:boldItalic r:id="rId13"/>
+    </p:embeddedFont>
+    <p:embeddedFont>
+      <p:font typeface="Century Gothic" panose="020B0502020202020204" pitchFamily="34" charset="0"/>
+      <p:regular r:id="rId14"/>
+      <p:bold r:id="rId15"/>
+      <p:italic r:id="rId16"/>
+      <p:boldItalic r:id="rId17"/>
+    </p:embeddedFont>
+    <p:embeddedFont>
+      <p:font typeface="Verdana" panose="020B0604030504040204" pitchFamily="34" charset="0"/>
+      <p:regular r:id="rId18"/>
+      <p:bold r:id="rId19"/>
+      <p:italic r:id="rId20"/>
+      <p:boldItalic r:id="rId21"/>
     </p:embeddedFont>
   </p:embeddedFontLst>
   <p:defaultTextStyle>
-    <a:defPPr lvl="0" marR="0" rtl="0" algn="l">
+    <a:defPPr marR="0" lvl="0" algn="l" rtl="0">
       <a:lnSpc>
         <a:spcPct val="100000"/>
       </a:lnSpc>
@@ -45,7 +56,7 @@
         <a:spcPts val="0"/>
       </a:spcAft>
     </a:defPPr>
-    <a:lvl1pPr lvl="0" marR="0" rtl="0" algn="l">
+    <a:lvl1pPr marR="0" lvl="0" algn="l" rtl="0">
       <a:lnSpc>
         <a:spcPct val="100000"/>
       </a:lnSpc>
@@ -59,7 +70,7 @@
         <a:srgbClr val="000000"/>
       </a:buClr>
       <a:buFont typeface="Arial"/>
-      <a:defRPr b="0" i="0" sz="1400" u="none" cap="none" strike="noStrike">
+      <a:defRPr sz="1400" b="0" i="0" u="none" strike="noStrike" cap="none">
         <a:solidFill>
           <a:srgbClr val="000000"/>
         </a:solidFill>
@@ -69,7 +80,7 @@
         <a:sym typeface="Arial"/>
       </a:defRPr>
     </a:lvl1pPr>
-    <a:lvl2pPr lvl="1" marR="0" rtl="0" algn="l">
+    <a:lvl2pPr marR="0" lvl="1" algn="l" rtl="0">
       <a:lnSpc>
         <a:spcPct val="100000"/>
       </a:lnSpc>
@@ -83,7 +94,7 @@
         <a:srgbClr val="000000"/>
       </a:buClr>
       <a:buFont typeface="Arial"/>
-      <a:defRPr b="0" i="0" sz="1400" u="none" cap="none" strike="noStrike">
+      <a:defRPr sz="1400" b="0" i="0" u="none" strike="noStrike" cap="none">
         <a:solidFill>
           <a:srgbClr val="000000"/>
         </a:solidFill>
@@ -93,7 +104,7 @@
         <a:sym typeface="Arial"/>
       </a:defRPr>
     </a:lvl2pPr>
-    <a:lvl3pPr lvl="2" marR="0" rtl="0" algn="l">
+    <a:lvl3pPr marR="0" lvl="2" algn="l" rtl="0">
       <a:lnSpc>
         <a:spcPct val="100000"/>
       </a:lnSpc>
@@ -107,7 +118,7 @@
         <a:srgbClr val="000000"/>
       </a:buClr>
       <a:buFont typeface="Arial"/>
-      <a:defRPr b="0" i="0" sz="1400" u="none" cap="none" strike="noStrike">
+      <a:defRPr sz="1400" b="0" i="0" u="none" strike="noStrike" cap="none">
         <a:solidFill>
           <a:srgbClr val="000000"/>
         </a:solidFill>
@@ -117,7 +128,7 @@
         <a:sym typeface="Arial"/>
       </a:defRPr>
     </a:lvl3pPr>
-    <a:lvl4pPr lvl="3" marR="0" rtl="0" algn="l">
+    <a:lvl4pPr marR="0" lvl="3" algn="l" rtl="0">
       <a:lnSpc>
         <a:spcPct val="100000"/>
       </a:lnSpc>
@@ -131,7 +142,7 @@
         <a:srgbClr val="000000"/>
       </a:buClr>
       <a:buFont typeface="Arial"/>
-      <a:defRPr b="0" i="0" sz="1400" u="none" cap="none" strike="noStrike">
+      <a:defRPr sz="1400" b="0" i="0" u="none" strike="noStrike" cap="none">
         <a:solidFill>
           <a:srgbClr val="000000"/>
         </a:solidFill>
@@ -141,7 +152,7 @@
         <a:sym typeface="Arial"/>
       </a:defRPr>
     </a:lvl4pPr>
-    <a:lvl5pPr lvl="4" marR="0" rtl="0" algn="l">
+    <a:lvl5pPr marR="0" lvl="4" algn="l" rtl="0">
       <a:lnSpc>
         <a:spcPct val="100000"/>
       </a:lnSpc>
@@ -155,7 +166,7 @@
         <a:srgbClr val="000000"/>
       </a:buClr>
       <a:buFont typeface="Arial"/>
-      <a:defRPr b="0" i="0" sz="1400" u="none" cap="none" strike="noStrike">
+      <a:defRPr sz="1400" b="0" i="0" u="none" strike="noStrike" cap="none">
         <a:solidFill>
           <a:srgbClr val="000000"/>
         </a:solidFill>
@@ -165,7 +176,7 @@
         <a:sym typeface="Arial"/>
       </a:defRPr>
     </a:lvl5pPr>
-    <a:lvl6pPr lvl="5" marR="0" rtl="0" algn="l">
+    <a:lvl6pPr marR="0" lvl="5" algn="l" rtl="0">
       <a:lnSpc>
         <a:spcPct val="100000"/>
       </a:lnSpc>
@@ -179,7 +190,7 @@
         <a:srgbClr val="000000"/>
       </a:buClr>
       <a:buFont typeface="Arial"/>
-      <a:defRPr b="0" i="0" sz="1400" u="none" cap="none" strike="noStrike">
+      <a:defRPr sz="1400" b="0" i="0" u="none" strike="noStrike" cap="none">
         <a:solidFill>
           <a:srgbClr val="000000"/>
         </a:solidFill>
@@ -189,7 +200,7 @@
         <a:sym typeface="Arial"/>
       </a:defRPr>
     </a:lvl6pPr>
-    <a:lvl7pPr lvl="6" marR="0" rtl="0" algn="l">
+    <a:lvl7pPr marR="0" lvl="6" algn="l" rtl="0">
       <a:lnSpc>
         <a:spcPct val="100000"/>
       </a:lnSpc>
@@ -203,7 +214,7 @@
         <a:srgbClr val="000000"/>
       </a:buClr>
       <a:buFont typeface="Arial"/>
-      <a:defRPr b="0" i="0" sz="1400" u="none" cap="none" strike="noStrike">
+      <a:defRPr sz="1400" b="0" i="0" u="none" strike="noStrike" cap="none">
         <a:solidFill>
           <a:srgbClr val="000000"/>
         </a:solidFill>
@@ -213,7 +224,7 @@
         <a:sym typeface="Arial"/>
       </a:defRPr>
     </a:lvl7pPr>
-    <a:lvl8pPr lvl="7" marR="0" rtl="0" algn="l">
+    <a:lvl8pPr marR="0" lvl="7" algn="l" rtl="0">
       <a:lnSpc>
         <a:spcPct val="100000"/>
       </a:lnSpc>
@@ -227,7 +238,7 @@
         <a:srgbClr val="000000"/>
       </a:buClr>
       <a:buFont typeface="Arial"/>
-      <a:defRPr b="0" i="0" sz="1400" u="none" cap="none" strike="noStrike">
+      <a:defRPr sz="1400" b="0" i="0" u="none" strike="noStrike" cap="none">
         <a:solidFill>
           <a:srgbClr val="000000"/>
         </a:solidFill>
@@ -237,7 +248,7 @@
         <a:sym typeface="Arial"/>
       </a:defRPr>
     </a:lvl8pPr>
-    <a:lvl9pPr lvl="8" marR="0" rtl="0" algn="l">
+    <a:lvl9pPr marR="0" lvl="8" algn="l" rtl="0">
       <a:lnSpc>
         <a:spcPct val="100000"/>
       </a:lnSpc>
@@ -251,7 +262,7 @@
         <a:srgbClr val="000000"/>
       </a:buClr>
       <a:buFont typeface="Arial"/>
-      <a:defRPr b="0" i="0" sz="1400" u="none" cap="none" strike="noStrike">
+      <a:defRPr sz="1400" b="0" i="0" u="none" strike="noStrike" cap="none">
         <a:solidFill>
           <a:srgbClr val="000000"/>
         </a:solidFill>
@@ -264,7 +275,7 @@
   </p:defaultTextStyle>
   <p:extLst>
     <p:ext uri="{EFAFB233-063F-42B5-8137-9DF3F51BA10A}">
-      <p15:sldGuideLst>
+      <p15:sldGuideLst xmlns:p15="http://schemas.microsoft.com/office/powerpoint/2012/main">
         <p15:guide id="1" orient="horz" pos="2160">
           <p15:clr>
             <a:srgbClr val="000000"/>
@@ -278,7 +289,7 @@
       </p15:sldGuideLst>
     </p:ext>
     <p:ext uri="{2D200454-40CA-4A62-9FC3-DE9A4176ACB9}">
-      <p15:notesGuideLst>
+      <p15:notesGuideLst xmlns:p15="http://schemas.microsoft.com/office/powerpoint/2012/main">
         <p15:guide id="1" orient="horz" pos="2880">
           <p15:clr>
             <a:srgbClr val="000000"/>
@@ -292,25 +303,26 @@
       </p15:notesGuideLst>
     </p:ext>
     <p:ext uri="http://customooxmlschemas.google.com/">
-      <go:slidesCustomData xmlns:go="http://customooxmlschemas.google.com/" r:id="rId20" roundtripDataSignature="AMtx7mh019ysyy8ngHVmXeADEBCdWKWQmw=="/>
+      <go:slidesCustomData xmlns="" xmlns:mc="http://schemas.openxmlformats.org/markup-compatibility/2006" xmlns:mv="urn:schemas-microsoft-com:mac:vml" xmlns:c="http://schemas.openxmlformats.org/drawingml/2006/chart" xmlns:dgm="http://schemas.openxmlformats.org/drawingml/2006/diagram" xmlns:o="urn:schemas-microsoft-com:office:office" xmlns:v="urn:schemas-microsoft-com:vml" xmlns:pvml="urn:schemas-microsoft-com:office:powerpoint" xmlns:com="http://schemas.openxmlformats.org/drawingml/2006/compatibility" xmlns:p14="http://schemas.microsoft.com/office/powerpoint/2010/main" xmlns:p15="http://schemas.microsoft.com/office/powerpoint/2012/main" xmlns:ahyp="http://schemas.microsoft.com/office/drawing/2018/hyperlinkcolor" xmlns:go="http://customooxmlschemas.google.com/" r:id="rId50" roundtripDataSignature="AMtx7mh019ysyy8ngHVmXeADEBCdWKWQmw=="/>
     </p:ext>
   </p:extLst>
 </p:presentation>
 </file>
 
 <file path=ppt/notesMasters/notesMaster1.xml><?xml version="1.0" encoding="utf-8"?>
-<p:notesMaster xmlns:a="http://schemas.openxmlformats.org/drawingml/2006/main" xmlns:r="http://schemas.openxmlformats.org/officeDocument/2006/relationships" xmlns:mc="http://schemas.openxmlformats.org/markup-compatibility/2006" xmlns:mv="urn:schemas-microsoft-com:mac:vml" xmlns:p="http://schemas.openxmlformats.org/presentationml/2006/main" xmlns:c="http://schemas.openxmlformats.org/drawingml/2006/chart" xmlns:dgm="http://schemas.openxmlformats.org/drawingml/2006/diagram" xmlns:o="urn:schemas-microsoft-com:office:office" xmlns:v="urn:schemas-microsoft-com:vml" xmlns:pvml="urn:schemas-microsoft-com:office:powerpoint" xmlns:com="http://schemas.openxmlformats.org/drawingml/2006/compatibility" xmlns:p14="http://schemas.microsoft.com/office/powerpoint/2010/main" xmlns:p15="http://schemas.microsoft.com/office/powerpoint/2012/main" xmlns:ahyp="http://schemas.microsoft.com/office/drawing/2018/hyperlinkcolor">
+<p:notesMaster xmlns:a="http://schemas.openxmlformats.org/drawingml/2006/main" xmlns:r="http://schemas.openxmlformats.org/officeDocument/2006/relationships" xmlns:p="http://schemas.openxmlformats.org/presentationml/2006/main">
   <p:cSld>
     <p:bg>
       <p:bgPr>
         <a:solidFill>
           <a:schemeClr val="lt1"/>
         </a:solidFill>
+        <a:effectLst/>
       </p:bgPr>
     </p:bg>
     <p:spTree>
       <p:nvGrpSpPr>
-        <p:cNvPr id="2" name="Shape 2"/>
+        <p:cNvPr id="1" name="Shape 2"/>
         <p:cNvGrpSpPr/>
         <p:nvPr/>
       </p:nvGrpSpPr>
@@ -325,9 +337,11 @@
       <p:sp>
         <p:nvSpPr>
           <p:cNvPr id="3" name="Google Shape;3;n"/>
-          <p:cNvSpPr txBox="1"/>
+          <p:cNvSpPr txBox="1">
+            <a:spLocks noGrp="1"/>
+          </p:cNvSpPr>
           <p:nvPr>
-            <p:ph idx="2" type="hdr"/>
+            <p:ph type="hdr" idx="2"/>
           </p:nvPr>
         </p:nvSpPr>
         <p:spPr>
@@ -344,11 +358,11 @@
           </a:ln>
         </p:spPr>
         <p:txBody>
-          <a:bodyPr anchorCtr="0" anchor="t" bIns="45700" lIns="91425" spcFirstLastPara="1" rIns="91425" wrap="square" tIns="45700">
+          <a:bodyPr spcFirstLastPara="1" wrap="square" lIns="91425" tIns="45700" rIns="91425" bIns="45700" anchor="t" anchorCtr="0">
             <a:noAutofit/>
           </a:bodyPr>
           <a:lstStyle>
-            <a:lvl1pPr lvl="0" marR="0" rtl="0" algn="l">
+            <a:lvl1pPr marR="0" lvl="0" algn="l" rtl="0">
               <a:spcBef>
                 <a:spcPts val="0"/>
               </a:spcBef>
@@ -357,7 +371,7 @@
               </a:spcAft>
               <a:buSzPts val="1400"/>
               <a:buNone/>
-              <a:defRPr b="0" i="0" sz="1200" u="none" cap="none" strike="noStrike">
+              <a:defRPr sz="1200" b="0" i="0" u="none" strike="noStrike" cap="none">
                 <a:solidFill>
                   <a:schemeClr val="dk1"/>
                 </a:solidFill>
@@ -367,7 +381,7 @@
                 <a:sym typeface="Arial Narrow"/>
               </a:defRPr>
             </a:lvl1pPr>
-            <a:lvl2pPr lvl="1" marR="0" rtl="0" algn="ctr">
+            <a:lvl2pPr marR="0" lvl="1" algn="ctr" rtl="0">
               <a:spcBef>
                 <a:spcPts val="0"/>
               </a:spcBef>
@@ -376,7 +390,7 @@
               </a:spcAft>
               <a:buSzPts val="1400"/>
               <a:buNone/>
-              <a:defRPr b="0" i="0" sz="2400" u="none" cap="none" strike="noStrike">
+              <a:defRPr sz="2400" b="0" i="0" u="none" strike="noStrike" cap="none">
                 <a:solidFill>
                   <a:schemeClr val="dk1"/>
                 </a:solidFill>
@@ -386,7 +400,7 @@
                 <a:sym typeface="Times New Roman"/>
               </a:defRPr>
             </a:lvl2pPr>
-            <a:lvl3pPr lvl="2" marR="0" rtl="0" algn="ctr">
+            <a:lvl3pPr marR="0" lvl="2" algn="ctr" rtl="0">
               <a:spcBef>
                 <a:spcPts val="0"/>
               </a:spcBef>
@@ -395,7 +409,7 @@
               </a:spcAft>
               <a:buSzPts val="1400"/>
               <a:buNone/>
-              <a:defRPr b="0" i="0" sz="2400" u="none" cap="none" strike="noStrike">
+              <a:defRPr sz="2400" b="0" i="0" u="none" strike="noStrike" cap="none">
                 <a:solidFill>
                   <a:schemeClr val="dk1"/>
                 </a:solidFill>
@@ -405,7 +419,7 @@
                 <a:sym typeface="Times New Roman"/>
               </a:defRPr>
             </a:lvl3pPr>
-            <a:lvl4pPr lvl="3" marR="0" rtl="0" algn="ctr">
+            <a:lvl4pPr marR="0" lvl="3" algn="ctr" rtl="0">
               <a:spcBef>
                 <a:spcPts val="0"/>
               </a:spcBef>
@@ -414,7 +428,7 @@
               </a:spcAft>
               <a:buSzPts val="1400"/>
               <a:buNone/>
-              <a:defRPr b="0" i="0" sz="2400" u="none" cap="none" strike="noStrike">
+              <a:defRPr sz="2400" b="0" i="0" u="none" strike="noStrike" cap="none">
                 <a:solidFill>
                   <a:schemeClr val="dk1"/>
                 </a:solidFill>
@@ -424,7 +438,7 @@
                 <a:sym typeface="Times New Roman"/>
               </a:defRPr>
             </a:lvl4pPr>
-            <a:lvl5pPr lvl="4" marR="0" rtl="0" algn="ctr">
+            <a:lvl5pPr marR="0" lvl="4" algn="ctr" rtl="0">
               <a:spcBef>
                 <a:spcPts val="0"/>
               </a:spcBef>
@@ -433,7 +447,7 @@
               </a:spcAft>
               <a:buSzPts val="1400"/>
               <a:buNone/>
-              <a:defRPr b="0" i="0" sz="2400" u="none" cap="none" strike="noStrike">
+              <a:defRPr sz="2400" b="0" i="0" u="none" strike="noStrike" cap="none">
                 <a:solidFill>
                   <a:schemeClr val="dk1"/>
                 </a:solidFill>
@@ -443,7 +457,7 @@
                 <a:sym typeface="Times New Roman"/>
               </a:defRPr>
             </a:lvl5pPr>
-            <a:lvl6pPr lvl="5" marR="0" rtl="0" algn="l">
+            <a:lvl6pPr marR="0" lvl="5" algn="l" rtl="0">
               <a:spcBef>
                 <a:spcPts val="0"/>
               </a:spcBef>
@@ -452,7 +466,7 @@
               </a:spcAft>
               <a:buSzPts val="1400"/>
               <a:buNone/>
-              <a:defRPr b="0" i="0" sz="2400" u="none" cap="none" strike="noStrike">
+              <a:defRPr sz="2400" b="0" i="0" u="none" strike="noStrike" cap="none">
                 <a:solidFill>
                   <a:schemeClr val="dk1"/>
                 </a:solidFill>
@@ -462,7 +476,7 @@
                 <a:sym typeface="Times New Roman"/>
               </a:defRPr>
             </a:lvl6pPr>
-            <a:lvl7pPr lvl="6" marR="0" rtl="0" algn="l">
+            <a:lvl7pPr marR="0" lvl="6" algn="l" rtl="0">
               <a:spcBef>
                 <a:spcPts val="0"/>
               </a:spcBef>
@@ -471,7 +485,7 @@
               </a:spcAft>
               <a:buSzPts val="1400"/>
               <a:buNone/>
-              <a:defRPr b="0" i="0" sz="2400" u="none" cap="none" strike="noStrike">
+              <a:defRPr sz="2400" b="0" i="0" u="none" strike="noStrike" cap="none">
                 <a:solidFill>
                   <a:schemeClr val="dk1"/>
                 </a:solidFill>
@@ -481,7 +495,7 @@
                 <a:sym typeface="Times New Roman"/>
               </a:defRPr>
             </a:lvl7pPr>
-            <a:lvl8pPr lvl="7" marR="0" rtl="0" algn="l">
+            <a:lvl8pPr marR="0" lvl="7" algn="l" rtl="0">
               <a:spcBef>
                 <a:spcPts val="0"/>
               </a:spcBef>
@@ -490,7 +504,7 @@
               </a:spcAft>
               <a:buSzPts val="1400"/>
               <a:buNone/>
-              <a:defRPr b="0" i="0" sz="2400" u="none" cap="none" strike="noStrike">
+              <a:defRPr sz="2400" b="0" i="0" u="none" strike="noStrike" cap="none">
                 <a:solidFill>
                   <a:schemeClr val="dk1"/>
                 </a:solidFill>
@@ -500,7 +514,7 @@
                 <a:sym typeface="Times New Roman"/>
               </a:defRPr>
             </a:lvl8pPr>
-            <a:lvl9pPr lvl="8" marR="0" rtl="0" algn="l">
+            <a:lvl9pPr marR="0" lvl="8" algn="l" rtl="0">
               <a:spcBef>
                 <a:spcPts val="0"/>
               </a:spcBef>
@@ -509,7 +523,7 @@
               </a:spcAft>
               <a:buSzPts val="1400"/>
               <a:buNone/>
-              <a:defRPr b="0" i="0" sz="2400" u="none" cap="none" strike="noStrike">
+              <a:defRPr sz="2400" b="0" i="0" u="none" strike="noStrike" cap="none">
                 <a:solidFill>
                   <a:schemeClr val="dk1"/>
                 </a:solidFill>
@@ -520,15 +534,19 @@
               </a:defRPr>
             </a:lvl9pPr>
           </a:lstStyle>
-          <a:p/>
+          <a:p>
+            <a:endParaRPr/>
+          </a:p>
         </p:txBody>
       </p:sp>
       <p:sp>
         <p:nvSpPr>
           <p:cNvPr id="4" name="Google Shape;4;n"/>
-          <p:cNvSpPr txBox="1"/>
+          <p:cNvSpPr txBox="1">
+            <a:spLocks noGrp="1"/>
+          </p:cNvSpPr>
           <p:nvPr>
-            <p:ph idx="10" type="dt"/>
+            <p:ph type="dt" idx="10"/>
           </p:nvPr>
         </p:nvSpPr>
         <p:spPr>
@@ -545,11 +563,11 @@
           </a:ln>
         </p:spPr>
         <p:txBody>
-          <a:bodyPr anchorCtr="0" anchor="t" bIns="45700" lIns="91425" spcFirstLastPara="1" rIns="91425" wrap="square" tIns="45700">
+          <a:bodyPr spcFirstLastPara="1" wrap="square" lIns="91425" tIns="45700" rIns="91425" bIns="45700" anchor="t" anchorCtr="0">
             <a:noAutofit/>
           </a:bodyPr>
           <a:lstStyle>
-            <a:lvl1pPr lvl="0" marR="0" rtl="0" algn="r">
+            <a:lvl1pPr marR="0" lvl="0" algn="r" rtl="0">
               <a:spcBef>
                 <a:spcPts val="0"/>
               </a:spcBef>
@@ -558,7 +576,7 @@
               </a:spcAft>
               <a:buSzPts val="1400"/>
               <a:buNone/>
-              <a:defRPr b="0" i="0" sz="1200" u="none" cap="none" strike="noStrike">
+              <a:defRPr sz="1200" b="0" i="0" u="none" strike="noStrike" cap="none">
                 <a:solidFill>
                   <a:schemeClr val="dk1"/>
                 </a:solidFill>
@@ -568,7 +586,7 @@
                 <a:sym typeface="Arial Narrow"/>
               </a:defRPr>
             </a:lvl1pPr>
-            <a:lvl2pPr lvl="1" marR="0" rtl="0" algn="ctr">
+            <a:lvl2pPr marR="0" lvl="1" algn="ctr" rtl="0">
               <a:spcBef>
                 <a:spcPts val="0"/>
               </a:spcBef>
@@ -577,7 +595,7 @@
               </a:spcAft>
               <a:buSzPts val="1400"/>
               <a:buNone/>
-              <a:defRPr b="0" i="0" sz="2400" u="none" cap="none" strike="noStrike">
+              <a:defRPr sz="2400" b="0" i="0" u="none" strike="noStrike" cap="none">
                 <a:solidFill>
                   <a:schemeClr val="dk1"/>
                 </a:solidFill>
@@ -587,7 +605,7 @@
                 <a:sym typeface="Times New Roman"/>
               </a:defRPr>
             </a:lvl2pPr>
-            <a:lvl3pPr lvl="2" marR="0" rtl="0" algn="ctr">
+            <a:lvl3pPr marR="0" lvl="2" algn="ctr" rtl="0">
               <a:spcBef>
                 <a:spcPts val="0"/>
               </a:spcBef>
@@ -596,7 +614,7 @@
               </a:spcAft>
               <a:buSzPts val="1400"/>
               <a:buNone/>
-              <a:defRPr b="0" i="0" sz="2400" u="none" cap="none" strike="noStrike">
+              <a:defRPr sz="2400" b="0" i="0" u="none" strike="noStrike" cap="none">
                 <a:solidFill>
                   <a:schemeClr val="dk1"/>
                 </a:solidFill>
@@ -606,7 +624,7 @@
                 <a:sym typeface="Times New Roman"/>
               </a:defRPr>
             </a:lvl3pPr>
-            <a:lvl4pPr lvl="3" marR="0" rtl="0" algn="ctr">
+            <a:lvl4pPr marR="0" lvl="3" algn="ctr" rtl="0">
               <a:spcBef>
                 <a:spcPts val="0"/>
               </a:spcBef>
@@ -615,7 +633,7 @@
               </a:spcAft>
               <a:buSzPts val="1400"/>
               <a:buNone/>
-              <a:defRPr b="0" i="0" sz="2400" u="none" cap="none" strike="noStrike">
+              <a:defRPr sz="2400" b="0" i="0" u="none" strike="noStrike" cap="none">
                 <a:solidFill>
                   <a:schemeClr val="dk1"/>
                 </a:solidFill>
@@ -625,7 +643,7 @@
                 <a:sym typeface="Times New Roman"/>
               </a:defRPr>
             </a:lvl4pPr>
-            <a:lvl5pPr lvl="4" marR="0" rtl="0" algn="ctr">
+            <a:lvl5pPr marR="0" lvl="4" algn="ctr" rtl="0">
               <a:spcBef>
                 <a:spcPts val="0"/>
               </a:spcBef>
@@ -634,7 +652,7 @@
               </a:spcAft>
               <a:buSzPts val="1400"/>
               <a:buNone/>
-              <a:defRPr b="0" i="0" sz="2400" u="none" cap="none" strike="noStrike">
+              <a:defRPr sz="2400" b="0" i="0" u="none" strike="noStrike" cap="none">
                 <a:solidFill>
                   <a:schemeClr val="dk1"/>
                 </a:solidFill>
@@ -644,7 +662,7 @@
                 <a:sym typeface="Times New Roman"/>
               </a:defRPr>
             </a:lvl5pPr>
-            <a:lvl6pPr lvl="5" marR="0" rtl="0" algn="l">
+            <a:lvl6pPr marR="0" lvl="5" algn="l" rtl="0">
               <a:spcBef>
                 <a:spcPts val="0"/>
               </a:spcBef>
@@ -653,7 +671,7 @@
               </a:spcAft>
               <a:buSzPts val="1400"/>
               <a:buNone/>
-              <a:defRPr b="0" i="0" sz="2400" u="none" cap="none" strike="noStrike">
+              <a:defRPr sz="2400" b="0" i="0" u="none" strike="noStrike" cap="none">
                 <a:solidFill>
                   <a:schemeClr val="dk1"/>
                 </a:solidFill>
@@ -663,7 +681,7 @@
                 <a:sym typeface="Times New Roman"/>
               </a:defRPr>
             </a:lvl6pPr>
-            <a:lvl7pPr lvl="6" marR="0" rtl="0" algn="l">
+            <a:lvl7pPr marR="0" lvl="6" algn="l" rtl="0">
               <a:spcBef>
                 <a:spcPts val="0"/>
               </a:spcBef>
@@ -672,7 +690,7 @@
               </a:spcAft>
               <a:buSzPts val="1400"/>
               <a:buNone/>
-              <a:defRPr b="0" i="0" sz="2400" u="none" cap="none" strike="noStrike">
+              <a:defRPr sz="2400" b="0" i="0" u="none" strike="noStrike" cap="none">
                 <a:solidFill>
                   <a:schemeClr val="dk1"/>
                 </a:solidFill>
@@ -682,7 +700,7 @@
                 <a:sym typeface="Times New Roman"/>
               </a:defRPr>
             </a:lvl7pPr>
-            <a:lvl8pPr lvl="7" marR="0" rtl="0" algn="l">
+            <a:lvl8pPr marR="0" lvl="7" algn="l" rtl="0">
               <a:spcBef>
                 <a:spcPts val="0"/>
               </a:spcBef>
@@ -691,7 +709,7 @@
               </a:spcAft>
               <a:buSzPts val="1400"/>
               <a:buNone/>
-              <a:defRPr b="0" i="0" sz="2400" u="none" cap="none" strike="noStrike">
+              <a:defRPr sz="2400" b="0" i="0" u="none" strike="noStrike" cap="none">
                 <a:solidFill>
                   <a:schemeClr val="dk1"/>
                 </a:solidFill>
@@ -701,7 +719,7 @@
                 <a:sym typeface="Times New Roman"/>
               </a:defRPr>
             </a:lvl8pPr>
-            <a:lvl9pPr lvl="8" marR="0" rtl="0" algn="l">
+            <a:lvl9pPr marR="0" lvl="8" algn="l" rtl="0">
               <a:spcBef>
                 <a:spcPts val="0"/>
               </a:spcBef>
@@ -710,7 +728,7 @@
               </a:spcAft>
               <a:buSzPts val="1400"/>
               <a:buNone/>
-              <a:defRPr b="0" i="0" sz="2400" u="none" cap="none" strike="noStrike">
+              <a:defRPr sz="2400" b="0" i="0" u="none" strike="noStrike" cap="none">
                 <a:solidFill>
                   <a:schemeClr val="dk1"/>
                 </a:solidFill>
@@ -721,15 +739,19 @@
               </a:defRPr>
             </a:lvl9pPr>
           </a:lstStyle>
-          <a:p/>
+          <a:p>
+            <a:endParaRPr/>
+          </a:p>
         </p:txBody>
       </p:sp>
       <p:sp>
         <p:nvSpPr>
           <p:cNvPr id="5" name="Google Shape;5;n"/>
-          <p:cNvSpPr/>
+          <p:cNvSpPr>
+            <a:spLocks noGrp="1" noRot="1" noChangeAspect="1"/>
+          </p:cNvSpPr>
           <p:nvPr>
-            <p:ph idx="3" type="sldImg"/>
+            <p:ph type="sldImg" idx="3"/>
           </p:nvPr>
         </p:nvSpPr>
         <p:spPr>
@@ -738,9 +760,13 @@
             <a:ext cx="4572000" cy="3429000"/>
           </a:xfrm>
           <a:custGeom>
-            <a:rect b="b" l="l" r="r" t="t"/>
+            <a:avLst/>
+            <a:gdLst/>
+            <a:ahLst/>
+            <a:cxnLst/>
+            <a:rect l="l" t="t" r="r" b="b"/>
             <a:pathLst>
-              <a:path extrusionOk="0" h="120000" w="120000">
+              <a:path w="120000" h="120000" extrusionOk="0">
                 <a:moveTo>
                   <a:pt x="0" y="0"/>
                 </a:moveTo>
@@ -758,23 +784,25 @@
             </a:pathLst>
           </a:custGeom>
           <a:noFill/>
-          <a:ln cap="flat" cmpd="sng" w="9525">
+          <a:ln w="9525" cap="flat" cmpd="sng">
             <a:solidFill>
               <a:srgbClr val="000000"/>
             </a:solidFill>
             <a:prstDash val="solid"/>
             <a:miter lim="800000"/>
-            <a:headEnd len="sm" w="sm" type="none"/>
-            <a:tailEnd len="sm" w="sm" type="none"/>
+            <a:headEnd type="none" w="sm" len="sm"/>
+            <a:tailEnd type="none" w="sm" len="sm"/>
           </a:ln>
         </p:spPr>
       </p:sp>
       <p:sp>
         <p:nvSpPr>
           <p:cNvPr id="6" name="Google Shape;6;n"/>
-          <p:cNvSpPr txBox="1"/>
+          <p:cNvSpPr txBox="1">
+            <a:spLocks noGrp="1"/>
+          </p:cNvSpPr>
           <p:nvPr>
-            <p:ph idx="1" type="body"/>
+            <p:ph type="body" idx="1"/>
           </p:nvPr>
         </p:nvSpPr>
         <p:spPr>
@@ -791,11 +819,11 @@
           </a:ln>
         </p:spPr>
         <p:txBody>
-          <a:bodyPr anchorCtr="0" anchor="t" bIns="45700" lIns="91425" spcFirstLastPara="1" rIns="91425" wrap="square" tIns="45700">
+          <a:bodyPr spcFirstLastPara="1" wrap="square" lIns="91425" tIns="45700" rIns="91425" bIns="45700" anchor="t" anchorCtr="0">
             <a:noAutofit/>
           </a:bodyPr>
           <a:lstStyle>
-            <a:lvl1pPr indent="-228600" lvl="0" marL="457200" marR="0" rtl="0" algn="l">
+            <a:lvl1pPr marL="457200" marR="0" lvl="0" indent="-228600" algn="l" rtl="0">
               <a:spcBef>
                 <a:spcPts val="360"/>
               </a:spcBef>
@@ -804,7 +832,7 @@
               </a:spcAft>
               <a:buSzPts val="1400"/>
               <a:buNone/>
-              <a:defRPr b="0" i="0" sz="1200" u="none" cap="none" strike="noStrike">
+              <a:defRPr sz="1200" b="0" i="0" u="none" strike="noStrike" cap="none">
                 <a:solidFill>
                   <a:schemeClr val="dk1"/>
                 </a:solidFill>
@@ -814,7 +842,7 @@
                 <a:sym typeface="Arial Narrow"/>
               </a:defRPr>
             </a:lvl1pPr>
-            <a:lvl2pPr indent="-228600" lvl="1" marL="914400" marR="0" rtl="0" algn="l">
+            <a:lvl2pPr marL="914400" marR="0" lvl="1" indent="-228600" algn="l" rtl="0">
               <a:spcBef>
                 <a:spcPts val="360"/>
               </a:spcBef>
@@ -823,7 +851,7 @@
               </a:spcAft>
               <a:buSzPts val="1400"/>
               <a:buNone/>
-              <a:defRPr b="0" i="0" sz="1200" u="none" cap="none" strike="noStrike">
+              <a:defRPr sz="1200" b="0" i="0" u="none" strike="noStrike" cap="none">
                 <a:solidFill>
                   <a:schemeClr val="dk1"/>
                 </a:solidFill>
@@ -833,7 +861,7 @@
                 <a:sym typeface="Arial Narrow"/>
               </a:defRPr>
             </a:lvl2pPr>
-            <a:lvl3pPr indent="-228600" lvl="2" marL="1371600" marR="0" rtl="0" algn="l">
+            <a:lvl3pPr marL="1371600" marR="0" lvl="2" indent="-228600" algn="l" rtl="0">
               <a:spcBef>
                 <a:spcPts val="360"/>
               </a:spcBef>
@@ -842,7 +870,7 @@
               </a:spcAft>
               <a:buSzPts val="1400"/>
               <a:buNone/>
-              <a:defRPr b="0" i="0" sz="1200" u="none" cap="none" strike="noStrike">
+              <a:defRPr sz="1200" b="0" i="0" u="none" strike="noStrike" cap="none">
                 <a:solidFill>
                   <a:schemeClr val="dk1"/>
                 </a:solidFill>
@@ -852,7 +880,7 @@
                 <a:sym typeface="Arial Narrow"/>
               </a:defRPr>
             </a:lvl3pPr>
-            <a:lvl4pPr indent="-228600" lvl="3" marL="1828800" marR="0" rtl="0" algn="l">
+            <a:lvl4pPr marL="1828800" marR="0" lvl="3" indent="-228600" algn="l" rtl="0">
               <a:spcBef>
                 <a:spcPts val="360"/>
               </a:spcBef>
@@ -861,7 +889,7 @@
               </a:spcAft>
               <a:buSzPts val="1400"/>
               <a:buNone/>
-              <a:defRPr b="0" i="0" sz="1200" u="none" cap="none" strike="noStrike">
+              <a:defRPr sz="1200" b="0" i="0" u="none" strike="noStrike" cap="none">
                 <a:solidFill>
                   <a:schemeClr val="dk1"/>
                 </a:solidFill>
@@ -871,7 +899,7 @@
                 <a:sym typeface="Arial Narrow"/>
               </a:defRPr>
             </a:lvl4pPr>
-            <a:lvl5pPr indent="-228600" lvl="4" marL="2286000" marR="0" rtl="0" algn="l">
+            <a:lvl5pPr marL="2286000" marR="0" lvl="4" indent="-228600" algn="l" rtl="0">
               <a:spcBef>
                 <a:spcPts val="360"/>
               </a:spcBef>
@@ -880,7 +908,7 @@
               </a:spcAft>
               <a:buSzPts val="1400"/>
               <a:buNone/>
-              <a:defRPr b="0" i="0" sz="1200" u="none" cap="none" strike="noStrike">
+              <a:defRPr sz="1200" b="0" i="0" u="none" strike="noStrike" cap="none">
                 <a:solidFill>
                   <a:schemeClr val="dk1"/>
                 </a:solidFill>
@@ -890,7 +918,7 @@
                 <a:sym typeface="Arial Narrow"/>
               </a:defRPr>
             </a:lvl5pPr>
-            <a:lvl6pPr indent="-228600" lvl="5" marL="2743200" marR="0" rtl="0" algn="l">
+            <a:lvl6pPr marL="2743200" marR="0" lvl="5" indent="-228600" algn="l" rtl="0">
               <a:spcBef>
                 <a:spcPts val="0"/>
               </a:spcBef>
@@ -899,7 +927,7 @@
               </a:spcAft>
               <a:buSzPts val="1400"/>
               <a:buNone/>
-              <a:defRPr b="0" i="0" sz="1200" u="none" cap="none" strike="noStrike">
+              <a:defRPr sz="1200" b="0" i="0" u="none" strike="noStrike" cap="none">
                 <a:solidFill>
                   <a:schemeClr val="dk1"/>
                 </a:solidFill>
@@ -909,7 +937,7 @@
                 <a:sym typeface="Calibri"/>
               </a:defRPr>
             </a:lvl6pPr>
-            <a:lvl7pPr indent="-228600" lvl="6" marL="3200400" marR="0" rtl="0" algn="l">
+            <a:lvl7pPr marL="3200400" marR="0" lvl="6" indent="-228600" algn="l" rtl="0">
               <a:spcBef>
                 <a:spcPts val="0"/>
               </a:spcBef>
@@ -918,7 +946,7 @@
               </a:spcAft>
               <a:buSzPts val="1400"/>
               <a:buNone/>
-              <a:defRPr b="0" i="0" sz="1200" u="none" cap="none" strike="noStrike">
+              <a:defRPr sz="1200" b="0" i="0" u="none" strike="noStrike" cap="none">
                 <a:solidFill>
                   <a:schemeClr val="dk1"/>
                 </a:solidFill>
@@ -928,7 +956,7 @@
                 <a:sym typeface="Calibri"/>
               </a:defRPr>
             </a:lvl7pPr>
-            <a:lvl8pPr indent="-228600" lvl="7" marL="3657600" marR="0" rtl="0" algn="l">
+            <a:lvl8pPr marL="3657600" marR="0" lvl="7" indent="-228600" algn="l" rtl="0">
               <a:spcBef>
                 <a:spcPts val="0"/>
               </a:spcBef>
@@ -937,7 +965,7 @@
               </a:spcAft>
               <a:buSzPts val="1400"/>
               <a:buNone/>
-              <a:defRPr b="0" i="0" sz="1200" u="none" cap="none" strike="noStrike">
+              <a:defRPr sz="1200" b="0" i="0" u="none" strike="noStrike" cap="none">
                 <a:solidFill>
                   <a:schemeClr val="dk1"/>
                 </a:solidFill>
@@ -947,7 +975,7 @@
                 <a:sym typeface="Calibri"/>
               </a:defRPr>
             </a:lvl8pPr>
-            <a:lvl9pPr indent="-228600" lvl="8" marL="4114800" marR="0" rtl="0" algn="l">
+            <a:lvl9pPr marL="4114800" marR="0" lvl="8" indent="-228600" algn="l" rtl="0">
               <a:spcBef>
                 <a:spcPts val="0"/>
               </a:spcBef>
@@ -956,7 +984,7 @@
               </a:spcAft>
               <a:buSzPts val="1400"/>
               <a:buNone/>
-              <a:defRPr b="0" i="0" sz="1200" u="none" cap="none" strike="noStrike">
+              <a:defRPr sz="1200" b="0" i="0" u="none" strike="noStrike" cap="none">
                 <a:solidFill>
                   <a:schemeClr val="dk1"/>
                 </a:solidFill>
@@ -967,15 +995,19 @@
               </a:defRPr>
             </a:lvl9pPr>
           </a:lstStyle>
-          <a:p/>
+          <a:p>
+            <a:endParaRPr/>
+          </a:p>
         </p:txBody>
       </p:sp>
       <p:sp>
         <p:nvSpPr>
           <p:cNvPr id="7" name="Google Shape;7;n"/>
-          <p:cNvSpPr txBox="1"/>
+          <p:cNvSpPr txBox="1">
+            <a:spLocks noGrp="1"/>
+          </p:cNvSpPr>
           <p:nvPr>
-            <p:ph idx="11" type="ftr"/>
+            <p:ph type="ftr" idx="11"/>
           </p:nvPr>
         </p:nvSpPr>
         <p:spPr>
@@ -992,11 +1024,11 @@
           </a:ln>
         </p:spPr>
         <p:txBody>
-          <a:bodyPr anchorCtr="0" anchor="b" bIns="45700" lIns="91425" spcFirstLastPara="1" rIns="91425" wrap="square" tIns="45700">
+          <a:bodyPr spcFirstLastPara="1" wrap="square" lIns="91425" tIns="45700" rIns="91425" bIns="45700" anchor="b" anchorCtr="0">
             <a:noAutofit/>
           </a:bodyPr>
           <a:lstStyle>
-            <a:lvl1pPr lvl="0" marR="0" rtl="0" algn="l">
+            <a:lvl1pPr marR="0" lvl="0" algn="l" rtl="0">
               <a:spcBef>
                 <a:spcPts val="0"/>
               </a:spcBef>
@@ -1005,7 +1037,7 @@
               </a:spcAft>
               <a:buSzPts val="1400"/>
               <a:buNone/>
-              <a:defRPr b="0" i="0" sz="1200" u="none" cap="none" strike="noStrike">
+              <a:defRPr sz="1200" b="0" i="0" u="none" strike="noStrike" cap="none">
                 <a:solidFill>
                   <a:schemeClr val="dk1"/>
                 </a:solidFill>
@@ -1015,7 +1047,7 @@
                 <a:sym typeface="Arial Narrow"/>
               </a:defRPr>
             </a:lvl1pPr>
-            <a:lvl2pPr lvl="1" marR="0" rtl="0" algn="ctr">
+            <a:lvl2pPr marR="0" lvl="1" algn="ctr" rtl="0">
               <a:spcBef>
                 <a:spcPts val="0"/>
               </a:spcBef>
@@ -1024,7 +1056,7 @@
               </a:spcAft>
               <a:buSzPts val="1400"/>
               <a:buNone/>
-              <a:defRPr b="0" i="0" sz="2400" u="none" cap="none" strike="noStrike">
+              <a:defRPr sz="2400" b="0" i="0" u="none" strike="noStrike" cap="none">
                 <a:solidFill>
                   <a:schemeClr val="dk1"/>
                 </a:solidFill>
@@ -1034,7 +1066,7 @@
                 <a:sym typeface="Times New Roman"/>
               </a:defRPr>
             </a:lvl2pPr>
-            <a:lvl3pPr lvl="2" marR="0" rtl="0" algn="ctr">
+            <a:lvl3pPr marR="0" lvl="2" algn="ctr" rtl="0">
               <a:spcBef>
                 <a:spcPts val="0"/>
               </a:spcBef>
@@ -1043,7 +1075,7 @@
               </a:spcAft>
               <a:buSzPts val="1400"/>
               <a:buNone/>
-              <a:defRPr b="0" i="0" sz="2400" u="none" cap="none" strike="noStrike">
+              <a:defRPr sz="2400" b="0" i="0" u="none" strike="noStrike" cap="none">
                 <a:solidFill>
                   <a:schemeClr val="dk1"/>
                 </a:solidFill>
@@ -1053,7 +1085,7 @@
                 <a:sym typeface="Times New Roman"/>
               </a:defRPr>
             </a:lvl3pPr>
-            <a:lvl4pPr lvl="3" marR="0" rtl="0" algn="ctr">
+            <a:lvl4pPr marR="0" lvl="3" algn="ctr" rtl="0">
               <a:spcBef>
                 <a:spcPts val="0"/>
               </a:spcBef>
@@ -1062,7 +1094,7 @@
               </a:spcAft>
               <a:buSzPts val="1400"/>
               <a:buNone/>
-              <a:defRPr b="0" i="0" sz="2400" u="none" cap="none" strike="noStrike">
+              <a:defRPr sz="2400" b="0" i="0" u="none" strike="noStrike" cap="none">
                 <a:solidFill>
                   <a:schemeClr val="dk1"/>
                 </a:solidFill>
@@ -1072,7 +1104,7 @@
                 <a:sym typeface="Times New Roman"/>
               </a:defRPr>
             </a:lvl4pPr>
-            <a:lvl5pPr lvl="4" marR="0" rtl="0" algn="ctr">
+            <a:lvl5pPr marR="0" lvl="4" algn="ctr" rtl="0">
               <a:spcBef>
                 <a:spcPts val="0"/>
               </a:spcBef>
@@ -1081,7 +1113,7 @@
               </a:spcAft>
               <a:buSzPts val="1400"/>
               <a:buNone/>
-              <a:defRPr b="0" i="0" sz="2400" u="none" cap="none" strike="noStrike">
+              <a:defRPr sz="2400" b="0" i="0" u="none" strike="noStrike" cap="none">
                 <a:solidFill>
                   <a:schemeClr val="dk1"/>
                 </a:solidFill>
@@ -1091,7 +1123,7 @@
                 <a:sym typeface="Times New Roman"/>
               </a:defRPr>
             </a:lvl5pPr>
-            <a:lvl6pPr lvl="5" marR="0" rtl="0" algn="l">
+            <a:lvl6pPr marR="0" lvl="5" algn="l" rtl="0">
               <a:spcBef>
                 <a:spcPts val="0"/>
               </a:spcBef>
@@ -1100,7 +1132,7 @@
               </a:spcAft>
               <a:buSzPts val="1400"/>
               <a:buNone/>
-              <a:defRPr b="0" i="0" sz="2400" u="none" cap="none" strike="noStrike">
+              <a:defRPr sz="2400" b="0" i="0" u="none" strike="noStrike" cap="none">
                 <a:solidFill>
                   <a:schemeClr val="dk1"/>
                 </a:solidFill>
@@ -1110,7 +1142,7 @@
                 <a:sym typeface="Times New Roman"/>
               </a:defRPr>
             </a:lvl6pPr>
-            <a:lvl7pPr lvl="6" marR="0" rtl="0" algn="l">
+            <a:lvl7pPr marR="0" lvl="6" algn="l" rtl="0">
               <a:spcBef>
                 <a:spcPts val="0"/>
               </a:spcBef>
@@ -1119,7 +1151,7 @@
               </a:spcAft>
               <a:buSzPts val="1400"/>
               <a:buNone/>
-              <a:defRPr b="0" i="0" sz="2400" u="none" cap="none" strike="noStrike">
+              <a:defRPr sz="2400" b="0" i="0" u="none" strike="noStrike" cap="none">
                 <a:solidFill>
                   <a:schemeClr val="dk1"/>
                 </a:solidFill>
@@ -1129,7 +1161,7 @@
                 <a:sym typeface="Times New Roman"/>
               </a:defRPr>
             </a:lvl7pPr>
-            <a:lvl8pPr lvl="7" marR="0" rtl="0" algn="l">
+            <a:lvl8pPr marR="0" lvl="7" algn="l" rtl="0">
               <a:spcBef>
                 <a:spcPts val="0"/>
               </a:spcBef>
@@ -1138,7 +1170,7 @@
               </a:spcAft>
               <a:buSzPts val="1400"/>
               <a:buNone/>
-              <a:defRPr b="0" i="0" sz="2400" u="none" cap="none" strike="noStrike">
+              <a:defRPr sz="2400" b="0" i="0" u="none" strike="noStrike" cap="none">
                 <a:solidFill>
                   <a:schemeClr val="dk1"/>
                 </a:solidFill>
@@ -1148,7 +1180,7 @@
                 <a:sym typeface="Times New Roman"/>
               </a:defRPr>
             </a:lvl8pPr>
-            <a:lvl9pPr lvl="8" marR="0" rtl="0" algn="l">
+            <a:lvl9pPr marR="0" lvl="8" algn="l" rtl="0">
               <a:spcBef>
                 <a:spcPts val="0"/>
               </a:spcBef>
@@ -1157,7 +1189,7 @@
               </a:spcAft>
               <a:buSzPts val="1400"/>
               <a:buNone/>
-              <a:defRPr b="0" i="0" sz="2400" u="none" cap="none" strike="noStrike">
+              <a:defRPr sz="2400" b="0" i="0" u="none" strike="noStrike" cap="none">
                 <a:solidFill>
                   <a:schemeClr val="dk1"/>
                 </a:solidFill>
@@ -1168,15 +1200,19 @@
               </a:defRPr>
             </a:lvl9pPr>
           </a:lstStyle>
-          <a:p/>
+          <a:p>
+            <a:endParaRPr/>
+          </a:p>
         </p:txBody>
       </p:sp>
       <p:sp>
         <p:nvSpPr>
           <p:cNvPr id="8" name="Google Shape;8;n"/>
-          <p:cNvSpPr txBox="1"/>
+          <p:cNvSpPr txBox="1">
+            <a:spLocks noGrp="1"/>
+          </p:cNvSpPr>
           <p:nvPr>
-            <p:ph idx="12" type="sldNum"/>
+            <p:ph type="sldNum" idx="12"/>
           </p:nvPr>
         </p:nvSpPr>
         <p:spPr>
@@ -1193,12 +1229,12 @@
           </a:ln>
         </p:spPr>
         <p:txBody>
-          <a:bodyPr anchorCtr="0" anchor="b" bIns="45700" lIns="91425" spcFirstLastPara="1" rIns="91425" wrap="square" tIns="45700">
+          <a:bodyPr spcFirstLastPara="1" wrap="square" lIns="91425" tIns="45700" rIns="91425" bIns="45700" anchor="b" anchorCtr="0">
             <a:noAutofit/>
           </a:bodyPr>
           <a:lstStyle/>
           <a:p>
-            <a:pPr indent="0" lvl="0" marL="0" marR="0" rtl="0" algn="r">
+            <a:pPr marL="0" marR="0" lvl="0" indent="0" algn="r" rtl="0">
               <a:spcBef>
                 <a:spcPts val="0"/>
               </a:spcBef>
@@ -1208,7 +1244,7 @@
               <a:buNone/>
             </a:pPr>
             <a:fld id="{00000000-1234-1234-1234-123412341234}" type="slidenum">
-              <a:rPr b="0" i="0" lang="fr-CH" sz="1200" u="none" cap="none" strike="noStrike">
+              <a:rPr lang="fr-CH" sz="1200" b="0" i="0" u="none" strike="noStrike" cap="none">
                 <a:solidFill>
                   <a:schemeClr val="dk1"/>
                 </a:solidFill>
@@ -1219,7 +1255,7 @@
               </a:rPr>
               <a:t>‹#›</a:t>
             </a:fld>
-            <a:endParaRPr b="0" i="0" sz="1200" u="none" cap="none" strike="noStrike">
+            <a:endParaRPr sz="1200" b="0" i="0" u="none" strike="noStrike" cap="none">
               <a:solidFill>
                 <a:schemeClr val="dk1"/>
               </a:solidFill>
@@ -1233,9 +1269,9 @@
       </p:sp>
     </p:spTree>
   </p:cSld>
-  <p:clrMap accent1="accent1" accent2="accent2" accent3="accent3" accent4="accent4" accent5="accent5" accent6="accent6" bg1="lt1" bg2="dk2" tx1="dk1" tx2="lt2" folHlink="folHlink" hlink="hlink"/>
+  <p:clrMap bg1="lt1" tx1="dk1" bg2="dk2" tx2="lt2" accent1="accent1" accent2="accent2" accent3="accent3" accent4="accent4" accent5="accent5" accent6="accent6" hlink="hlink" folHlink="folHlink"/>
   <p:notesStyle>
-    <a:defPPr lvl="0" marR="0" rtl="0" algn="l">
+    <a:defPPr marR="0" lvl="0" algn="l" rtl="0">
       <a:lnSpc>
         <a:spcPct val="100000"/>
       </a:lnSpc>
@@ -1246,7 +1282,7 @@
         <a:spcPts val="0"/>
       </a:spcAft>
     </a:defPPr>
-    <a:lvl1pPr lvl="0" marR="0" rtl="0" algn="l">
+    <a:lvl1pPr marR="0" lvl="0" algn="l" rtl="0">
       <a:lnSpc>
         <a:spcPct val="100000"/>
       </a:lnSpc>
@@ -1260,7 +1296,7 @@
         <a:srgbClr val="000000"/>
       </a:buClr>
       <a:buFont typeface="Arial"/>
-      <a:defRPr b="0" i="0" sz="1400" u="none" cap="none" strike="noStrike">
+      <a:defRPr sz="1400" b="0" i="0" u="none" strike="noStrike" cap="none">
         <a:solidFill>
           <a:srgbClr val="000000"/>
         </a:solidFill>
@@ -1270,7 +1306,7 @@
         <a:sym typeface="Arial"/>
       </a:defRPr>
     </a:lvl1pPr>
-    <a:lvl2pPr lvl="1" marR="0" rtl="0" algn="l">
+    <a:lvl2pPr marR="0" lvl="1" algn="l" rtl="0">
       <a:lnSpc>
         <a:spcPct val="100000"/>
       </a:lnSpc>
@@ -1284,7 +1320,7 @@
         <a:srgbClr val="000000"/>
       </a:buClr>
       <a:buFont typeface="Arial"/>
-      <a:defRPr b="0" i="0" sz="1400" u="none" cap="none" strike="noStrike">
+      <a:defRPr sz="1400" b="0" i="0" u="none" strike="noStrike" cap="none">
         <a:solidFill>
           <a:srgbClr val="000000"/>
         </a:solidFill>
@@ -1294,7 +1330,7 @@
         <a:sym typeface="Arial"/>
       </a:defRPr>
     </a:lvl2pPr>
-    <a:lvl3pPr lvl="2" marR="0" rtl="0" algn="l">
+    <a:lvl3pPr marR="0" lvl="2" algn="l" rtl="0">
       <a:lnSpc>
         <a:spcPct val="100000"/>
       </a:lnSpc>
@@ -1308,7 +1344,7 @@
         <a:srgbClr val="000000"/>
       </a:buClr>
       <a:buFont typeface="Arial"/>
-      <a:defRPr b="0" i="0" sz="1400" u="none" cap="none" strike="noStrike">
+      <a:defRPr sz="1400" b="0" i="0" u="none" strike="noStrike" cap="none">
         <a:solidFill>
           <a:srgbClr val="000000"/>
         </a:solidFill>
@@ -1318,7 +1354,7 @@
         <a:sym typeface="Arial"/>
       </a:defRPr>
     </a:lvl3pPr>
-    <a:lvl4pPr lvl="3" marR="0" rtl="0" algn="l">
+    <a:lvl4pPr marR="0" lvl="3" algn="l" rtl="0">
       <a:lnSpc>
         <a:spcPct val="100000"/>
       </a:lnSpc>
@@ -1332,7 +1368,7 @@
         <a:srgbClr val="000000"/>
       </a:buClr>
       <a:buFont typeface="Arial"/>
-      <a:defRPr b="0" i="0" sz="1400" u="none" cap="none" strike="noStrike">
+      <a:defRPr sz="1400" b="0" i="0" u="none" strike="noStrike" cap="none">
         <a:solidFill>
           <a:srgbClr val="000000"/>
         </a:solidFill>
@@ -1342,7 +1378,7 @@
         <a:sym typeface="Arial"/>
       </a:defRPr>
     </a:lvl4pPr>
-    <a:lvl5pPr lvl="4" marR="0" rtl="0" algn="l">
+    <a:lvl5pPr marR="0" lvl="4" algn="l" rtl="0">
       <a:lnSpc>
         <a:spcPct val="100000"/>
       </a:lnSpc>
@@ -1356,7 +1392,7 @@
         <a:srgbClr val="000000"/>
       </a:buClr>
       <a:buFont typeface="Arial"/>
-      <a:defRPr b="0" i="0" sz="1400" u="none" cap="none" strike="noStrike">
+      <a:defRPr sz="1400" b="0" i="0" u="none" strike="noStrike" cap="none">
         <a:solidFill>
           <a:srgbClr val="000000"/>
         </a:solidFill>
@@ -1366,7 +1402,7 @@
         <a:sym typeface="Arial"/>
       </a:defRPr>
     </a:lvl5pPr>
-    <a:lvl6pPr lvl="5" marR="0" rtl="0" algn="l">
+    <a:lvl6pPr marR="0" lvl="5" algn="l" rtl="0">
       <a:lnSpc>
         <a:spcPct val="100000"/>
       </a:lnSpc>
@@ -1380,7 +1416,7 @@
         <a:srgbClr val="000000"/>
       </a:buClr>
       <a:buFont typeface="Arial"/>
-      <a:defRPr b="0" i="0" sz="1400" u="none" cap="none" strike="noStrike">
+      <a:defRPr sz="1400" b="0" i="0" u="none" strike="noStrike" cap="none">
         <a:solidFill>
           <a:srgbClr val="000000"/>
         </a:solidFill>
@@ -1390,7 +1426,7 @@
         <a:sym typeface="Arial"/>
       </a:defRPr>
     </a:lvl6pPr>
-    <a:lvl7pPr lvl="6" marR="0" rtl="0" algn="l">
+    <a:lvl7pPr marR="0" lvl="6" algn="l" rtl="0">
       <a:lnSpc>
         <a:spcPct val="100000"/>
       </a:lnSpc>
@@ -1404,7 +1440,7 @@
         <a:srgbClr val="000000"/>
       </a:buClr>
       <a:buFont typeface="Arial"/>
-      <a:defRPr b="0" i="0" sz="1400" u="none" cap="none" strike="noStrike">
+      <a:defRPr sz="1400" b="0" i="0" u="none" strike="noStrike" cap="none">
         <a:solidFill>
           <a:srgbClr val="000000"/>
         </a:solidFill>
@@ -1414,7 +1450,7 @@
         <a:sym typeface="Arial"/>
       </a:defRPr>
     </a:lvl7pPr>
-    <a:lvl8pPr lvl="7" marR="0" rtl="0" algn="l">
+    <a:lvl8pPr marR="0" lvl="7" algn="l" rtl="0">
       <a:lnSpc>
         <a:spcPct val="100000"/>
       </a:lnSpc>
@@ -1428,7 +1464,7 @@
         <a:srgbClr val="000000"/>
       </a:buClr>
       <a:buFont typeface="Arial"/>
-      <a:defRPr b="0" i="0" sz="1400" u="none" cap="none" strike="noStrike">
+      <a:defRPr sz="1400" b="0" i="0" u="none" strike="noStrike" cap="none">
         <a:solidFill>
           <a:srgbClr val="000000"/>
         </a:solidFill>
@@ -1438,7 +1474,7 @@
         <a:sym typeface="Arial"/>
       </a:defRPr>
     </a:lvl8pPr>
-    <a:lvl9pPr lvl="8" marR="0" rtl="0" algn="l">
+    <a:lvl9pPr marR="0" lvl="8" algn="l" rtl="0">
       <a:lnSpc>
         <a:spcPct val="100000"/>
       </a:lnSpc>
@@ -1452,7 +1488,7 @@
         <a:srgbClr val="000000"/>
       </a:buClr>
       <a:buFont typeface="Arial"/>
-      <a:defRPr b="0" i="0" sz="1400" u="none" cap="none" strike="noStrike">
+      <a:defRPr sz="1400" b="0" i="0" u="none" strike="noStrike" cap="none">
         <a:solidFill>
           <a:srgbClr val="000000"/>
         </a:solidFill>
@@ -1467,11 +1503,11 @@
 </file>
 
 <file path=ppt/notesSlides/notesSlide1.xml><?xml version="1.0" encoding="utf-8"?>
-<p:notes xmlns:a="http://schemas.openxmlformats.org/drawingml/2006/main" xmlns:r="http://schemas.openxmlformats.org/officeDocument/2006/relationships" xmlns:mc="http://schemas.openxmlformats.org/markup-compatibility/2006" xmlns:mv="urn:schemas-microsoft-com:mac:vml" xmlns:p="http://schemas.openxmlformats.org/presentationml/2006/main" xmlns:c="http://schemas.openxmlformats.org/drawingml/2006/chart" xmlns:dgm="http://schemas.openxmlformats.org/drawingml/2006/diagram" xmlns:o="urn:schemas-microsoft-com:office:office" xmlns:v="urn:schemas-microsoft-com:vml" xmlns:pvml="urn:schemas-microsoft-com:office:powerpoint" xmlns:com="http://schemas.openxmlformats.org/drawingml/2006/compatibility" xmlns:p14="http://schemas.microsoft.com/office/powerpoint/2010/main" xmlns:p15="http://schemas.microsoft.com/office/powerpoint/2012/main" xmlns:ahyp="http://schemas.microsoft.com/office/drawing/2018/hyperlinkcolor" showMasterPhAnim="0" showMasterSp="0">
+<p:notes xmlns:a="http://schemas.openxmlformats.org/drawingml/2006/main" xmlns:r="http://schemas.openxmlformats.org/officeDocument/2006/relationships" xmlns:p="http://schemas.openxmlformats.org/presentationml/2006/main" showMasterSp="0" showMasterPhAnim="0">
   <p:cSld>
     <p:spTree>
       <p:nvGrpSpPr>
-        <p:cNvPr id="17" name="Shape 17"/>
+        <p:cNvPr id="1" name="Shape 17"/>
         <p:cNvGrpSpPr/>
         <p:nvPr/>
       </p:nvGrpSpPr>
@@ -1486,9 +1522,11 @@
       <p:sp>
         <p:nvSpPr>
           <p:cNvPr id="18" name="Google Shape;18;p1:notes"/>
-          <p:cNvSpPr txBox="1"/>
+          <p:cNvSpPr txBox="1">
+            <a:spLocks noGrp="1"/>
+          </p:cNvSpPr>
           <p:nvPr>
-            <p:ph idx="10" type="dt"/>
+            <p:ph type="dt" idx="10"/>
           </p:nvPr>
         </p:nvSpPr>
         <p:spPr>
@@ -1505,12 +1543,12 @@
           </a:ln>
         </p:spPr>
         <p:txBody>
-          <a:bodyPr anchorCtr="0" anchor="t" bIns="45700" lIns="91425" spcFirstLastPara="1" rIns="91425" wrap="square" tIns="45700">
+          <a:bodyPr spcFirstLastPara="1" wrap="square" lIns="91425" tIns="45700" rIns="91425" bIns="45700" anchor="t" anchorCtr="0">
             <a:noAutofit/>
           </a:bodyPr>
           <a:lstStyle/>
           <a:p>
-            <a:pPr indent="0" lvl="0" marL="0" marR="0" rtl="0" algn="r">
+            <a:pPr marL="0" marR="0" lvl="0" indent="0" algn="r" rtl="0">
               <a:spcBef>
                 <a:spcPts val="0"/>
               </a:spcBef>
@@ -1520,7 +1558,7 @@
               <a:buNone/>
             </a:pPr>
             <a:r>
-              <a:rPr b="0" i="0" lang="fr-CH" sz="1200" u="none" cap="none" strike="noStrike">
+              <a:rPr lang="fr-CH" sz="1200" b="0" i="0" u="none" strike="noStrike" cap="none">
                 <a:solidFill>
                   <a:schemeClr val="dk1"/>
                 </a:solidFill>
@@ -1531,7 +1569,7 @@
               </a:rPr>
               <a:t>22.12.2018</a:t>
             </a:r>
-            <a:endParaRPr b="0" i="0" sz="1200" u="none" cap="none" strike="noStrike">
+            <a:endParaRPr sz="1200" b="0" i="0" u="none" strike="noStrike" cap="none">
               <a:solidFill>
                 <a:schemeClr val="dk1"/>
               </a:solidFill>
@@ -1546,9 +1584,11 @@
       <p:sp>
         <p:nvSpPr>
           <p:cNvPr id="19" name="Google Shape;19;p1:notes"/>
-          <p:cNvSpPr txBox="1"/>
+          <p:cNvSpPr txBox="1">
+            <a:spLocks noGrp="1"/>
+          </p:cNvSpPr>
           <p:nvPr>
-            <p:ph idx="12" type="sldNum"/>
+            <p:ph type="sldNum" idx="12"/>
           </p:nvPr>
         </p:nvSpPr>
         <p:spPr>
@@ -1565,12 +1605,12 @@
           </a:ln>
         </p:spPr>
         <p:txBody>
-          <a:bodyPr anchorCtr="0" anchor="b" bIns="45700" lIns="91425" spcFirstLastPara="1" rIns="91425" wrap="square" tIns="45700">
+          <a:bodyPr spcFirstLastPara="1" wrap="square" lIns="91425" tIns="45700" rIns="91425" bIns="45700" anchor="b" anchorCtr="0">
             <a:noAutofit/>
           </a:bodyPr>
           <a:lstStyle/>
           <a:p>
-            <a:pPr indent="0" lvl="0" marL="0" marR="0" rtl="0" algn="r">
+            <a:pPr marL="0" marR="0" lvl="0" indent="0" algn="r" rtl="0">
               <a:spcBef>
                 <a:spcPts val="0"/>
               </a:spcBef>
@@ -1580,7 +1620,7 @@
               <a:buNone/>
             </a:pPr>
             <a:fld id="{00000000-1234-1234-1234-123412341234}" type="slidenum">
-              <a:rPr b="0" i="0" lang="fr-CH" sz="1200" u="none" cap="none" strike="noStrike">
+              <a:rPr lang="fr-CH" sz="1200" b="0" i="0" u="none" strike="noStrike" cap="none">
                 <a:solidFill>
                   <a:schemeClr val="dk1"/>
                 </a:solidFill>
@@ -1589,9 +1629,9 @@
                 <a:cs typeface="Arial Narrow"/>
                 <a:sym typeface="Arial Narrow"/>
               </a:rPr>
-              <a:t>‹#›</a:t>
+              <a:t>1</a:t>
             </a:fld>
-            <a:endParaRPr b="0" i="0" sz="1200" u="none" cap="none" strike="noStrike">
+            <a:endParaRPr sz="1200" b="0" i="0" u="none" strike="noStrike" cap="none">
               <a:solidFill>
                 <a:schemeClr val="dk1"/>
               </a:solidFill>
@@ -1606,9 +1646,11 @@
       <p:sp>
         <p:nvSpPr>
           <p:cNvPr id="20" name="Google Shape;20;p1:notes"/>
-          <p:cNvSpPr/>
+          <p:cNvSpPr>
+            <a:spLocks noGrp="1" noRot="1" noChangeAspect="1"/>
+          </p:cNvSpPr>
           <p:nvPr>
-            <p:ph idx="2" type="sldImg"/>
+            <p:ph type="sldImg" idx="2"/>
           </p:nvPr>
         </p:nvSpPr>
         <p:spPr>
@@ -1617,9 +1659,13 @@
             <a:ext cx="4572000" cy="3429000"/>
           </a:xfrm>
           <a:custGeom>
-            <a:rect b="b" l="l" r="r" t="t"/>
+            <a:avLst/>
+            <a:gdLst/>
+            <a:ahLst/>
+            <a:cxnLst/>
+            <a:rect l="l" t="t" r="r" b="b"/>
             <a:pathLst>
-              <a:path extrusionOk="0" h="120000" w="120000">
+              <a:path w="120000" h="120000" extrusionOk="0">
                 <a:moveTo>
                   <a:pt x="0" y="0"/>
                 </a:moveTo>
@@ -1645,9 +1691,11 @@
       <p:sp>
         <p:nvSpPr>
           <p:cNvPr id="21" name="Google Shape;21;p1:notes"/>
-          <p:cNvSpPr txBox="1"/>
+          <p:cNvSpPr txBox="1">
+            <a:spLocks noGrp="1"/>
+          </p:cNvSpPr>
           <p:nvPr>
-            <p:ph idx="1" type="body"/>
+            <p:ph type="body" idx="1"/>
           </p:nvPr>
         </p:nvSpPr>
         <p:spPr>
@@ -1664,12 +1712,12 @@
           </a:ln>
         </p:spPr>
         <p:txBody>
-          <a:bodyPr anchorCtr="0" anchor="t" bIns="45700" lIns="91425" spcFirstLastPara="1" rIns="91425" wrap="square" tIns="45700">
+          <a:bodyPr spcFirstLastPara="1" wrap="square" lIns="91425" tIns="45700" rIns="91425" bIns="45700" anchor="t" anchorCtr="0">
             <a:noAutofit/>
           </a:bodyPr>
           <a:lstStyle/>
           <a:p>
-            <a:pPr indent="0" lvl="0" marL="0" rtl="0" algn="l">
+            <a:pPr marL="0" lvl="0" indent="0" algn="l" rtl="0">
               <a:lnSpc>
                 <a:spcPct val="80000"/>
               </a:lnSpc>
@@ -1681,9 +1729,6 @@
               </a:spcAft>
               <a:buNone/>
             </a:pPr>
-            <a:r>
-              <a:t/>
-            </a:r>
             <a:endParaRPr sz="1800"/>
           </a:p>
         </p:txBody>
@@ -1691,9 +1736,11 @@
       <p:sp>
         <p:nvSpPr>
           <p:cNvPr id="22" name="Google Shape;22;p1:notes"/>
-          <p:cNvSpPr txBox="1"/>
+          <p:cNvSpPr txBox="1">
+            <a:spLocks noGrp="1"/>
+          </p:cNvSpPr>
           <p:nvPr>
-            <p:ph idx="11" type="ftr"/>
+            <p:ph type="ftr" idx="11"/>
           </p:nvPr>
         </p:nvSpPr>
         <p:spPr>
@@ -1710,12 +1757,12 @@
           </a:ln>
         </p:spPr>
         <p:txBody>
-          <a:bodyPr anchorCtr="0" anchor="b" bIns="45700" lIns="91425" spcFirstLastPara="1" rIns="91425" wrap="square" tIns="45700">
+          <a:bodyPr spcFirstLastPara="1" wrap="square" lIns="91425" tIns="45700" rIns="91425" bIns="45700" anchor="b" anchorCtr="0">
             <a:noAutofit/>
           </a:bodyPr>
           <a:lstStyle/>
           <a:p>
-            <a:pPr indent="0" lvl="0" marL="0" rtl="0" algn="l">
+            <a:pPr marL="0" lvl="0" indent="0" algn="l" rtl="0">
               <a:spcBef>
                 <a:spcPts val="0"/>
               </a:spcBef>
@@ -1741,11 +1788,11 @@
 </file>
 
 <file path=ppt/notesSlides/notesSlide2.xml><?xml version="1.0" encoding="utf-8"?>
-<p:notes xmlns:a="http://schemas.openxmlformats.org/drawingml/2006/main" xmlns:r="http://schemas.openxmlformats.org/officeDocument/2006/relationships" xmlns:mc="http://schemas.openxmlformats.org/markup-compatibility/2006" xmlns:mv="urn:schemas-microsoft-com:mac:vml" xmlns:p="http://schemas.openxmlformats.org/presentationml/2006/main" xmlns:c="http://schemas.openxmlformats.org/drawingml/2006/chart" xmlns:dgm="http://schemas.openxmlformats.org/drawingml/2006/diagram" xmlns:o="urn:schemas-microsoft-com:office:office" xmlns:v="urn:schemas-microsoft-com:vml" xmlns:pvml="urn:schemas-microsoft-com:office:powerpoint" xmlns:com="http://schemas.openxmlformats.org/drawingml/2006/compatibility" xmlns:p14="http://schemas.microsoft.com/office/powerpoint/2010/main" xmlns:p15="http://schemas.microsoft.com/office/powerpoint/2012/main" xmlns:ahyp="http://schemas.microsoft.com/office/drawing/2018/hyperlinkcolor" showMasterPhAnim="0" showMasterSp="0">
+<p:notes xmlns:a="http://schemas.openxmlformats.org/drawingml/2006/main" xmlns:r="http://schemas.openxmlformats.org/officeDocument/2006/relationships" xmlns:p="http://schemas.openxmlformats.org/presentationml/2006/main" showMasterSp="0" showMasterPhAnim="0">
   <p:cSld>
     <p:spTree>
       <p:nvGrpSpPr>
-        <p:cNvPr id="33" name="Shape 33"/>
+        <p:cNvPr id="1" name="Shape 33"/>
         <p:cNvGrpSpPr/>
         <p:nvPr/>
       </p:nvGrpSpPr>
@@ -1760,9 +1807,11 @@
       <p:sp>
         <p:nvSpPr>
           <p:cNvPr id="34" name="Google Shape;34;p2:notes"/>
-          <p:cNvSpPr txBox="1"/>
+          <p:cNvSpPr txBox="1">
+            <a:spLocks noGrp="1"/>
+          </p:cNvSpPr>
           <p:nvPr>
-            <p:ph idx="10" type="dt"/>
+            <p:ph type="dt" idx="10"/>
           </p:nvPr>
         </p:nvSpPr>
         <p:spPr>
@@ -1779,12 +1828,12 @@
           </a:ln>
         </p:spPr>
         <p:txBody>
-          <a:bodyPr anchorCtr="0" anchor="t" bIns="45700" lIns="91425" spcFirstLastPara="1" rIns="91425" wrap="square" tIns="45700">
+          <a:bodyPr spcFirstLastPara="1" wrap="square" lIns="91425" tIns="45700" rIns="91425" bIns="45700" anchor="t" anchorCtr="0">
             <a:noAutofit/>
           </a:bodyPr>
           <a:lstStyle/>
           <a:p>
-            <a:pPr indent="0" lvl="0" marL="0" marR="0" rtl="0" algn="r">
+            <a:pPr marL="0" marR="0" lvl="0" indent="0" algn="r" rtl="0">
               <a:spcBef>
                 <a:spcPts val="0"/>
               </a:spcBef>
@@ -1794,7 +1843,7 @@
               <a:buNone/>
             </a:pPr>
             <a:r>
-              <a:rPr b="0" i="0" lang="fr-CH" sz="1200" u="none" cap="none" strike="noStrike">
+              <a:rPr lang="fr-CH" sz="1200" b="0" i="0" u="none" strike="noStrike" cap="none">
                 <a:solidFill>
                   <a:schemeClr val="dk1"/>
                 </a:solidFill>
@@ -1805,7 +1854,7 @@
               </a:rPr>
               <a:t>22.12.2018</a:t>
             </a:r>
-            <a:endParaRPr b="0" i="0" sz="1200" u="none" cap="none" strike="noStrike">
+            <a:endParaRPr sz="1200" b="0" i="0" u="none" strike="noStrike" cap="none">
               <a:solidFill>
                 <a:schemeClr val="dk1"/>
               </a:solidFill>
@@ -1820,9 +1869,11 @@
       <p:sp>
         <p:nvSpPr>
           <p:cNvPr id="35" name="Google Shape;35;p2:notes"/>
-          <p:cNvSpPr txBox="1"/>
+          <p:cNvSpPr txBox="1">
+            <a:spLocks noGrp="1"/>
+          </p:cNvSpPr>
           <p:nvPr>
-            <p:ph idx="12" type="sldNum"/>
+            <p:ph type="sldNum" idx="12"/>
           </p:nvPr>
         </p:nvSpPr>
         <p:spPr>
@@ -1839,12 +1890,12 @@
           </a:ln>
         </p:spPr>
         <p:txBody>
-          <a:bodyPr anchorCtr="0" anchor="b" bIns="45700" lIns="91425" spcFirstLastPara="1" rIns="91425" wrap="square" tIns="45700">
+          <a:bodyPr spcFirstLastPara="1" wrap="square" lIns="91425" tIns="45700" rIns="91425" bIns="45700" anchor="b" anchorCtr="0">
             <a:noAutofit/>
           </a:bodyPr>
           <a:lstStyle/>
           <a:p>
-            <a:pPr indent="0" lvl="0" marL="0" marR="0" rtl="0" algn="r">
+            <a:pPr marL="0" marR="0" lvl="0" indent="0" algn="r" rtl="0">
               <a:spcBef>
                 <a:spcPts val="0"/>
               </a:spcBef>
@@ -1854,7 +1905,7 @@
               <a:buNone/>
             </a:pPr>
             <a:fld id="{00000000-1234-1234-1234-123412341234}" type="slidenum">
-              <a:rPr b="0" i="0" lang="fr-CH" sz="1200" u="none" cap="none" strike="noStrike">
+              <a:rPr lang="fr-CH" sz="1200" b="0" i="0" u="none" strike="noStrike" cap="none">
                 <a:solidFill>
                   <a:schemeClr val="dk1"/>
                 </a:solidFill>
@@ -1863,9 +1914,9 @@
                 <a:cs typeface="Arial Narrow"/>
                 <a:sym typeface="Arial Narrow"/>
               </a:rPr>
-              <a:t>‹#›</a:t>
+              <a:t>2</a:t>
             </a:fld>
-            <a:endParaRPr b="0" i="0" sz="1200" u="none" cap="none" strike="noStrike">
+            <a:endParaRPr sz="1200" b="0" i="0" u="none" strike="noStrike" cap="none">
               <a:solidFill>
                 <a:schemeClr val="dk1"/>
               </a:solidFill>
@@ -1880,9 +1931,11 @@
       <p:sp>
         <p:nvSpPr>
           <p:cNvPr id="36" name="Google Shape;36;p2:notes"/>
-          <p:cNvSpPr/>
+          <p:cNvSpPr>
+            <a:spLocks noGrp="1" noRot="1" noChangeAspect="1"/>
+          </p:cNvSpPr>
           <p:nvPr>
-            <p:ph idx="2" type="sldImg"/>
+            <p:ph type="sldImg" idx="2"/>
           </p:nvPr>
         </p:nvSpPr>
         <p:spPr>
@@ -1891,9 +1944,13 @@
             <a:ext cx="4572000" cy="3429000"/>
           </a:xfrm>
           <a:custGeom>
-            <a:rect b="b" l="l" r="r" t="t"/>
+            <a:avLst/>
+            <a:gdLst/>
+            <a:ahLst/>
+            <a:cxnLst/>
+            <a:rect l="l" t="t" r="r" b="b"/>
             <a:pathLst>
-              <a:path extrusionOk="0" h="120000" w="120000">
+              <a:path w="120000" h="120000" extrusionOk="0">
                 <a:moveTo>
                   <a:pt x="0" y="0"/>
                 </a:moveTo>
@@ -1919,9 +1976,11 @@
       <p:sp>
         <p:nvSpPr>
           <p:cNvPr id="37" name="Google Shape;37;p2:notes"/>
-          <p:cNvSpPr txBox="1"/>
+          <p:cNvSpPr txBox="1">
+            <a:spLocks noGrp="1"/>
+          </p:cNvSpPr>
           <p:nvPr>
-            <p:ph idx="1" type="body"/>
+            <p:ph type="body" idx="1"/>
           </p:nvPr>
         </p:nvSpPr>
         <p:spPr>
@@ -1938,12 +1997,12 @@
           </a:ln>
         </p:spPr>
         <p:txBody>
-          <a:bodyPr anchorCtr="0" anchor="t" bIns="45700" lIns="91425" spcFirstLastPara="1" rIns="91425" wrap="square" tIns="45700">
+          <a:bodyPr spcFirstLastPara="1" wrap="square" lIns="91425" tIns="45700" rIns="91425" bIns="45700" anchor="t" anchorCtr="0">
             <a:noAutofit/>
           </a:bodyPr>
           <a:lstStyle/>
           <a:p>
-            <a:pPr indent="0" lvl="0" marL="0" rtl="0" algn="l">
+            <a:pPr marL="0" lvl="0" indent="0" algn="l" rtl="0">
               <a:lnSpc>
                 <a:spcPct val="80000"/>
               </a:lnSpc>
@@ -1955,9 +2014,6 @@
               </a:spcAft>
               <a:buNone/>
             </a:pPr>
-            <a:r>
-              <a:t/>
-            </a:r>
             <a:endParaRPr sz="1800"/>
           </a:p>
         </p:txBody>
@@ -1965,9 +2021,11 @@
       <p:sp>
         <p:nvSpPr>
           <p:cNvPr id="38" name="Google Shape;38;p2:notes"/>
-          <p:cNvSpPr txBox="1"/>
+          <p:cNvSpPr txBox="1">
+            <a:spLocks noGrp="1"/>
+          </p:cNvSpPr>
           <p:nvPr>
-            <p:ph idx="11" type="ftr"/>
+            <p:ph type="ftr" idx="11"/>
           </p:nvPr>
         </p:nvSpPr>
         <p:spPr>
@@ -1984,12 +2042,12 @@
           </a:ln>
         </p:spPr>
         <p:txBody>
-          <a:bodyPr anchorCtr="0" anchor="b" bIns="45700" lIns="91425" spcFirstLastPara="1" rIns="91425" wrap="square" tIns="45700">
+          <a:bodyPr spcFirstLastPara="1" wrap="square" lIns="91425" tIns="45700" rIns="91425" bIns="45700" anchor="b" anchorCtr="0">
             <a:noAutofit/>
           </a:bodyPr>
           <a:lstStyle/>
           <a:p>
-            <a:pPr indent="0" lvl="0" marL="0" rtl="0" algn="l">
+            <a:pPr marL="0" lvl="0" indent="0" algn="l" rtl="0">
               <a:spcBef>
                 <a:spcPts val="0"/>
               </a:spcBef>
@@ -2015,11 +2073,11 @@
 </file>
 
 <file path=ppt/notesSlides/notesSlide3.xml><?xml version="1.0" encoding="utf-8"?>
-<p:notes xmlns:a="http://schemas.openxmlformats.org/drawingml/2006/main" xmlns:r="http://schemas.openxmlformats.org/officeDocument/2006/relationships" xmlns:mc="http://schemas.openxmlformats.org/markup-compatibility/2006" xmlns:mv="urn:schemas-microsoft-com:mac:vml" xmlns:p="http://schemas.openxmlformats.org/presentationml/2006/main" xmlns:c="http://schemas.openxmlformats.org/drawingml/2006/chart" xmlns:dgm="http://schemas.openxmlformats.org/drawingml/2006/diagram" xmlns:o="urn:schemas-microsoft-com:office:office" xmlns:v="urn:schemas-microsoft-com:vml" xmlns:pvml="urn:schemas-microsoft-com:office:powerpoint" xmlns:com="http://schemas.openxmlformats.org/drawingml/2006/compatibility" xmlns:p14="http://schemas.microsoft.com/office/powerpoint/2010/main" xmlns:p15="http://schemas.microsoft.com/office/powerpoint/2012/main" xmlns:ahyp="http://schemas.microsoft.com/office/drawing/2018/hyperlinkcolor" showMasterPhAnim="0" showMasterSp="0">
+<p:notes xmlns:a="http://schemas.openxmlformats.org/drawingml/2006/main" xmlns:r="http://schemas.openxmlformats.org/officeDocument/2006/relationships" xmlns:p="http://schemas.openxmlformats.org/presentationml/2006/main" showMasterSp="0" showMasterPhAnim="0">
   <p:cSld>
     <p:spTree>
       <p:nvGrpSpPr>
-        <p:cNvPr id="67" name="Shape 67"/>
+        <p:cNvPr id="1" name="Shape 67"/>
         <p:cNvGrpSpPr/>
         <p:nvPr/>
       </p:nvGrpSpPr>
@@ -2034,9 +2092,11 @@
       <p:sp>
         <p:nvSpPr>
           <p:cNvPr id="68" name="Google Shape;68;p3:notes"/>
-          <p:cNvSpPr txBox="1"/>
+          <p:cNvSpPr txBox="1">
+            <a:spLocks noGrp="1"/>
+          </p:cNvSpPr>
           <p:nvPr>
-            <p:ph idx="1" type="body"/>
+            <p:ph type="body" idx="1"/>
           </p:nvPr>
         </p:nvSpPr>
         <p:spPr>
@@ -2049,12 +2109,12 @@
           </a:prstGeom>
         </p:spPr>
         <p:txBody>
-          <a:bodyPr anchorCtr="0" anchor="t" bIns="45700" lIns="91425" spcFirstLastPara="1" rIns="91425" wrap="square" tIns="45700">
+          <a:bodyPr spcFirstLastPara="1" wrap="square" lIns="91425" tIns="45700" rIns="91425" bIns="45700" anchor="t" anchorCtr="0">
             <a:noAutofit/>
           </a:bodyPr>
           <a:lstStyle/>
           <a:p>
-            <a:pPr indent="0" lvl="0" marL="0" rtl="0" algn="l">
+            <a:pPr marL="0" lvl="0" indent="0" algn="l" rtl="0">
               <a:spcBef>
                 <a:spcPts val="360"/>
               </a:spcBef>
@@ -2063,9 +2123,6 @@
               </a:spcAft>
               <a:buNone/>
             </a:pPr>
-            <a:r>
-              <a:t/>
-            </a:r>
             <a:endParaRPr/>
           </a:p>
         </p:txBody>
@@ -2073,9 +2130,11 @@
       <p:sp>
         <p:nvSpPr>
           <p:cNvPr id="69" name="Google Shape;69;p3:notes"/>
-          <p:cNvSpPr/>
+          <p:cNvSpPr>
+            <a:spLocks noGrp="1" noRot="1" noChangeAspect="1"/>
+          </p:cNvSpPr>
           <p:nvPr>
-            <p:ph idx="2" type="sldImg"/>
+            <p:ph type="sldImg" idx="2"/>
           </p:nvPr>
         </p:nvSpPr>
         <p:spPr>
@@ -2084,9 +2143,13 @@
             <a:ext cx="4572000" cy="3429000"/>
           </a:xfrm>
           <a:custGeom>
-            <a:rect b="b" l="l" r="r" t="t"/>
+            <a:avLst/>
+            <a:gdLst/>
+            <a:ahLst/>
+            <a:cxnLst/>
+            <a:rect l="l" t="t" r="r" b="b"/>
             <a:pathLst>
-              <a:path extrusionOk="0" h="120000" w="120000">
+              <a:path w="120000" h="120000" extrusionOk="0">
                 <a:moveTo>
                   <a:pt x="0" y="0"/>
                 </a:moveTo>
@@ -2114,11 +2177,11 @@
 </file>
 
 <file path=ppt/notesSlides/notesSlide4.xml><?xml version="1.0" encoding="utf-8"?>
-<p:notes xmlns:a="http://schemas.openxmlformats.org/drawingml/2006/main" xmlns:r="http://schemas.openxmlformats.org/officeDocument/2006/relationships" xmlns:mc="http://schemas.openxmlformats.org/markup-compatibility/2006" xmlns:mv="urn:schemas-microsoft-com:mac:vml" xmlns:p="http://schemas.openxmlformats.org/presentationml/2006/main" xmlns:c="http://schemas.openxmlformats.org/drawingml/2006/chart" xmlns:dgm="http://schemas.openxmlformats.org/drawingml/2006/diagram" xmlns:o="urn:schemas-microsoft-com:office:office" xmlns:v="urn:schemas-microsoft-com:vml" xmlns:pvml="urn:schemas-microsoft-com:office:powerpoint" xmlns:com="http://schemas.openxmlformats.org/drawingml/2006/compatibility" xmlns:p14="http://schemas.microsoft.com/office/powerpoint/2010/main" xmlns:p15="http://schemas.microsoft.com/office/powerpoint/2012/main" xmlns:ahyp="http://schemas.microsoft.com/office/drawing/2018/hyperlinkcolor" showMasterPhAnim="0" showMasterSp="0">
+<p:notes xmlns:a="http://schemas.openxmlformats.org/drawingml/2006/main" xmlns:r="http://schemas.openxmlformats.org/officeDocument/2006/relationships" xmlns:p="http://schemas.openxmlformats.org/presentationml/2006/main" showMasterSp="0" showMasterPhAnim="0">
   <p:cSld>
     <p:spTree>
       <p:nvGrpSpPr>
-        <p:cNvPr id="73" name="Shape 73"/>
+        <p:cNvPr id="1" name="Shape 67"/>
         <p:cNvGrpSpPr/>
         <p:nvPr/>
       </p:nvGrpSpPr>
@@ -2132,10 +2195,12 @@
       </p:grpSpPr>
       <p:sp>
         <p:nvSpPr>
-          <p:cNvPr id="74" name="Google Shape;74;p4:notes"/>
-          <p:cNvSpPr txBox="1"/>
+          <p:cNvPr id="68" name="Google Shape;68;p3:notes"/>
+          <p:cNvSpPr txBox="1">
+            <a:spLocks noGrp="1"/>
+          </p:cNvSpPr>
           <p:nvPr>
-            <p:ph idx="1" type="body"/>
+            <p:ph type="body" idx="1"/>
           </p:nvPr>
         </p:nvSpPr>
         <p:spPr>
@@ -2148,12 +2213,12 @@
           </a:prstGeom>
         </p:spPr>
         <p:txBody>
-          <a:bodyPr anchorCtr="0" anchor="t" bIns="45700" lIns="91425" spcFirstLastPara="1" rIns="91425" wrap="square" tIns="45700">
+          <a:bodyPr spcFirstLastPara="1" wrap="square" lIns="91425" tIns="45700" rIns="91425" bIns="45700" anchor="t" anchorCtr="0">
             <a:noAutofit/>
           </a:bodyPr>
           <a:lstStyle/>
           <a:p>
-            <a:pPr indent="0" lvl="0" marL="0" rtl="0" algn="l">
+            <a:pPr marL="0" lvl="0" indent="0" algn="l" rtl="0">
               <a:spcBef>
                 <a:spcPts val="360"/>
               </a:spcBef>
@@ -2162,19 +2227,18 @@
               </a:spcAft>
               <a:buNone/>
             </a:pPr>
-            <a:r>
-              <a:t/>
-            </a:r>
             <a:endParaRPr/>
           </a:p>
         </p:txBody>
       </p:sp>
       <p:sp>
         <p:nvSpPr>
-          <p:cNvPr id="75" name="Google Shape;75;p4:notes"/>
-          <p:cNvSpPr/>
+          <p:cNvPr id="69" name="Google Shape;69;p3:notes"/>
+          <p:cNvSpPr>
+            <a:spLocks noGrp="1" noRot="1" noChangeAspect="1"/>
+          </p:cNvSpPr>
           <p:nvPr>
-            <p:ph idx="2" type="sldImg"/>
+            <p:ph type="sldImg" idx="2"/>
           </p:nvPr>
         </p:nvSpPr>
         <p:spPr>
@@ -2183,9 +2247,13 @@
             <a:ext cx="4572000" cy="3429000"/>
           </a:xfrm>
           <a:custGeom>
-            <a:rect b="b" l="l" r="r" t="t"/>
+            <a:avLst/>
+            <a:gdLst/>
+            <a:ahLst/>
+            <a:cxnLst/>
+            <a:rect l="l" t="t" r="r" b="b"/>
             <a:pathLst>
-              <a:path extrusionOk="0" h="120000" w="120000">
+              <a:path w="120000" h="120000" extrusionOk="0">
                 <a:moveTo>
                   <a:pt x="0" y="0"/>
                 </a:moveTo>
@@ -2205,6 +2273,11 @@
         </p:spPr>
       </p:sp>
     </p:spTree>
+    <p:extLst>
+      <p:ext uri="{BB962C8B-B14F-4D97-AF65-F5344CB8AC3E}">
+        <p14:creationId xmlns:p14="http://schemas.microsoft.com/office/powerpoint/2010/main" val="1124461216"/>
+      </p:ext>
+    </p:extLst>
   </p:cSld>
   <p:clrMapOvr>
     <a:masterClrMapping/>
@@ -2213,11 +2286,11 @@
 </file>
 
 <file path=ppt/notesSlides/notesSlide5.xml><?xml version="1.0" encoding="utf-8"?>
-<p:notes xmlns:a="http://schemas.openxmlformats.org/drawingml/2006/main" xmlns:r="http://schemas.openxmlformats.org/officeDocument/2006/relationships" xmlns:mc="http://schemas.openxmlformats.org/markup-compatibility/2006" xmlns:mv="urn:schemas-microsoft-com:mac:vml" xmlns:p="http://schemas.openxmlformats.org/presentationml/2006/main" xmlns:c="http://schemas.openxmlformats.org/drawingml/2006/chart" xmlns:dgm="http://schemas.openxmlformats.org/drawingml/2006/diagram" xmlns:o="urn:schemas-microsoft-com:office:office" xmlns:v="urn:schemas-microsoft-com:vml" xmlns:pvml="urn:schemas-microsoft-com:office:powerpoint" xmlns:com="http://schemas.openxmlformats.org/drawingml/2006/compatibility" xmlns:p14="http://schemas.microsoft.com/office/powerpoint/2010/main" xmlns:p15="http://schemas.microsoft.com/office/powerpoint/2012/main" xmlns:ahyp="http://schemas.microsoft.com/office/drawing/2018/hyperlinkcolor" showMasterPhAnim="0" showMasterSp="0">
+<p:notes xmlns:a="http://schemas.openxmlformats.org/drawingml/2006/main" xmlns:r="http://schemas.openxmlformats.org/officeDocument/2006/relationships" xmlns:p="http://schemas.openxmlformats.org/presentationml/2006/main" showMasterSp="0" showMasterPhAnim="0">
   <p:cSld>
     <p:spTree>
       <p:nvGrpSpPr>
-        <p:cNvPr id="79" name="Shape 79"/>
+        <p:cNvPr id="1" name="Shape 67"/>
         <p:cNvGrpSpPr/>
         <p:nvPr/>
       </p:nvGrpSpPr>
@@ -2231,65 +2304,65 @@
       </p:grpSpPr>
       <p:sp>
         <p:nvSpPr>
-          <p:cNvPr id="80" name="Google Shape;80;p5:notes"/>
-          <p:cNvSpPr txBox="1"/>
+          <p:cNvPr id="68" name="Google Shape;68;p3:notes"/>
+          <p:cNvSpPr txBox="1">
+            <a:spLocks noGrp="1"/>
+          </p:cNvSpPr>
           <p:nvPr>
-            <p:ph idx="12" type="sldNum"/>
+            <p:ph type="body" idx="1"/>
           </p:nvPr>
         </p:nvSpPr>
         <p:spPr>
           <a:xfrm>
-            <a:off x="3884613" y="8685213"/>
-            <a:ext cx="2971800" cy="457200"/>
+            <a:off x="685800" y="4343400"/>
+            <a:ext cx="5486400" cy="4114800"/>
           </a:xfrm>
           <a:prstGeom prst="rect">
             <a:avLst/>
           </a:prstGeom>
-          <a:noFill/>
-          <a:ln>
-            <a:noFill/>
-          </a:ln>
         </p:spPr>
         <p:txBody>
-          <a:bodyPr anchorCtr="0" anchor="b" bIns="45700" lIns="91425" spcFirstLastPara="1" rIns="91425" wrap="square" tIns="45700">
+          <a:bodyPr spcFirstLastPara="1" wrap="square" lIns="91425" tIns="45700" rIns="91425" bIns="45700" anchor="t" anchorCtr="0">
             <a:noAutofit/>
           </a:bodyPr>
           <a:lstStyle/>
           <a:p>
-            <a:pPr indent="0" lvl="0" marL="0" rtl="0" algn="r">
-              <a:spcBef>
-                <a:spcPts val="0"/>
+            <a:pPr marL="0" lvl="0" indent="0" algn="l" rtl="0">
+              <a:spcBef>
+                <a:spcPts val="360"/>
               </a:spcBef>
               <a:spcAft>
                 <a:spcPts val="0"/>
               </a:spcAft>
               <a:buNone/>
             </a:pPr>
-            <a:fld id="{00000000-1234-1234-1234-123412341234}" type="slidenum">
-              <a:rPr lang="fr-CH"/>
-              <a:t>‹#›</a:t>
-            </a:fld>
             <a:endParaRPr/>
           </a:p>
         </p:txBody>
       </p:sp>
       <p:sp>
         <p:nvSpPr>
-          <p:cNvPr id="81" name="Google Shape;81;p5:notes"/>
-          <p:cNvSpPr/>
+          <p:cNvPr id="69" name="Google Shape;69;p3:notes"/>
+          <p:cNvSpPr>
+            <a:spLocks noGrp="1" noRot="1" noChangeAspect="1"/>
+          </p:cNvSpPr>
           <p:nvPr>
-            <p:ph idx="2" type="sldImg"/>
+            <p:ph type="sldImg" idx="2"/>
           </p:nvPr>
         </p:nvSpPr>
         <p:spPr>
           <a:xfrm>
-            <a:off x="1144588" y="687388"/>
-            <a:ext cx="4568825" cy="3427412"/>
+            <a:off x="1143000" y="685800"/>
+            <a:ext cx="4572000" cy="3429000"/>
           </a:xfrm>
           <a:custGeom>
-            <a:rect b="b" l="l" r="r" t="t"/>
+            <a:avLst/>
+            <a:gdLst/>
+            <a:ahLst/>
+            <a:cxnLst/>
+            <a:rect l="l" t="t" r="r" b="b"/>
             <a:pathLst>
-              <a:path extrusionOk="0" h="120000" w="120000">
+              <a:path w="120000" h="120000" extrusionOk="0">
                 <a:moveTo>
                   <a:pt x="0" y="0"/>
                 </a:moveTo>
@@ -2306,100 +2379,14 @@
               </a:path>
             </a:pathLst>
           </a:custGeom>
-          <a:noFill/>
-          <a:ln>
-            <a:noFill/>
-          </a:ln>
-        </p:spPr>
-      </p:sp>
-      <p:sp>
-        <p:nvSpPr>
-          <p:cNvPr id="82" name="Google Shape;82;p5:notes"/>
-          <p:cNvSpPr txBox="1"/>
-          <p:nvPr>
-            <p:ph idx="1" type="body"/>
-          </p:nvPr>
-        </p:nvSpPr>
-        <p:spPr>
-          <a:xfrm>
-            <a:off x="685800" y="4343400"/>
-            <a:ext cx="5486400" cy="4114800"/>
-          </a:xfrm>
-          <a:prstGeom prst="rect">
-            <a:avLst/>
-          </a:prstGeom>
-          <a:noFill/>
-          <a:ln>
-            <a:noFill/>
-          </a:ln>
-        </p:spPr>
-        <p:txBody>
-          <a:bodyPr anchorCtr="0" anchor="t" bIns="45700" lIns="91425" spcFirstLastPara="1" rIns="91425" wrap="square" tIns="45700">
-            <a:noAutofit/>
-          </a:bodyPr>
-          <a:lstStyle/>
-          <a:p>
-            <a:pPr indent="0" lvl="0" marL="0" rtl="0" algn="l">
-              <a:spcBef>
-                <a:spcPts val="0"/>
-              </a:spcBef>
-              <a:spcAft>
-                <a:spcPts val="0"/>
-              </a:spcAft>
-              <a:buNone/>
-            </a:pPr>
-            <a:r>
-              <a:t/>
-            </a:r>
-            <a:endParaRPr/>
-          </a:p>
-        </p:txBody>
-      </p:sp>
-      <p:sp>
-        <p:nvSpPr>
-          <p:cNvPr id="83" name="Google Shape;83;p5:notes"/>
-          <p:cNvSpPr txBox="1"/>
-          <p:nvPr>
-            <p:ph idx="11" type="ftr"/>
-          </p:nvPr>
-        </p:nvSpPr>
-        <p:spPr>
-          <a:xfrm>
-            <a:off x="0" y="8685213"/>
-            <a:ext cx="2971800" cy="457200"/>
-          </a:xfrm>
-          <a:prstGeom prst="rect">
-            <a:avLst/>
-          </a:prstGeom>
-          <a:noFill/>
-          <a:ln>
-            <a:noFill/>
-          </a:ln>
-        </p:spPr>
-        <p:txBody>
-          <a:bodyPr anchorCtr="0" anchor="b" bIns="45700" lIns="91425" spcFirstLastPara="1" rIns="91425" wrap="square" tIns="45700">
-            <a:noAutofit/>
-          </a:bodyPr>
-          <a:lstStyle/>
-          <a:p>
-            <a:pPr indent="0" lvl="0" marL="0" rtl="0" algn="l">
-              <a:spcBef>
-                <a:spcPts val="0"/>
-              </a:spcBef>
-              <a:spcAft>
-                <a:spcPts val="0"/>
-              </a:spcAft>
-              <a:buNone/>
-            </a:pPr>
-            <a:r>
-              <a:rPr lang="fr-CH"/>
-              <a:t>CF-geo présentation</a:t>
-            </a:r>
-            <a:endParaRPr/>
-          </a:p>
-        </p:txBody>
+        </p:spPr>
       </p:sp>
     </p:spTree>
+    <p:extLst>
+      <p:ext uri="{BB962C8B-B14F-4D97-AF65-F5344CB8AC3E}">
+        <p14:creationId xmlns:p14="http://schemas.microsoft.com/office/powerpoint/2010/main" val="2939102265"/>
+      </p:ext>
+    </p:extLst>
   </p:cSld>
   <p:clrMapOvr>
     <a:masterClrMapping/>
@@ -2408,11 +2395,11 @@
 </file>
 
 <file path=ppt/notesSlides/notesSlide6.xml><?xml version="1.0" encoding="utf-8"?>
-<p:notes xmlns:a="http://schemas.openxmlformats.org/drawingml/2006/main" xmlns:r="http://schemas.openxmlformats.org/officeDocument/2006/relationships" xmlns:mc="http://schemas.openxmlformats.org/markup-compatibility/2006" xmlns:mv="urn:schemas-microsoft-com:mac:vml" xmlns:p="http://schemas.openxmlformats.org/presentationml/2006/main" xmlns:c="http://schemas.openxmlformats.org/drawingml/2006/chart" xmlns:dgm="http://schemas.openxmlformats.org/drawingml/2006/diagram" xmlns:o="urn:schemas-microsoft-com:office:office" xmlns:v="urn:schemas-microsoft-com:vml" xmlns:pvml="urn:schemas-microsoft-com:office:powerpoint" xmlns:com="http://schemas.openxmlformats.org/drawingml/2006/compatibility" xmlns:p14="http://schemas.microsoft.com/office/powerpoint/2010/main" xmlns:p15="http://schemas.microsoft.com/office/powerpoint/2012/main" xmlns:ahyp="http://schemas.microsoft.com/office/drawing/2018/hyperlinkcolor" showMasterPhAnim="0" showMasterSp="0">
+<p:notes xmlns:a="http://schemas.openxmlformats.org/drawingml/2006/main" xmlns:r="http://schemas.openxmlformats.org/officeDocument/2006/relationships" xmlns:p="http://schemas.openxmlformats.org/presentationml/2006/main" showMasterSp="0" showMasterPhAnim="0">
   <p:cSld>
     <p:spTree>
       <p:nvGrpSpPr>
-        <p:cNvPr id="89" name="Shape 89"/>
+        <p:cNvPr id="1" name="Shape 67"/>
         <p:cNvGrpSpPr/>
         <p:nvPr/>
       </p:nvGrpSpPr>
@@ -2426,130 +2413,50 @@
       </p:grpSpPr>
       <p:sp>
         <p:nvSpPr>
-          <p:cNvPr id="90" name="Google Shape;90;p6:notes"/>
-          <p:cNvSpPr txBox="1"/>
+          <p:cNvPr id="68" name="Google Shape;68;p3:notes"/>
+          <p:cNvSpPr txBox="1">
+            <a:spLocks noGrp="1"/>
+          </p:cNvSpPr>
           <p:nvPr>
-            <p:ph idx="10" type="dt"/>
+            <p:ph type="body" idx="1"/>
           </p:nvPr>
         </p:nvSpPr>
         <p:spPr>
           <a:xfrm>
-            <a:off x="3884613" y="0"/>
-            <a:ext cx="2971800" cy="457200"/>
+            <a:off x="685800" y="4343400"/>
+            <a:ext cx="5486400" cy="4114800"/>
           </a:xfrm>
           <a:prstGeom prst="rect">
             <a:avLst/>
           </a:prstGeom>
-          <a:noFill/>
-          <a:ln>
-            <a:noFill/>
-          </a:ln>
         </p:spPr>
         <p:txBody>
-          <a:bodyPr anchorCtr="0" anchor="t" bIns="45700" lIns="91425" spcFirstLastPara="1" rIns="91425" wrap="square" tIns="45700">
+          <a:bodyPr spcFirstLastPara="1" wrap="square" lIns="91425" tIns="45700" rIns="91425" bIns="45700" anchor="t" anchorCtr="0">
             <a:noAutofit/>
           </a:bodyPr>
           <a:lstStyle/>
           <a:p>
-            <a:pPr indent="0" lvl="0" marL="0" marR="0" rtl="0" algn="r">
-              <a:spcBef>
-                <a:spcPts val="0"/>
+            <a:pPr marL="0" lvl="0" indent="0" algn="l" rtl="0">
+              <a:spcBef>
+                <a:spcPts val="360"/>
               </a:spcBef>
               <a:spcAft>
                 <a:spcPts val="0"/>
               </a:spcAft>
               <a:buNone/>
             </a:pPr>
-            <a:r>
-              <a:rPr b="0" i="0" lang="fr-CH" sz="1200" u="none" cap="none" strike="noStrike">
-                <a:solidFill>
-                  <a:schemeClr val="dk1"/>
-                </a:solidFill>
-                <a:latin typeface="Arial Narrow"/>
-                <a:ea typeface="Arial Narrow"/>
-                <a:cs typeface="Arial Narrow"/>
-                <a:sym typeface="Arial Narrow"/>
-              </a:rPr>
-              <a:t>22.12.2018</a:t>
-            </a:r>
-            <a:endParaRPr b="0" i="0" sz="1200" u="none" cap="none" strike="noStrike">
-              <a:solidFill>
-                <a:schemeClr val="dk1"/>
-              </a:solidFill>
-              <a:latin typeface="Arial Narrow"/>
-              <a:ea typeface="Arial Narrow"/>
-              <a:cs typeface="Arial Narrow"/>
-              <a:sym typeface="Arial Narrow"/>
-            </a:endParaRPr>
+            <a:endParaRPr/>
           </a:p>
         </p:txBody>
       </p:sp>
       <p:sp>
         <p:nvSpPr>
-          <p:cNvPr id="91" name="Google Shape;91;p6:notes"/>
-          <p:cNvSpPr txBox="1"/>
+          <p:cNvPr id="69" name="Google Shape;69;p3:notes"/>
+          <p:cNvSpPr>
+            <a:spLocks noGrp="1" noRot="1" noChangeAspect="1"/>
+          </p:cNvSpPr>
           <p:nvPr>
-            <p:ph idx="12" type="sldNum"/>
-          </p:nvPr>
-        </p:nvSpPr>
-        <p:spPr>
-          <a:xfrm>
-            <a:off x="3884613" y="8685213"/>
-            <a:ext cx="2971800" cy="457200"/>
-          </a:xfrm>
-          <a:prstGeom prst="rect">
-            <a:avLst/>
-          </a:prstGeom>
-          <a:noFill/>
-          <a:ln>
-            <a:noFill/>
-          </a:ln>
-        </p:spPr>
-        <p:txBody>
-          <a:bodyPr anchorCtr="0" anchor="b" bIns="45700" lIns="91425" spcFirstLastPara="1" rIns="91425" wrap="square" tIns="45700">
-            <a:noAutofit/>
-          </a:bodyPr>
-          <a:lstStyle/>
-          <a:p>
-            <a:pPr indent="0" lvl="0" marL="0" marR="0" rtl="0" algn="r">
-              <a:spcBef>
-                <a:spcPts val="0"/>
-              </a:spcBef>
-              <a:spcAft>
-                <a:spcPts val="0"/>
-              </a:spcAft>
-              <a:buNone/>
-            </a:pPr>
-            <a:fld id="{00000000-1234-1234-1234-123412341234}" type="slidenum">
-              <a:rPr b="0" i="0" lang="fr-CH" sz="1200" u="none" cap="none" strike="noStrike">
-                <a:solidFill>
-                  <a:schemeClr val="dk1"/>
-                </a:solidFill>
-                <a:latin typeface="Arial Narrow"/>
-                <a:ea typeface="Arial Narrow"/>
-                <a:cs typeface="Arial Narrow"/>
-                <a:sym typeface="Arial Narrow"/>
-              </a:rPr>
-              <a:t>‹#›</a:t>
-            </a:fld>
-            <a:endParaRPr b="0" i="0" sz="1200" u="none" cap="none" strike="noStrike">
-              <a:solidFill>
-                <a:schemeClr val="dk1"/>
-              </a:solidFill>
-              <a:latin typeface="Arial Narrow"/>
-              <a:ea typeface="Arial Narrow"/>
-              <a:cs typeface="Arial Narrow"/>
-              <a:sym typeface="Arial Narrow"/>
-            </a:endParaRPr>
-          </a:p>
-        </p:txBody>
-      </p:sp>
-      <p:sp>
-        <p:nvSpPr>
-          <p:cNvPr id="92" name="Google Shape;92;p6:notes"/>
-          <p:cNvSpPr/>
-          <p:nvPr>
-            <p:ph idx="2" type="sldImg"/>
+            <p:ph type="sldImg" idx="2"/>
           </p:nvPr>
         </p:nvSpPr>
         <p:spPr>
@@ -2558,9 +2465,13 @@
             <a:ext cx="4572000" cy="3429000"/>
           </a:xfrm>
           <a:custGeom>
-            <a:rect b="b" l="l" r="r" t="t"/>
+            <a:avLst/>
+            <a:gdLst/>
+            <a:ahLst/>
+            <a:cxnLst/>
+            <a:rect l="l" t="t" r="r" b="b"/>
             <a:pathLst>
-              <a:path extrusionOk="0" h="120000" w="120000">
+              <a:path w="120000" h="120000" extrusionOk="0">
                 <a:moveTo>
                   <a:pt x="0" y="0"/>
                 </a:moveTo>
@@ -2577,103 +2488,14 @@
               </a:path>
             </a:pathLst>
           </a:custGeom>
-          <a:noFill/>
-          <a:ln>
-            <a:noFill/>
-          </a:ln>
-        </p:spPr>
-      </p:sp>
-      <p:sp>
-        <p:nvSpPr>
-          <p:cNvPr id="93" name="Google Shape;93;p6:notes"/>
-          <p:cNvSpPr txBox="1"/>
-          <p:nvPr>
-            <p:ph idx="1" type="body"/>
-          </p:nvPr>
-        </p:nvSpPr>
-        <p:spPr>
-          <a:xfrm>
-            <a:off x="685800" y="4343400"/>
-            <a:ext cx="5486400" cy="4114800"/>
-          </a:xfrm>
-          <a:prstGeom prst="rect">
-            <a:avLst/>
-          </a:prstGeom>
-          <a:noFill/>
-          <a:ln>
-            <a:noFill/>
-          </a:ln>
-        </p:spPr>
-        <p:txBody>
-          <a:bodyPr anchorCtr="0" anchor="t" bIns="45700" lIns="91425" spcFirstLastPara="1" rIns="91425" wrap="square" tIns="45700">
-            <a:noAutofit/>
-          </a:bodyPr>
-          <a:lstStyle/>
-          <a:p>
-            <a:pPr indent="0" lvl="0" marL="0" rtl="0" algn="l">
-              <a:lnSpc>
-                <a:spcPct val="80000"/>
-              </a:lnSpc>
-              <a:spcBef>
-                <a:spcPts val="0"/>
-              </a:spcBef>
-              <a:spcAft>
-                <a:spcPts val="0"/>
-              </a:spcAft>
-              <a:buNone/>
-            </a:pPr>
-            <a:r>
-              <a:t/>
-            </a:r>
-            <a:endParaRPr sz="1800"/>
-          </a:p>
-        </p:txBody>
-      </p:sp>
-      <p:sp>
-        <p:nvSpPr>
-          <p:cNvPr id="94" name="Google Shape;94;p6:notes"/>
-          <p:cNvSpPr txBox="1"/>
-          <p:nvPr>
-            <p:ph idx="11" type="ftr"/>
-          </p:nvPr>
-        </p:nvSpPr>
-        <p:spPr>
-          <a:xfrm>
-            <a:off x="0" y="8685213"/>
-            <a:ext cx="2971800" cy="457200"/>
-          </a:xfrm>
-          <a:prstGeom prst="rect">
-            <a:avLst/>
-          </a:prstGeom>
-          <a:noFill/>
-          <a:ln>
-            <a:noFill/>
-          </a:ln>
-        </p:spPr>
-        <p:txBody>
-          <a:bodyPr anchorCtr="0" anchor="b" bIns="45700" lIns="91425" spcFirstLastPara="1" rIns="91425" wrap="square" tIns="45700">
-            <a:noAutofit/>
-          </a:bodyPr>
-          <a:lstStyle/>
-          <a:p>
-            <a:pPr indent="0" lvl="0" marL="0" rtl="0" algn="l">
-              <a:spcBef>
-                <a:spcPts val="0"/>
-              </a:spcBef>
-              <a:spcAft>
-                <a:spcPts val="0"/>
-              </a:spcAft>
-              <a:buNone/>
-            </a:pPr>
-            <a:r>
-              <a:rPr lang="fr-CH"/>
-              <a:t>CF-geo présentation</a:t>
-            </a:r>
-            <a:endParaRPr/>
-          </a:p>
-        </p:txBody>
+        </p:spPr>
       </p:sp>
     </p:spTree>
+    <p:extLst>
+      <p:ext uri="{BB962C8B-B14F-4D97-AF65-F5344CB8AC3E}">
+        <p14:creationId xmlns:p14="http://schemas.microsoft.com/office/powerpoint/2010/main" val="2816298689"/>
+      </p:ext>
+    </p:extLst>
   </p:cSld>
   <p:clrMapOvr>
     <a:masterClrMapping/>
@@ -2682,11 +2504,11 @@
 </file>
 
 <file path=ppt/slideLayouts/slideLayout1.xml><?xml version="1.0" encoding="utf-8"?>
-<p:sldLayout xmlns:a="http://schemas.openxmlformats.org/drawingml/2006/main" xmlns:r="http://schemas.openxmlformats.org/officeDocument/2006/relationships" xmlns:mc="http://schemas.openxmlformats.org/markup-compatibility/2006" xmlns:mv="urn:schemas-microsoft-com:mac:vml" xmlns:p="http://schemas.openxmlformats.org/presentationml/2006/main" xmlns:c="http://schemas.openxmlformats.org/drawingml/2006/chart" xmlns:dgm="http://schemas.openxmlformats.org/drawingml/2006/diagram" xmlns:o="urn:schemas-microsoft-com:office:office" xmlns:v="urn:schemas-microsoft-com:vml" xmlns:pvml="urn:schemas-microsoft-com:office:powerpoint" xmlns:com="http://schemas.openxmlformats.org/drawingml/2006/compatibility" xmlns:p14="http://schemas.microsoft.com/office/powerpoint/2010/main" xmlns:p15="http://schemas.microsoft.com/office/powerpoint/2012/main" xmlns:ahyp="http://schemas.microsoft.com/office/drawing/2018/hyperlinkcolor" matchingName="CF-geo / Titre et contenu" type="obj">
+<p:sldLayout xmlns:a="http://schemas.openxmlformats.org/drawingml/2006/main" xmlns:r="http://schemas.openxmlformats.org/officeDocument/2006/relationships" xmlns:p="http://schemas.openxmlformats.org/presentationml/2006/main" matchingName="CF-geo / Titre et contenu" type="obj">
   <p:cSld name="OBJECT">
     <p:spTree>
       <p:nvGrpSpPr>
-        <p:cNvPr id="13" name="Shape 13"/>
+        <p:cNvPr id="1" name="Shape 13"/>
         <p:cNvGrpSpPr/>
         <p:nvPr/>
       </p:nvGrpSpPr>
@@ -2701,7 +2523,9 @@
       <p:sp>
         <p:nvSpPr>
           <p:cNvPr id="14" name="Google Shape;14;p8"/>
-          <p:cNvSpPr txBox="1"/>
+          <p:cNvSpPr txBox="1">
+            <a:spLocks noGrp="1"/>
+          </p:cNvSpPr>
           <p:nvPr>
             <p:ph type="title"/>
           </p:nvPr>
@@ -2734,7 +2558,7 @@
           </a:ln>
         </p:spPr>
         <p:txBody>
-          <a:bodyPr anchorCtr="0" anchor="ctr" bIns="45700" lIns="91425" spcFirstLastPara="1" rIns="91425" wrap="square" tIns="45700">
+          <a:bodyPr spcFirstLastPara="1" wrap="square" lIns="91425" tIns="45700" rIns="91425" bIns="45700" anchor="ctr" anchorCtr="0">
             <a:noAutofit/>
           </a:bodyPr>
           <a:lstStyle>
@@ -2838,15 +2662,19 @@
               <a:defRPr/>
             </a:lvl9pPr>
           </a:lstStyle>
-          <a:p/>
+          <a:p>
+            <a:endParaRPr/>
+          </a:p>
         </p:txBody>
       </p:sp>
       <p:sp>
         <p:nvSpPr>
           <p:cNvPr id="15" name="Google Shape;15;p8"/>
-          <p:cNvSpPr txBox="1"/>
+          <p:cNvSpPr txBox="1">
+            <a:spLocks noGrp="1"/>
+          </p:cNvSpPr>
           <p:nvPr>
-            <p:ph idx="1" type="body"/>
+            <p:ph type="body" idx="1"/>
           </p:nvPr>
         </p:nvSpPr>
         <p:spPr>
@@ -2863,11 +2691,11 @@
           </a:ln>
         </p:spPr>
         <p:txBody>
-          <a:bodyPr anchorCtr="0" anchor="t" bIns="45700" lIns="91425" spcFirstLastPara="1" rIns="91425" wrap="square" tIns="45700">
+          <a:bodyPr spcFirstLastPara="1" wrap="square" lIns="91425" tIns="45700" rIns="91425" bIns="45700" anchor="t" anchorCtr="0">
             <a:noAutofit/>
           </a:bodyPr>
           <a:lstStyle>
-            <a:lvl1pPr indent="-406400" lvl="0" marL="457200" marR="0" rtl="0" algn="l">
+            <a:lvl1pPr marL="457200" marR="0" lvl="0" indent="-406400" algn="l" rtl="0">
               <a:spcBef>
                 <a:spcPts val="560"/>
               </a:spcBef>
@@ -2880,7 +2708,7 @@
               <a:buSzPts val="2800"/>
               <a:buFont typeface="Century Gothic"/>
               <a:buChar char="•"/>
-              <a:defRPr b="0" i="0" sz="2800" u="none" cap="none" strike="noStrike">
+              <a:defRPr sz="2800" b="0" i="0" u="none" strike="noStrike" cap="none">
                 <a:solidFill>
                   <a:schemeClr val="dk1"/>
                 </a:solidFill>
@@ -2890,7 +2718,7 @@
                 <a:sym typeface="Century Gothic"/>
               </a:defRPr>
             </a:lvl1pPr>
-            <a:lvl2pPr indent="-406400" lvl="1" marL="914400" marR="0" rtl="0" algn="l">
+            <a:lvl2pPr marL="914400" marR="0" lvl="1" indent="-406400" algn="l" rtl="0">
               <a:spcBef>
                 <a:spcPts val="560"/>
               </a:spcBef>
@@ -2903,7 +2731,7 @@
               <a:buSzPts val="2800"/>
               <a:buFont typeface="Century Gothic"/>
               <a:buChar char="•"/>
-              <a:defRPr b="0" i="0" sz="2800" u="none" cap="none" strike="noStrike">
+              <a:defRPr sz="2800" b="0" i="0" u="none" strike="noStrike" cap="none">
                 <a:solidFill>
                   <a:schemeClr val="dk1"/>
                 </a:solidFill>
@@ -2913,7 +2741,7 @@
                 <a:sym typeface="Century Gothic"/>
               </a:defRPr>
             </a:lvl2pPr>
-            <a:lvl3pPr indent="-381000" lvl="2" marL="1371600" marR="0" rtl="0" algn="l">
+            <a:lvl3pPr marL="1371600" marR="0" lvl="2" indent="-381000" algn="l" rtl="0">
               <a:spcBef>
                 <a:spcPts val="480"/>
               </a:spcBef>
@@ -2926,7 +2754,7 @@
               <a:buSzPts val="2400"/>
               <a:buFont typeface="Century Gothic"/>
               <a:buChar char="•"/>
-              <a:defRPr b="0" i="0" sz="2400" u="none" cap="none" strike="noStrike">
+              <a:defRPr sz="2400" b="0" i="0" u="none" strike="noStrike" cap="none">
                 <a:solidFill>
                   <a:schemeClr val="dk1"/>
                 </a:solidFill>
@@ -2936,7 +2764,7 @@
                 <a:sym typeface="Century Gothic"/>
               </a:defRPr>
             </a:lvl3pPr>
-            <a:lvl4pPr indent="-355600" lvl="3" marL="1828800" marR="0" rtl="0" algn="l">
+            <a:lvl4pPr marL="1828800" marR="0" lvl="3" indent="-355600" algn="l" rtl="0">
               <a:spcBef>
                 <a:spcPts val="400"/>
               </a:spcBef>
@@ -2949,7 +2777,7 @@
               <a:buSzPts val="2000"/>
               <a:buFont typeface="Century Gothic"/>
               <a:buChar char="•"/>
-              <a:defRPr b="0" i="0" sz="2000" u="none" cap="none" strike="noStrike">
+              <a:defRPr sz="2000" b="0" i="0" u="none" strike="noStrike" cap="none">
                 <a:solidFill>
                   <a:schemeClr val="dk1"/>
                 </a:solidFill>
@@ -2959,7 +2787,7 @@
                 <a:sym typeface="Century Gothic"/>
               </a:defRPr>
             </a:lvl4pPr>
-            <a:lvl5pPr indent="-355600" lvl="4" marL="2286000" marR="0" rtl="0" algn="l">
+            <a:lvl5pPr marL="2286000" marR="0" lvl="4" indent="-355600" algn="l" rtl="0">
               <a:spcBef>
                 <a:spcPts val="400"/>
               </a:spcBef>
@@ -2972,7 +2800,7 @@
               <a:buSzPts val="2000"/>
               <a:buFont typeface="Century Gothic"/>
               <a:buChar char="•"/>
-              <a:defRPr b="0" i="0" sz="2000" u="none" cap="none" strike="noStrike">
+              <a:defRPr sz="2000" b="0" i="0" u="none" strike="noStrike" cap="none">
                 <a:solidFill>
                   <a:schemeClr val="dk1"/>
                 </a:solidFill>
@@ -2982,7 +2810,7 @@
                 <a:sym typeface="Century Gothic"/>
               </a:defRPr>
             </a:lvl5pPr>
-            <a:lvl6pPr indent="-355600" lvl="5" marL="2743200" marR="0" rtl="0" algn="l">
+            <a:lvl6pPr marL="2743200" marR="0" lvl="5" indent="-355600" algn="l" rtl="0">
               <a:spcBef>
                 <a:spcPts val="400"/>
               </a:spcBef>
@@ -2995,7 +2823,7 @@
               <a:buSzPts val="2000"/>
               <a:buFont typeface="Verdana"/>
               <a:buChar char="»"/>
-              <a:defRPr b="0" i="0" sz="2000" u="none" cap="none" strike="noStrike">
+              <a:defRPr sz="2000" b="0" i="0" u="none" strike="noStrike" cap="none">
                 <a:solidFill>
                   <a:schemeClr val="dk1"/>
                 </a:solidFill>
@@ -3005,7 +2833,7 @@
                 <a:sym typeface="Verdana"/>
               </a:defRPr>
             </a:lvl6pPr>
-            <a:lvl7pPr indent="-355600" lvl="6" marL="3200400" marR="0" rtl="0" algn="l">
+            <a:lvl7pPr marL="3200400" marR="0" lvl="6" indent="-355600" algn="l" rtl="0">
               <a:spcBef>
                 <a:spcPts val="400"/>
               </a:spcBef>
@@ -3018,7 +2846,7 @@
               <a:buSzPts val="2000"/>
               <a:buFont typeface="Verdana"/>
               <a:buChar char="»"/>
-              <a:defRPr b="0" i="0" sz="2000" u="none" cap="none" strike="noStrike">
+              <a:defRPr sz="2000" b="0" i="0" u="none" strike="noStrike" cap="none">
                 <a:solidFill>
                   <a:schemeClr val="dk1"/>
                 </a:solidFill>
@@ -3028,7 +2856,7 @@
                 <a:sym typeface="Verdana"/>
               </a:defRPr>
             </a:lvl7pPr>
-            <a:lvl8pPr indent="-355600" lvl="7" marL="3657600" marR="0" rtl="0" algn="l">
+            <a:lvl8pPr marL="3657600" marR="0" lvl="7" indent="-355600" algn="l" rtl="0">
               <a:spcBef>
                 <a:spcPts val="400"/>
               </a:spcBef>
@@ -3041,7 +2869,7 @@
               <a:buSzPts val="2000"/>
               <a:buFont typeface="Verdana"/>
               <a:buChar char="»"/>
-              <a:defRPr b="0" i="0" sz="2000" u="none" cap="none" strike="noStrike">
+              <a:defRPr sz="2000" b="0" i="0" u="none" strike="noStrike" cap="none">
                 <a:solidFill>
                   <a:schemeClr val="dk1"/>
                 </a:solidFill>
@@ -3051,7 +2879,7 @@
                 <a:sym typeface="Verdana"/>
               </a:defRPr>
             </a:lvl8pPr>
-            <a:lvl9pPr indent="-355600" lvl="8" marL="4114800" marR="0" rtl="0" algn="l">
+            <a:lvl9pPr marL="4114800" marR="0" lvl="8" indent="-355600" algn="l" rtl="0">
               <a:spcBef>
                 <a:spcPts val="400"/>
               </a:spcBef>
@@ -3064,7 +2892,7 @@
               <a:buSzPts val="2000"/>
               <a:buFont typeface="Verdana"/>
               <a:buChar char="»"/>
-              <a:defRPr b="0" i="0" sz="2000" u="none" cap="none" strike="noStrike">
+              <a:defRPr sz="2000" b="0" i="0" u="none" strike="noStrike" cap="none">
                 <a:solidFill>
                   <a:schemeClr val="dk1"/>
                 </a:solidFill>
@@ -3075,7 +2903,9 @@
               </a:defRPr>
             </a:lvl9pPr>
           </a:lstStyle>
-          <a:p/>
+          <a:p>
+            <a:endParaRPr/>
+          </a:p>
         </p:txBody>
       </p:sp>
     </p:spTree>
@@ -3086,44 +2916,20 @@
 </p:sldLayout>
 </file>
 
-<file path=ppt/slideLayouts/slideLayout2.xml><?xml version="1.0" encoding="utf-8"?>
-<p:sldLayout xmlns:a="http://schemas.openxmlformats.org/drawingml/2006/main" xmlns:r="http://schemas.openxmlformats.org/officeDocument/2006/relationships" xmlns:mc="http://schemas.openxmlformats.org/markup-compatibility/2006" xmlns:mv="urn:schemas-microsoft-com:mac:vml" xmlns:p="http://schemas.openxmlformats.org/presentationml/2006/main" xmlns:c="http://schemas.openxmlformats.org/drawingml/2006/chart" xmlns:dgm="http://schemas.openxmlformats.org/drawingml/2006/diagram" xmlns:o="urn:schemas-microsoft-com:office:office" xmlns:v="urn:schemas-microsoft-com:vml" xmlns:pvml="urn:schemas-microsoft-com:office:powerpoint" xmlns:com="http://schemas.openxmlformats.org/drawingml/2006/compatibility" xmlns:p14="http://schemas.microsoft.com/office/powerpoint/2010/main" xmlns:p15="http://schemas.microsoft.com/office/powerpoint/2012/main" xmlns:ahyp="http://schemas.microsoft.com/office/drawing/2018/hyperlinkcolor" matchingName="CF.geo / vide">
-  <p:cSld name="CF.geo / vide">
-    <p:spTree>
-      <p:nvGrpSpPr>
-        <p:cNvPr id="16" name="Shape 16"/>
-        <p:cNvGrpSpPr/>
-        <p:nvPr/>
-      </p:nvGrpSpPr>
-      <p:grpSpPr>
-        <a:xfrm>
-          <a:off x="0" y="0"/>
-          <a:ext cx="0" cy="0"/>
-          <a:chOff x="0" y="0"/>
-          <a:chExt cx="0" cy="0"/>
-        </a:xfrm>
-      </p:grpSpPr>
-    </p:spTree>
-  </p:cSld>
-  <p:clrMapOvr>
-    <a:masterClrMapping/>
-  </p:clrMapOvr>
-</p:sldLayout>
-</file>
-
 <file path=ppt/slideMasters/slideMaster1.xml><?xml version="1.0" encoding="utf-8"?>
-<p:sldMaster xmlns:a="http://schemas.openxmlformats.org/drawingml/2006/main" xmlns:r="http://schemas.openxmlformats.org/officeDocument/2006/relationships" xmlns:mc="http://schemas.openxmlformats.org/markup-compatibility/2006" xmlns:mv="urn:schemas-microsoft-com:mac:vml" xmlns:p="http://schemas.openxmlformats.org/presentationml/2006/main" xmlns:c="http://schemas.openxmlformats.org/drawingml/2006/chart" xmlns:dgm="http://schemas.openxmlformats.org/drawingml/2006/diagram" xmlns:o="urn:schemas-microsoft-com:office:office" xmlns:v="urn:schemas-microsoft-com:vml" xmlns:pvml="urn:schemas-microsoft-com:office:powerpoint" xmlns:com="http://schemas.openxmlformats.org/drawingml/2006/compatibility" xmlns:p14="http://schemas.microsoft.com/office/powerpoint/2010/main" xmlns:p15="http://schemas.microsoft.com/office/powerpoint/2012/main" xmlns:ahyp="http://schemas.microsoft.com/office/drawing/2018/hyperlinkcolor">
+<p:sldMaster xmlns:a="http://schemas.openxmlformats.org/drawingml/2006/main" xmlns:r="http://schemas.openxmlformats.org/officeDocument/2006/relationships" xmlns:p="http://schemas.openxmlformats.org/presentationml/2006/main">
   <p:cSld>
     <p:bg>
       <p:bgPr>
         <a:solidFill>
           <a:schemeClr val="lt1"/>
         </a:solidFill>
+        <a:effectLst/>
       </p:bgPr>
     </p:bg>
     <p:spTree>
       <p:nvGrpSpPr>
-        <p:cNvPr id="9" name="Shape 9"/>
+        <p:cNvPr id="1" name="Shape 9"/>
         <p:cNvGrpSpPr/>
         <p:nvPr/>
       </p:nvGrpSpPr>
@@ -3138,7 +2944,9 @@
       <p:sp>
         <p:nvSpPr>
           <p:cNvPr id="10" name="Google Shape;10;p7"/>
-          <p:cNvSpPr txBox="1"/>
+          <p:cNvSpPr txBox="1">
+            <a:spLocks noGrp="1"/>
+          </p:cNvSpPr>
           <p:nvPr>
             <p:ph type="title"/>
           </p:nvPr>
@@ -3171,11 +2979,11 @@
           </a:ln>
         </p:spPr>
         <p:txBody>
-          <a:bodyPr anchorCtr="0" anchor="ctr" bIns="45700" lIns="91425" spcFirstLastPara="1" rIns="91425" wrap="square" tIns="45700">
+          <a:bodyPr spcFirstLastPara="1" wrap="square" lIns="91425" tIns="45700" rIns="91425" bIns="45700" anchor="ctr" anchorCtr="0">
             <a:noAutofit/>
           </a:bodyPr>
           <a:lstStyle>
-            <a:lvl1pPr lvl="0" marR="0" rtl="0" algn="r">
+            <a:lvl1pPr marR="0" lvl="0" algn="r" rtl="0">
               <a:spcBef>
                 <a:spcPts val="0"/>
               </a:spcBef>
@@ -3184,7 +2992,7 @@
               </a:spcAft>
               <a:buSzPts val="1400"/>
               <a:buNone/>
-              <a:defRPr b="1" i="0" sz="3200" u="none" cap="none" strike="noStrike">
+              <a:defRPr sz="3200" b="1" i="0" u="none" strike="noStrike" cap="none">
                 <a:solidFill>
                   <a:schemeClr val="dk1"/>
                 </a:solidFill>
@@ -3194,7 +3002,7 @@
                 <a:sym typeface="Century Gothic"/>
               </a:defRPr>
             </a:lvl1pPr>
-            <a:lvl2pPr lvl="1" marR="0" rtl="0" algn="r">
+            <a:lvl2pPr marR="0" lvl="1" algn="r" rtl="0">
               <a:spcBef>
                 <a:spcPts val="0"/>
               </a:spcBef>
@@ -3203,7 +3011,7 @@
               </a:spcAft>
               <a:buSzPts val="1400"/>
               <a:buNone/>
-              <a:defRPr b="0" i="0" sz="3200" u="none" cap="none" strike="noStrike">
+              <a:defRPr sz="3200" b="0" i="0" u="none" strike="noStrike" cap="none">
                 <a:solidFill>
                   <a:schemeClr val="dk1"/>
                 </a:solidFill>
@@ -3213,7 +3021,7 @@
                 <a:sym typeface="Verdana"/>
               </a:defRPr>
             </a:lvl2pPr>
-            <a:lvl3pPr lvl="2" marR="0" rtl="0" algn="r">
+            <a:lvl3pPr marR="0" lvl="2" algn="r" rtl="0">
               <a:spcBef>
                 <a:spcPts val="0"/>
               </a:spcBef>
@@ -3222,7 +3030,7 @@
               </a:spcAft>
               <a:buSzPts val="1400"/>
               <a:buNone/>
-              <a:defRPr b="0" i="0" sz="3200" u="none" cap="none" strike="noStrike">
+              <a:defRPr sz="3200" b="0" i="0" u="none" strike="noStrike" cap="none">
                 <a:solidFill>
                   <a:schemeClr val="dk1"/>
                 </a:solidFill>
@@ -3232,7 +3040,7 @@
                 <a:sym typeface="Verdana"/>
               </a:defRPr>
             </a:lvl3pPr>
-            <a:lvl4pPr lvl="3" marR="0" rtl="0" algn="r">
+            <a:lvl4pPr marR="0" lvl="3" algn="r" rtl="0">
               <a:spcBef>
                 <a:spcPts val="0"/>
               </a:spcBef>
@@ -3241,7 +3049,7 @@
               </a:spcAft>
               <a:buSzPts val="1400"/>
               <a:buNone/>
-              <a:defRPr b="0" i="0" sz="3200" u="none" cap="none" strike="noStrike">
+              <a:defRPr sz="3200" b="0" i="0" u="none" strike="noStrike" cap="none">
                 <a:solidFill>
                   <a:schemeClr val="dk1"/>
                 </a:solidFill>
@@ -3251,7 +3059,7 @@
                 <a:sym typeface="Verdana"/>
               </a:defRPr>
             </a:lvl4pPr>
-            <a:lvl5pPr lvl="4" marR="0" rtl="0" algn="r">
+            <a:lvl5pPr marR="0" lvl="4" algn="r" rtl="0">
               <a:spcBef>
                 <a:spcPts val="0"/>
               </a:spcBef>
@@ -3260,7 +3068,7 @@
               </a:spcAft>
               <a:buSzPts val="1400"/>
               <a:buNone/>
-              <a:defRPr b="0" i="0" sz="3200" u="none" cap="none" strike="noStrike">
+              <a:defRPr sz="3200" b="0" i="0" u="none" strike="noStrike" cap="none">
                 <a:solidFill>
                   <a:schemeClr val="dk1"/>
                 </a:solidFill>
@@ -3270,7 +3078,7 @@
                 <a:sym typeface="Verdana"/>
               </a:defRPr>
             </a:lvl5pPr>
-            <a:lvl6pPr lvl="5" marR="0" rtl="0" algn="r">
+            <a:lvl6pPr marR="0" lvl="5" algn="r" rtl="0">
               <a:spcBef>
                 <a:spcPts val="0"/>
               </a:spcBef>
@@ -3279,7 +3087,7 @@
               </a:spcAft>
               <a:buSzPts val="1400"/>
               <a:buNone/>
-              <a:defRPr b="0" i="0" sz="3200" u="none" cap="none" strike="noStrike">
+              <a:defRPr sz="3200" b="0" i="0" u="none" strike="noStrike" cap="none">
                 <a:solidFill>
                   <a:schemeClr val="dk1"/>
                 </a:solidFill>
@@ -3289,7 +3097,7 @@
                 <a:sym typeface="Verdana"/>
               </a:defRPr>
             </a:lvl6pPr>
-            <a:lvl7pPr lvl="6" marR="0" rtl="0" algn="r">
+            <a:lvl7pPr marR="0" lvl="6" algn="r" rtl="0">
               <a:spcBef>
                 <a:spcPts val="0"/>
               </a:spcBef>
@@ -3298,7 +3106,7 @@
               </a:spcAft>
               <a:buSzPts val="1400"/>
               <a:buNone/>
-              <a:defRPr b="0" i="0" sz="3200" u="none" cap="none" strike="noStrike">
+              <a:defRPr sz="3200" b="0" i="0" u="none" strike="noStrike" cap="none">
                 <a:solidFill>
                   <a:schemeClr val="dk1"/>
                 </a:solidFill>
@@ -3308,7 +3116,7 @@
                 <a:sym typeface="Verdana"/>
               </a:defRPr>
             </a:lvl7pPr>
-            <a:lvl8pPr lvl="7" marR="0" rtl="0" algn="r">
+            <a:lvl8pPr marR="0" lvl="7" algn="r" rtl="0">
               <a:spcBef>
                 <a:spcPts val="0"/>
               </a:spcBef>
@@ -3317,7 +3125,7 @@
               </a:spcAft>
               <a:buSzPts val="1400"/>
               <a:buNone/>
-              <a:defRPr b="0" i="0" sz="3200" u="none" cap="none" strike="noStrike">
+              <a:defRPr sz="3200" b="0" i="0" u="none" strike="noStrike" cap="none">
                 <a:solidFill>
                   <a:schemeClr val="dk1"/>
                 </a:solidFill>
@@ -3327,7 +3135,7 @@
                 <a:sym typeface="Verdana"/>
               </a:defRPr>
             </a:lvl8pPr>
-            <a:lvl9pPr lvl="8" marR="0" rtl="0" algn="r">
+            <a:lvl9pPr marR="0" lvl="8" algn="r" rtl="0">
               <a:spcBef>
                 <a:spcPts val="0"/>
               </a:spcBef>
@@ -3336,7 +3144,7 @@
               </a:spcAft>
               <a:buSzPts val="1400"/>
               <a:buNone/>
-              <a:defRPr b="0" i="0" sz="3200" u="none" cap="none" strike="noStrike">
+              <a:defRPr sz="3200" b="0" i="0" u="none" strike="noStrike" cap="none">
                 <a:solidFill>
                   <a:schemeClr val="dk1"/>
                 </a:solidFill>
@@ -3347,7 +3155,9 @@
               </a:defRPr>
             </a:lvl9pPr>
           </a:lstStyle>
-          <a:p/>
+          <a:p>
+            <a:endParaRPr/>
+          </a:p>
         </p:txBody>
       </p:sp>
       <p:sp>
@@ -3370,12 +3180,12 @@
           </a:ln>
         </p:spPr>
         <p:txBody>
-          <a:bodyPr anchorCtr="0" anchor="t" bIns="45700" lIns="91425" spcFirstLastPara="1" rIns="91425" wrap="square" tIns="45700">
+          <a:bodyPr spcFirstLastPara="1" wrap="square" lIns="91425" tIns="45700" rIns="91425" bIns="45700" anchor="t" anchorCtr="0">
             <a:noAutofit/>
           </a:bodyPr>
           <a:lstStyle/>
           <a:p>
-            <a:pPr indent="0" lvl="0" marL="0" marR="0" rtl="0" algn="r">
+            <a:pPr marL="0" marR="0" lvl="0" indent="0" algn="r" rtl="0">
               <a:spcBef>
                 <a:spcPts val="0"/>
               </a:spcBef>
@@ -3385,7 +3195,7 @@
               <a:buNone/>
             </a:pPr>
             <a:r>
-              <a:rPr b="0" i="0" lang="fr-CH" sz="1200" u="none" cap="none" strike="noStrike">
+              <a:rPr lang="fr-CH" sz="1200" b="0" i="0" u="none" strike="noStrike" cap="none">
                 <a:solidFill>
                   <a:srgbClr val="0000FF"/>
                 </a:solidFill>
@@ -3396,7 +3206,7 @@
               </a:rPr>
               <a:t>www.geo-education.ch</a:t>
             </a:r>
-            <a:endParaRPr b="0" i="0" sz="1200" u="none" cap="none" strike="noStrike">
+            <a:endParaRPr sz="1200" b="0" i="0" u="none" strike="noStrike" cap="none">
               <a:solidFill>
                 <a:srgbClr val="0000FF"/>
               </a:solidFill>
@@ -3415,10 +3225,10 @@
           <p:nvPr/>
         </p:nvPicPr>
         <p:blipFill rotWithShape="1">
-          <a:blip r:embed="rId1">
+          <a:blip r:embed="rId3">
             <a:alphaModFix/>
           </a:blip>
-          <a:srcRect b="0" l="0" r="0" t="0"/>
+          <a:srcRect/>
           <a:stretch/>
         </p:blipFill>
         <p:spPr>
@@ -3437,15 +3247,14 @@
       </p:pic>
     </p:spTree>
   </p:cSld>
-  <p:clrMap accent1="accent1" accent2="accent2" accent3="accent3" accent4="accent4" accent5="accent5" accent6="accent6" bg1="lt1" bg2="dk2" tx1="dk1" tx2="lt2" folHlink="folHlink" hlink="hlink"/>
+  <p:clrMap bg1="lt1" tx1="dk1" bg2="dk2" tx2="lt2" accent1="accent1" accent2="accent2" accent3="accent3" accent4="accent4" accent5="accent5" accent6="accent6" hlink="hlink" folHlink="folHlink"/>
   <p:sldLayoutIdLst>
-    <p:sldLayoutId id="2147483649" r:id="rId2"/>
-    <p:sldLayoutId id="2147483650" r:id="rId3"/>
+    <p:sldLayoutId id="2147483649" r:id="rId1"/>
   </p:sldLayoutIdLst>
-  <p:hf dt="0" ftr="0" hdr="0"/>
+  <p:hf hdr="0" ftr="0" dt="0"/>
   <p:txStyles>
     <p:titleStyle>
-      <a:defPPr lvl="0" marR="0" rtl="0" algn="l">
+      <a:defPPr marR="0" lvl="0" algn="l" rtl="0">
         <a:lnSpc>
           <a:spcPct val="100000"/>
         </a:lnSpc>
@@ -3456,7 +3265,7 @@
           <a:spcPts val="0"/>
         </a:spcAft>
       </a:defPPr>
-      <a:lvl1pPr lvl="0" marR="0" rtl="0" algn="l">
+      <a:lvl1pPr marR="0" lvl="0" algn="l" rtl="0">
         <a:lnSpc>
           <a:spcPct val="100000"/>
         </a:lnSpc>
@@ -3470,7 +3279,7 @@
           <a:srgbClr val="000000"/>
         </a:buClr>
         <a:buFont typeface="Arial"/>
-        <a:defRPr b="0" i="0" sz="1400" u="none" cap="none" strike="noStrike">
+        <a:defRPr sz="1400" b="0" i="0" u="none" strike="noStrike" cap="none">
           <a:solidFill>
             <a:srgbClr val="000000"/>
           </a:solidFill>
@@ -3480,7 +3289,7 @@
           <a:sym typeface="Arial"/>
         </a:defRPr>
       </a:lvl1pPr>
-      <a:lvl2pPr lvl="1" marR="0" rtl="0" algn="l">
+      <a:lvl2pPr marR="0" lvl="1" algn="l" rtl="0">
         <a:lnSpc>
           <a:spcPct val="100000"/>
         </a:lnSpc>
@@ -3494,7 +3303,7 @@
           <a:srgbClr val="000000"/>
         </a:buClr>
         <a:buFont typeface="Arial"/>
-        <a:defRPr b="0" i="0" sz="1400" u="none" cap="none" strike="noStrike">
+        <a:defRPr sz="1400" b="0" i="0" u="none" strike="noStrike" cap="none">
           <a:solidFill>
             <a:srgbClr val="000000"/>
           </a:solidFill>
@@ -3504,7 +3313,7 @@
           <a:sym typeface="Arial"/>
         </a:defRPr>
       </a:lvl2pPr>
-      <a:lvl3pPr lvl="2" marR="0" rtl="0" algn="l">
+      <a:lvl3pPr marR="0" lvl="2" algn="l" rtl="0">
         <a:lnSpc>
           <a:spcPct val="100000"/>
         </a:lnSpc>
@@ -3518,7 +3327,7 @@
           <a:srgbClr val="000000"/>
         </a:buClr>
         <a:buFont typeface="Arial"/>
-        <a:defRPr b="0" i="0" sz="1400" u="none" cap="none" strike="noStrike">
+        <a:defRPr sz="1400" b="0" i="0" u="none" strike="noStrike" cap="none">
           <a:solidFill>
             <a:srgbClr val="000000"/>
           </a:solidFill>
@@ -3528,7 +3337,7 @@
           <a:sym typeface="Arial"/>
         </a:defRPr>
       </a:lvl3pPr>
-      <a:lvl4pPr lvl="3" marR="0" rtl="0" algn="l">
+      <a:lvl4pPr marR="0" lvl="3" algn="l" rtl="0">
         <a:lnSpc>
           <a:spcPct val="100000"/>
         </a:lnSpc>
@@ -3542,7 +3351,7 @@
           <a:srgbClr val="000000"/>
         </a:buClr>
         <a:buFont typeface="Arial"/>
-        <a:defRPr b="0" i="0" sz="1400" u="none" cap="none" strike="noStrike">
+        <a:defRPr sz="1400" b="0" i="0" u="none" strike="noStrike" cap="none">
           <a:solidFill>
             <a:srgbClr val="000000"/>
           </a:solidFill>
@@ -3552,7 +3361,7 @@
           <a:sym typeface="Arial"/>
         </a:defRPr>
       </a:lvl4pPr>
-      <a:lvl5pPr lvl="4" marR="0" rtl="0" algn="l">
+      <a:lvl5pPr marR="0" lvl="4" algn="l" rtl="0">
         <a:lnSpc>
           <a:spcPct val="100000"/>
         </a:lnSpc>
@@ -3566,7 +3375,7 @@
           <a:srgbClr val="000000"/>
         </a:buClr>
         <a:buFont typeface="Arial"/>
-        <a:defRPr b="0" i="0" sz="1400" u="none" cap="none" strike="noStrike">
+        <a:defRPr sz="1400" b="0" i="0" u="none" strike="noStrike" cap="none">
           <a:solidFill>
             <a:srgbClr val="000000"/>
           </a:solidFill>
@@ -3576,7 +3385,7 @@
           <a:sym typeface="Arial"/>
         </a:defRPr>
       </a:lvl5pPr>
-      <a:lvl6pPr lvl="5" marR="0" rtl="0" algn="l">
+      <a:lvl6pPr marR="0" lvl="5" algn="l" rtl="0">
         <a:lnSpc>
           <a:spcPct val="100000"/>
         </a:lnSpc>
@@ -3590,7 +3399,7 @@
           <a:srgbClr val="000000"/>
         </a:buClr>
         <a:buFont typeface="Arial"/>
-        <a:defRPr b="0" i="0" sz="1400" u="none" cap="none" strike="noStrike">
+        <a:defRPr sz="1400" b="0" i="0" u="none" strike="noStrike" cap="none">
           <a:solidFill>
             <a:srgbClr val="000000"/>
           </a:solidFill>
@@ -3600,7 +3409,7 @@
           <a:sym typeface="Arial"/>
         </a:defRPr>
       </a:lvl6pPr>
-      <a:lvl7pPr lvl="6" marR="0" rtl="0" algn="l">
+      <a:lvl7pPr marR="0" lvl="6" algn="l" rtl="0">
         <a:lnSpc>
           <a:spcPct val="100000"/>
         </a:lnSpc>
@@ -3614,7 +3423,7 @@
           <a:srgbClr val="000000"/>
         </a:buClr>
         <a:buFont typeface="Arial"/>
-        <a:defRPr b="0" i="0" sz="1400" u="none" cap="none" strike="noStrike">
+        <a:defRPr sz="1400" b="0" i="0" u="none" strike="noStrike" cap="none">
           <a:solidFill>
             <a:srgbClr val="000000"/>
           </a:solidFill>
@@ -3624,7 +3433,7 @@
           <a:sym typeface="Arial"/>
         </a:defRPr>
       </a:lvl7pPr>
-      <a:lvl8pPr lvl="7" marR="0" rtl="0" algn="l">
+      <a:lvl8pPr marR="0" lvl="7" algn="l" rtl="0">
         <a:lnSpc>
           <a:spcPct val="100000"/>
         </a:lnSpc>
@@ -3638,7 +3447,7 @@
           <a:srgbClr val="000000"/>
         </a:buClr>
         <a:buFont typeface="Arial"/>
-        <a:defRPr b="0" i="0" sz="1400" u="none" cap="none" strike="noStrike">
+        <a:defRPr sz="1400" b="0" i="0" u="none" strike="noStrike" cap="none">
           <a:solidFill>
             <a:srgbClr val="000000"/>
           </a:solidFill>
@@ -3648,7 +3457,7 @@
           <a:sym typeface="Arial"/>
         </a:defRPr>
       </a:lvl8pPr>
-      <a:lvl9pPr lvl="8" marR="0" rtl="0" algn="l">
+      <a:lvl9pPr marR="0" lvl="8" algn="l" rtl="0">
         <a:lnSpc>
           <a:spcPct val="100000"/>
         </a:lnSpc>
@@ -3662,7 +3471,7 @@
           <a:srgbClr val="000000"/>
         </a:buClr>
         <a:buFont typeface="Arial"/>
-        <a:defRPr b="0" i="0" sz="1400" u="none" cap="none" strike="noStrike">
+        <a:defRPr sz="1400" b="0" i="0" u="none" strike="noStrike" cap="none">
           <a:solidFill>
             <a:srgbClr val="000000"/>
           </a:solidFill>
@@ -3674,7 +3483,7 @@
       </a:lvl9pPr>
     </p:titleStyle>
     <p:bodyStyle>
-      <a:defPPr lvl="0" marR="0" rtl="0" algn="l">
+      <a:defPPr marR="0" lvl="0" algn="l" rtl="0">
         <a:lnSpc>
           <a:spcPct val="100000"/>
         </a:lnSpc>
@@ -3685,7 +3494,7 @@
           <a:spcPts val="0"/>
         </a:spcAft>
       </a:defPPr>
-      <a:lvl1pPr lvl="0" marR="0" rtl="0" algn="l">
+      <a:lvl1pPr marR="0" lvl="0" algn="l" rtl="0">
         <a:lnSpc>
           <a:spcPct val="100000"/>
         </a:lnSpc>
@@ -3699,7 +3508,7 @@
           <a:srgbClr val="000000"/>
         </a:buClr>
         <a:buFont typeface="Arial"/>
-        <a:defRPr b="0" i="0" sz="1400" u="none" cap="none" strike="noStrike">
+        <a:defRPr sz="1400" b="0" i="0" u="none" strike="noStrike" cap="none">
           <a:solidFill>
             <a:srgbClr val="000000"/>
           </a:solidFill>
@@ -3709,7 +3518,7 @@
           <a:sym typeface="Arial"/>
         </a:defRPr>
       </a:lvl1pPr>
-      <a:lvl2pPr lvl="1" marR="0" rtl="0" algn="l">
+      <a:lvl2pPr marR="0" lvl="1" algn="l" rtl="0">
         <a:lnSpc>
           <a:spcPct val="100000"/>
         </a:lnSpc>
@@ -3723,7 +3532,7 @@
           <a:srgbClr val="000000"/>
         </a:buClr>
         <a:buFont typeface="Arial"/>
-        <a:defRPr b="0" i="0" sz="1400" u="none" cap="none" strike="noStrike">
+        <a:defRPr sz="1400" b="0" i="0" u="none" strike="noStrike" cap="none">
           <a:solidFill>
             <a:srgbClr val="000000"/>
           </a:solidFill>
@@ -3733,7 +3542,7 @@
           <a:sym typeface="Arial"/>
         </a:defRPr>
       </a:lvl2pPr>
-      <a:lvl3pPr lvl="2" marR="0" rtl="0" algn="l">
+      <a:lvl3pPr marR="0" lvl="2" algn="l" rtl="0">
         <a:lnSpc>
           <a:spcPct val="100000"/>
         </a:lnSpc>
@@ -3747,7 +3556,7 @@
           <a:srgbClr val="000000"/>
         </a:buClr>
         <a:buFont typeface="Arial"/>
-        <a:defRPr b="0" i="0" sz="1400" u="none" cap="none" strike="noStrike">
+        <a:defRPr sz="1400" b="0" i="0" u="none" strike="noStrike" cap="none">
           <a:solidFill>
             <a:srgbClr val="000000"/>
           </a:solidFill>
@@ -3757,7 +3566,7 @@
           <a:sym typeface="Arial"/>
         </a:defRPr>
       </a:lvl3pPr>
-      <a:lvl4pPr lvl="3" marR="0" rtl="0" algn="l">
+      <a:lvl4pPr marR="0" lvl="3" algn="l" rtl="0">
         <a:lnSpc>
           <a:spcPct val="100000"/>
         </a:lnSpc>
@@ -3771,7 +3580,7 @@
           <a:srgbClr val="000000"/>
         </a:buClr>
         <a:buFont typeface="Arial"/>
-        <a:defRPr b="0" i="0" sz="1400" u="none" cap="none" strike="noStrike">
+        <a:defRPr sz="1400" b="0" i="0" u="none" strike="noStrike" cap="none">
           <a:solidFill>
             <a:srgbClr val="000000"/>
           </a:solidFill>
@@ -3781,7 +3590,7 @@
           <a:sym typeface="Arial"/>
         </a:defRPr>
       </a:lvl4pPr>
-      <a:lvl5pPr lvl="4" marR="0" rtl="0" algn="l">
+      <a:lvl5pPr marR="0" lvl="4" algn="l" rtl="0">
         <a:lnSpc>
           <a:spcPct val="100000"/>
         </a:lnSpc>
@@ -3795,7 +3604,7 @@
           <a:srgbClr val="000000"/>
         </a:buClr>
         <a:buFont typeface="Arial"/>
-        <a:defRPr b="0" i="0" sz="1400" u="none" cap="none" strike="noStrike">
+        <a:defRPr sz="1400" b="0" i="0" u="none" strike="noStrike" cap="none">
           <a:solidFill>
             <a:srgbClr val="000000"/>
           </a:solidFill>
@@ -3805,7 +3614,7 @@
           <a:sym typeface="Arial"/>
         </a:defRPr>
       </a:lvl5pPr>
-      <a:lvl6pPr lvl="5" marR="0" rtl="0" algn="l">
+      <a:lvl6pPr marR="0" lvl="5" algn="l" rtl="0">
         <a:lnSpc>
           <a:spcPct val="100000"/>
         </a:lnSpc>
@@ -3819,7 +3628,7 @@
           <a:srgbClr val="000000"/>
         </a:buClr>
         <a:buFont typeface="Arial"/>
-        <a:defRPr b="0" i="0" sz="1400" u="none" cap="none" strike="noStrike">
+        <a:defRPr sz="1400" b="0" i="0" u="none" strike="noStrike" cap="none">
           <a:solidFill>
             <a:srgbClr val="000000"/>
           </a:solidFill>
@@ -3829,7 +3638,7 @@
           <a:sym typeface="Arial"/>
         </a:defRPr>
       </a:lvl6pPr>
-      <a:lvl7pPr lvl="6" marR="0" rtl="0" algn="l">
+      <a:lvl7pPr marR="0" lvl="6" algn="l" rtl="0">
         <a:lnSpc>
           <a:spcPct val="100000"/>
         </a:lnSpc>
@@ -3843,7 +3652,7 @@
           <a:srgbClr val="000000"/>
         </a:buClr>
         <a:buFont typeface="Arial"/>
-        <a:defRPr b="0" i="0" sz="1400" u="none" cap="none" strike="noStrike">
+        <a:defRPr sz="1400" b="0" i="0" u="none" strike="noStrike" cap="none">
           <a:solidFill>
             <a:srgbClr val="000000"/>
           </a:solidFill>
@@ -3853,7 +3662,7 @@
           <a:sym typeface="Arial"/>
         </a:defRPr>
       </a:lvl7pPr>
-      <a:lvl8pPr lvl="7" marR="0" rtl="0" algn="l">
+      <a:lvl8pPr marR="0" lvl="7" algn="l" rtl="0">
         <a:lnSpc>
           <a:spcPct val="100000"/>
         </a:lnSpc>
@@ -3867,7 +3676,7 @@
           <a:srgbClr val="000000"/>
         </a:buClr>
         <a:buFont typeface="Arial"/>
-        <a:defRPr b="0" i="0" sz="1400" u="none" cap="none" strike="noStrike">
+        <a:defRPr sz="1400" b="0" i="0" u="none" strike="noStrike" cap="none">
           <a:solidFill>
             <a:srgbClr val="000000"/>
           </a:solidFill>
@@ -3877,7 +3686,7 @@
           <a:sym typeface="Arial"/>
         </a:defRPr>
       </a:lvl8pPr>
-      <a:lvl9pPr lvl="8" marR="0" rtl="0" algn="l">
+      <a:lvl9pPr marR="0" lvl="8" algn="l" rtl="0">
         <a:lnSpc>
           <a:spcPct val="100000"/>
         </a:lnSpc>
@@ -3891,7 +3700,7 @@
           <a:srgbClr val="000000"/>
         </a:buClr>
         <a:buFont typeface="Arial"/>
-        <a:defRPr b="0" i="0" sz="1400" u="none" cap="none" strike="noStrike">
+        <a:defRPr sz="1400" b="0" i="0" u="none" strike="noStrike" cap="none">
           <a:solidFill>
             <a:srgbClr val="000000"/>
           </a:solidFill>
@@ -3903,7 +3712,7 @@
       </a:lvl9pPr>
     </p:bodyStyle>
     <p:otherStyle>
-      <a:defPPr lvl="0" marR="0" rtl="0" algn="l">
+      <a:defPPr marR="0" lvl="0" algn="l" rtl="0">
         <a:lnSpc>
           <a:spcPct val="100000"/>
         </a:lnSpc>
@@ -3914,7 +3723,7 @@
           <a:spcPts val="0"/>
         </a:spcAft>
       </a:defPPr>
-      <a:lvl1pPr lvl="0" marR="0" rtl="0" algn="l">
+      <a:lvl1pPr marR="0" lvl="0" algn="l" rtl="0">
         <a:lnSpc>
           <a:spcPct val="100000"/>
         </a:lnSpc>
@@ -3928,7 +3737,7 @@
           <a:srgbClr val="000000"/>
         </a:buClr>
         <a:buFont typeface="Arial"/>
-        <a:defRPr b="0" i="0" sz="1400" u="none" cap="none" strike="noStrike">
+        <a:defRPr sz="1400" b="0" i="0" u="none" strike="noStrike" cap="none">
           <a:solidFill>
             <a:srgbClr val="000000"/>
           </a:solidFill>
@@ -3938,7 +3747,7 @@
           <a:sym typeface="Arial"/>
         </a:defRPr>
       </a:lvl1pPr>
-      <a:lvl2pPr lvl="1" marR="0" rtl="0" algn="l">
+      <a:lvl2pPr marR="0" lvl="1" algn="l" rtl="0">
         <a:lnSpc>
           <a:spcPct val="100000"/>
         </a:lnSpc>
@@ -3952,7 +3761,7 @@
           <a:srgbClr val="000000"/>
         </a:buClr>
         <a:buFont typeface="Arial"/>
-        <a:defRPr b="0" i="0" sz="1400" u="none" cap="none" strike="noStrike">
+        <a:defRPr sz="1400" b="0" i="0" u="none" strike="noStrike" cap="none">
           <a:solidFill>
             <a:srgbClr val="000000"/>
           </a:solidFill>
@@ -3962,7 +3771,7 @@
           <a:sym typeface="Arial"/>
         </a:defRPr>
       </a:lvl2pPr>
-      <a:lvl3pPr lvl="2" marR="0" rtl="0" algn="l">
+      <a:lvl3pPr marR="0" lvl="2" algn="l" rtl="0">
         <a:lnSpc>
           <a:spcPct val="100000"/>
         </a:lnSpc>
@@ -3976,7 +3785,7 @@
           <a:srgbClr val="000000"/>
         </a:buClr>
         <a:buFont typeface="Arial"/>
-        <a:defRPr b="0" i="0" sz="1400" u="none" cap="none" strike="noStrike">
+        <a:defRPr sz="1400" b="0" i="0" u="none" strike="noStrike" cap="none">
           <a:solidFill>
             <a:srgbClr val="000000"/>
           </a:solidFill>
@@ -3986,7 +3795,7 @@
           <a:sym typeface="Arial"/>
         </a:defRPr>
       </a:lvl3pPr>
-      <a:lvl4pPr lvl="3" marR="0" rtl="0" algn="l">
+      <a:lvl4pPr marR="0" lvl="3" algn="l" rtl="0">
         <a:lnSpc>
           <a:spcPct val="100000"/>
         </a:lnSpc>
@@ -4000,7 +3809,7 @@
           <a:srgbClr val="000000"/>
         </a:buClr>
         <a:buFont typeface="Arial"/>
-        <a:defRPr b="0" i="0" sz="1400" u="none" cap="none" strike="noStrike">
+        <a:defRPr sz="1400" b="0" i="0" u="none" strike="noStrike" cap="none">
           <a:solidFill>
             <a:srgbClr val="000000"/>
           </a:solidFill>
@@ -4010,7 +3819,7 @@
           <a:sym typeface="Arial"/>
         </a:defRPr>
       </a:lvl4pPr>
-      <a:lvl5pPr lvl="4" marR="0" rtl="0" algn="l">
+      <a:lvl5pPr marR="0" lvl="4" algn="l" rtl="0">
         <a:lnSpc>
           <a:spcPct val="100000"/>
         </a:lnSpc>
@@ -4024,7 +3833,7 @@
           <a:srgbClr val="000000"/>
         </a:buClr>
         <a:buFont typeface="Arial"/>
-        <a:defRPr b="0" i="0" sz="1400" u="none" cap="none" strike="noStrike">
+        <a:defRPr sz="1400" b="0" i="0" u="none" strike="noStrike" cap="none">
           <a:solidFill>
             <a:srgbClr val="000000"/>
           </a:solidFill>
@@ -4034,7 +3843,7 @@
           <a:sym typeface="Arial"/>
         </a:defRPr>
       </a:lvl5pPr>
-      <a:lvl6pPr lvl="5" marR="0" rtl="0" algn="l">
+      <a:lvl6pPr marR="0" lvl="5" algn="l" rtl="0">
         <a:lnSpc>
           <a:spcPct val="100000"/>
         </a:lnSpc>
@@ -4048,7 +3857,7 @@
           <a:srgbClr val="000000"/>
         </a:buClr>
         <a:buFont typeface="Arial"/>
-        <a:defRPr b="0" i="0" sz="1400" u="none" cap="none" strike="noStrike">
+        <a:defRPr sz="1400" b="0" i="0" u="none" strike="noStrike" cap="none">
           <a:solidFill>
             <a:srgbClr val="000000"/>
           </a:solidFill>
@@ -4058,7 +3867,7 @@
           <a:sym typeface="Arial"/>
         </a:defRPr>
       </a:lvl6pPr>
-      <a:lvl7pPr lvl="6" marR="0" rtl="0" algn="l">
+      <a:lvl7pPr marR="0" lvl="6" algn="l" rtl="0">
         <a:lnSpc>
           <a:spcPct val="100000"/>
         </a:lnSpc>
@@ -4072,7 +3881,7 @@
           <a:srgbClr val="000000"/>
         </a:buClr>
         <a:buFont typeface="Arial"/>
-        <a:defRPr b="0" i="0" sz="1400" u="none" cap="none" strike="noStrike">
+        <a:defRPr sz="1400" b="0" i="0" u="none" strike="noStrike" cap="none">
           <a:solidFill>
             <a:srgbClr val="000000"/>
           </a:solidFill>
@@ -4082,7 +3891,7 @@
           <a:sym typeface="Arial"/>
         </a:defRPr>
       </a:lvl7pPr>
-      <a:lvl8pPr lvl="7" marR="0" rtl="0" algn="l">
+      <a:lvl8pPr marR="0" lvl="7" algn="l" rtl="0">
         <a:lnSpc>
           <a:spcPct val="100000"/>
         </a:lnSpc>
@@ -4096,7 +3905,7 @@
           <a:srgbClr val="000000"/>
         </a:buClr>
         <a:buFont typeface="Arial"/>
-        <a:defRPr b="0" i="0" sz="1400" u="none" cap="none" strike="noStrike">
+        <a:defRPr sz="1400" b="0" i="0" u="none" strike="noStrike" cap="none">
           <a:solidFill>
             <a:srgbClr val="000000"/>
           </a:solidFill>
@@ -4106,7 +3915,7 @@
           <a:sym typeface="Arial"/>
         </a:defRPr>
       </a:lvl8pPr>
-      <a:lvl9pPr lvl="8" marR="0" rtl="0" algn="l">
+      <a:lvl9pPr marR="0" lvl="8" algn="l" rtl="0">
         <a:lnSpc>
           <a:spcPct val="100000"/>
         </a:lnSpc>
@@ -4120,7 +3929,7 @@
           <a:srgbClr val="000000"/>
         </a:buClr>
         <a:buFont typeface="Arial"/>
-        <a:defRPr b="0" i="0" sz="1400" u="none" cap="none" strike="noStrike">
+        <a:defRPr sz="1400" b="0" i="0" u="none" strike="noStrike" cap="none">
           <a:solidFill>
             <a:srgbClr val="000000"/>
           </a:solidFill>
@@ -4136,11 +3945,11 @@
 </file>
 
 <file path=ppt/slides/slide1.xml><?xml version="1.0" encoding="utf-8"?>
-<p:sld xmlns:a="http://schemas.openxmlformats.org/drawingml/2006/main" xmlns:r="http://schemas.openxmlformats.org/officeDocument/2006/relationships" xmlns:mc="http://schemas.openxmlformats.org/markup-compatibility/2006" xmlns:mv="urn:schemas-microsoft-com:mac:vml" xmlns:p="http://schemas.openxmlformats.org/presentationml/2006/main" xmlns:c="http://schemas.openxmlformats.org/drawingml/2006/chart" xmlns:dgm="http://schemas.openxmlformats.org/drawingml/2006/diagram" xmlns:o="urn:schemas-microsoft-com:office:office" xmlns:v="urn:schemas-microsoft-com:vml" xmlns:pvml="urn:schemas-microsoft-com:office:powerpoint" xmlns:com="http://schemas.openxmlformats.org/drawingml/2006/compatibility" xmlns:p14="http://schemas.microsoft.com/office/powerpoint/2010/main" xmlns:p15="http://schemas.microsoft.com/office/powerpoint/2012/main" xmlns:ahyp="http://schemas.microsoft.com/office/drawing/2018/hyperlinkcolor">
+<p:sld xmlns:a="http://schemas.openxmlformats.org/drawingml/2006/main" xmlns:r="http://schemas.openxmlformats.org/officeDocument/2006/relationships" xmlns:p="http://schemas.openxmlformats.org/presentationml/2006/main">
   <p:cSld>
     <p:spTree>
       <p:nvGrpSpPr>
-        <p:cNvPr id="23" name="Shape 23"/>
+        <p:cNvPr id="1" name="Shape 23"/>
         <p:cNvGrpSpPr/>
         <p:nvPr/>
       </p:nvGrpSpPr>
@@ -4162,7 +3971,7 @@
           <a:blip r:embed="rId3">
             <a:alphaModFix/>
           </a:blip>
-          <a:srcRect b="0" l="0" r="0" t="0"/>
+          <a:srcRect/>
           <a:stretch/>
         </p:blipFill>
         <p:spPr>
@@ -4213,12 +4022,12 @@
           </a:ln>
         </p:spPr>
         <p:txBody>
-          <a:bodyPr anchorCtr="0" anchor="ctr" bIns="45700" lIns="91425" spcFirstLastPara="1" rIns="91425" wrap="square" tIns="45700">
+          <a:bodyPr spcFirstLastPara="1" wrap="square" lIns="91425" tIns="45700" rIns="91425" bIns="45700" anchor="ctr" anchorCtr="0">
             <a:noAutofit/>
           </a:bodyPr>
           <a:lstStyle/>
           <a:p>
-            <a:pPr indent="0" lvl="0" marL="0" marR="0" rtl="0" algn="r">
+            <a:pPr marL="0" marR="0" lvl="0" indent="0" algn="r" rtl="0">
               <a:spcBef>
                 <a:spcPts val="0"/>
               </a:spcBef>
@@ -4227,10 +4036,7 @@
               </a:spcAft>
               <a:buNone/>
             </a:pPr>
-            <a:r>
-              <a:t/>
-            </a:r>
-            <a:endParaRPr b="1" i="0" sz="3200" u="none" cap="none" strike="noStrike">
+            <a:endParaRPr sz="3200" b="1" i="0" u="none" strike="noStrike" cap="none">
               <a:solidFill>
                 <a:schemeClr val="dk1"/>
               </a:solidFill>
@@ -4245,7 +4051,9 @@
       <p:sp>
         <p:nvSpPr>
           <p:cNvPr id="26" name="Google Shape;26;p1"/>
-          <p:cNvSpPr txBox="1"/>
+          <p:cNvSpPr txBox="1">
+            <a:spLocks noGrp="1"/>
+          </p:cNvSpPr>
           <p:nvPr>
             <p:ph type="title"/>
           </p:nvPr>
@@ -4278,12 +4086,12 @@
           </a:ln>
         </p:spPr>
         <p:txBody>
-          <a:bodyPr anchorCtr="0" anchor="ctr" bIns="45700" lIns="91425" spcFirstLastPara="1" rIns="91425" wrap="square" tIns="45700">
+          <a:bodyPr spcFirstLastPara="1" wrap="square" lIns="91425" tIns="45700" rIns="91425" bIns="45700" anchor="ctr" anchorCtr="0">
             <a:noAutofit/>
           </a:bodyPr>
           <a:lstStyle/>
           <a:p>
-            <a:pPr indent="0" lvl="0" marL="0" rtl="0" algn="r">
+            <a:pPr marL="0" lvl="0" indent="0" algn="r" rtl="0">
               <a:spcBef>
                 <a:spcPts val="0"/>
               </a:spcBef>
@@ -4308,9 +4116,11 @@
       <p:sp>
         <p:nvSpPr>
           <p:cNvPr id="27" name="Google Shape;27;p1"/>
-          <p:cNvSpPr txBox="1"/>
+          <p:cNvSpPr txBox="1">
+            <a:spLocks noGrp="1"/>
+          </p:cNvSpPr>
           <p:nvPr>
-            <p:ph idx="11" type="ftr"/>
+            <p:ph type="ftr" idx="11"/>
           </p:nvPr>
         </p:nvSpPr>
         <p:spPr>
@@ -4327,12 +4137,12 @@
           </a:ln>
         </p:spPr>
         <p:txBody>
-          <a:bodyPr anchorCtr="0" anchor="t" bIns="45700" lIns="91425" spcFirstLastPara="1" rIns="91425" wrap="square" tIns="45700">
+          <a:bodyPr spcFirstLastPara="1" wrap="square" lIns="91425" tIns="45700" rIns="91425" bIns="45700" anchor="t" anchorCtr="0">
             <a:noAutofit/>
           </a:bodyPr>
           <a:lstStyle/>
           <a:p>
-            <a:pPr indent="0" lvl="0" marL="0" marR="0" rtl="0" algn="ctr">
+            <a:pPr marL="0" marR="0" lvl="0" indent="0" algn="ctr" rtl="0">
               <a:spcBef>
                 <a:spcPts val="0"/>
               </a:spcBef>
@@ -4342,7 +4152,7 @@
               <a:buNone/>
             </a:pPr>
             <a:r>
-              <a:rPr b="1" i="0" lang="fr-CH" sz="3600" u="none" cap="none" strike="noStrike">
+              <a:rPr lang="fr-CH" sz="3600" b="1" i="0" u="none" strike="noStrike" cap="none">
                 <a:solidFill>
                   <a:srgbClr val="0000FF"/>
                 </a:solidFill>
@@ -4353,7 +4163,7 @@
               </a:rPr>
               <a:t>CF-geo</a:t>
             </a:r>
-            <a:endParaRPr b="1" i="0" sz="3600" u="none" cap="none" strike="noStrike">
+            <a:endParaRPr sz="3600" b="1" i="0" u="none" strike="noStrike" cap="none">
               <a:solidFill>
                 <a:srgbClr val="0000FF"/>
               </a:solidFill>
@@ -4375,7 +4185,7 @@
           <a:blip r:embed="rId4">
             <a:alphaModFix/>
           </a:blip>
-          <a:srcRect b="0" l="0" r="0" t="0"/>
+          <a:srcRect/>
           <a:stretch/>
         </p:blipFill>
         <p:spPr>
@@ -4392,51 +4202,6 @@
           </a:ln>
         </p:spPr>
       </p:pic>
-      <p:sp>
-        <p:nvSpPr>
-          <p:cNvPr id="29" name="Google Shape;29;p1">
-            <a:hlinkClick r:id="rId5"/>
-          </p:cNvPr>
-          <p:cNvSpPr/>
-          <p:nvPr/>
-        </p:nvSpPr>
-        <p:spPr>
-          <a:xfrm rot="-1396404">
-            <a:off x="1517678" y="2502581"/>
-            <a:ext cx="3960439" cy="1294283"/>
-          </a:xfrm>
-          <a:prstGeom prst="rect">
-            <a:avLst/>
-          </a:prstGeom>
-        </p:spPr>
-        <p:txBody>
-          <a:bodyPr>
-            <a:prstTxWarp prst="textPlain"/>
-          </a:bodyPr>
-          <a:lstStyle/>
-          <a:p>
-            <a:pPr lvl="0" algn="ctr"/>
-            <a:r>
-              <a:rPr b="0" i="0">
-                <a:ln cap="flat" cmpd="sng" w="12700">
-                  <a:solidFill>
-                    <a:srgbClr val="000000"/>
-                  </a:solidFill>
-                  <a:prstDash val="solid"/>
-                  <a:round/>
-                  <a:headEnd len="sm" w="sm" type="none"/>
-                  <a:tailEnd len="sm" w="sm" type="none"/>
-                </a:ln>
-                <a:solidFill>
-                  <a:srgbClr val="FFC000"/>
-                </a:solidFill>
-                <a:latin typeface="Arial Black"/>
-              </a:rPr>
-              <a:t>Bienvenue</a:t>
-            </a:r>
-          </a:p>
-        </p:txBody>
-      </p:sp>
       <p:pic>
         <p:nvPicPr>
           <p:cNvPr id="30" name="Google Shape;30;p1"/>
@@ -4444,10 +4209,10 @@
           <p:nvPr/>
         </p:nvPicPr>
         <p:blipFill rotWithShape="1">
-          <a:blip r:embed="rId6">
+          <a:blip r:embed="rId5">
             <a:alphaModFix/>
           </a:blip>
-          <a:srcRect b="0" l="0" r="0" t="0"/>
+          <a:srcRect/>
           <a:stretch/>
         </p:blipFill>
         <p:spPr>
@@ -4488,12 +4253,12 @@
           </a:ln>
         </p:spPr>
         <p:txBody>
-          <a:bodyPr anchorCtr="0" anchor="t" bIns="45700" lIns="91425" spcFirstLastPara="1" rIns="91425" wrap="square" tIns="45700">
+          <a:bodyPr spcFirstLastPara="1" wrap="square" lIns="91425" tIns="45700" rIns="91425" bIns="45700" anchor="t" anchorCtr="0">
             <a:noAutofit/>
           </a:bodyPr>
           <a:lstStyle/>
           <a:p>
-            <a:pPr indent="0" lvl="0" marL="0" marR="0" rtl="0" algn="r">
+            <a:pPr marL="0" marR="0" lvl="0" indent="0" algn="r" rtl="0">
               <a:spcBef>
                 <a:spcPts val="0"/>
               </a:spcBef>
@@ -4503,7 +4268,7 @@
               <a:buNone/>
             </a:pPr>
             <a:r>
-              <a:rPr b="1" i="0" lang="fr-CH" sz="1400" u="none" cap="none" strike="noStrike">
+              <a:rPr lang="fr-CH" sz="1400" b="1" i="0" u="none" strike="noStrike" cap="none" dirty="0">
                 <a:solidFill>
                   <a:srgbClr val="FF0000"/>
                 </a:solidFill>
@@ -4512,9 +4277,9 @@
                 <a:cs typeface="Century Gothic"/>
                 <a:sym typeface="Century Gothic"/>
               </a:rPr>
-              <a:t>Nom enseignant(e)</a:t>
+              <a:t>Régis Longchamp</a:t>
             </a:r>
-            <a:endParaRPr b="1" i="0" sz="1400" u="none" cap="none" strike="noStrike">
+            <a:endParaRPr sz="1400" b="1" i="0" u="none" strike="noStrike" cap="none" dirty="0">
               <a:solidFill>
                 <a:srgbClr val="FF0000"/>
               </a:solidFill>
@@ -4526,57 +4291,18 @@
           </a:p>
         </p:txBody>
       </p:sp>
-      <p:sp>
-        <p:nvSpPr>
-          <p:cNvPr id="32" name="Google Shape;32;p1"/>
-          <p:cNvSpPr txBox="1"/>
-          <p:nvPr>
-            <p:ph idx="1" type="body"/>
-          </p:nvPr>
-        </p:nvSpPr>
-        <p:spPr>
-          <a:xfrm>
-            <a:off x="457200" y="1600200"/>
-            <a:ext cx="8229600" cy="4526100"/>
-          </a:xfrm>
-          <a:prstGeom prst="rect">
-            <a:avLst/>
-          </a:prstGeom>
-        </p:spPr>
-        <p:txBody>
-          <a:bodyPr anchorCtr="0" anchor="t" bIns="45700" lIns="91425" spcFirstLastPara="1" rIns="91425" wrap="square" tIns="45700">
-            <a:noAutofit/>
-          </a:bodyPr>
-          <a:lstStyle/>
-          <a:p>
-            <a:pPr indent="0" lvl="0" marL="0" rtl="0" algn="l">
-              <a:spcBef>
-                <a:spcPts val="560"/>
-              </a:spcBef>
-              <a:spcAft>
-                <a:spcPts val="0"/>
-              </a:spcAft>
-              <a:buNone/>
-            </a:pPr>
-            <a:r>
-              <a:t/>
-            </a:r>
-            <a:endParaRPr/>
-          </a:p>
-        </p:txBody>
-      </p:sp>
     </p:spTree>
   </p:cSld>
   <p:clrMapOvr>
     <a:masterClrMapping/>
   </p:clrMapOvr>
-  <mc:AlternateContent>
+  <mc:AlternateContent xmlns:mc="http://schemas.openxmlformats.org/markup-compatibility/2006" xmlns:p14="http://schemas.microsoft.com/office/powerpoint/2010/main">
     <mc:Choice Requires="p14">
       <p:transition spd="slow" p14:dur="1400">
         <p14:doors dir="vert"/>
       </p:transition>
     </mc:Choice>
-    <mc:Fallback>
+    <mc:Fallback xmlns="" xmlns:mv="urn:schemas-microsoft-com:mac:vml" xmlns:c="http://schemas.openxmlformats.org/drawingml/2006/chart" xmlns:dgm="http://schemas.openxmlformats.org/drawingml/2006/diagram" xmlns:o="urn:schemas-microsoft-com:office:office" xmlns:v="urn:schemas-microsoft-com:vml" xmlns:pvml="urn:schemas-microsoft-com:office:powerpoint" xmlns:com="http://schemas.openxmlformats.org/drawingml/2006/compatibility" xmlns:p15="http://schemas.microsoft.com/office/powerpoint/2012/main" xmlns:ahyp="http://schemas.microsoft.com/office/drawing/2018/hyperlinkcolor">
       <p:transition spd="med">
         <p:fade/>
       </p:transition>
@@ -4586,11 +4312,11 @@
 </file>
 
 <file path=ppt/slides/slide2.xml><?xml version="1.0" encoding="utf-8"?>
-<p:sld xmlns:a="http://schemas.openxmlformats.org/drawingml/2006/main" xmlns:r="http://schemas.openxmlformats.org/officeDocument/2006/relationships" xmlns:mc="http://schemas.openxmlformats.org/markup-compatibility/2006" xmlns:mv="urn:schemas-microsoft-com:mac:vml" xmlns:p="http://schemas.openxmlformats.org/presentationml/2006/main" xmlns:c="http://schemas.openxmlformats.org/drawingml/2006/chart" xmlns:dgm="http://schemas.openxmlformats.org/drawingml/2006/diagram" xmlns:o="urn:schemas-microsoft-com:office:office" xmlns:v="urn:schemas-microsoft-com:vml" xmlns:pvml="urn:schemas-microsoft-com:office:powerpoint" xmlns:com="http://schemas.openxmlformats.org/drawingml/2006/compatibility" xmlns:p14="http://schemas.microsoft.com/office/powerpoint/2010/main" xmlns:p15="http://schemas.microsoft.com/office/powerpoint/2012/main" xmlns:ahyp="http://schemas.microsoft.com/office/drawing/2018/hyperlinkcolor">
+<p:sld xmlns:a="http://schemas.openxmlformats.org/drawingml/2006/main" xmlns:r="http://schemas.openxmlformats.org/officeDocument/2006/relationships" xmlns:p="http://schemas.openxmlformats.org/presentationml/2006/main">
   <p:cSld>
     <p:spTree>
       <p:nvGrpSpPr>
-        <p:cNvPr id="39" name="Shape 39"/>
+        <p:cNvPr id="1" name="Shape 39"/>
         <p:cNvGrpSpPr/>
         <p:nvPr/>
       </p:nvGrpSpPr>
@@ -4612,7 +4338,7 @@
           <a:blip r:embed="rId3">
             <a:alphaModFix/>
           </a:blip>
-          <a:srcRect b="0" l="0" r="0" t="0"/>
+          <a:srcRect/>
           <a:stretch/>
         </p:blipFill>
         <p:spPr>
@@ -4631,7 +4357,7 @@
       </p:pic>
       <p:pic>
         <p:nvPicPr>
-          <p:cNvPr descr="B5.gif" id="41" name="Google Shape;41;p2"/>
+          <p:cNvPr id="41" name="Google Shape;41;p2" descr="B5.gif"/>
           <p:cNvPicPr preferRelativeResize="0"/>
           <p:nvPr/>
         </p:nvPicPr>
@@ -4639,7 +4365,7 @@
           <a:blip r:embed="rId4">
             <a:alphaModFix/>
           </a:blip>
-          <a:srcRect b="0" l="0" r="0" t="0"/>
+          <a:srcRect/>
           <a:stretch/>
         </p:blipFill>
         <p:spPr>
@@ -4658,7 +4384,7 @@
       </p:pic>
       <p:pic>
         <p:nvPicPr>
-          <p:cNvPr descr="B4.gif" id="42" name="Google Shape;42;p2"/>
+          <p:cNvPr id="42" name="Google Shape;42;p2" descr="B4.gif"/>
           <p:cNvPicPr preferRelativeResize="0"/>
           <p:nvPr/>
         </p:nvPicPr>
@@ -4666,7 +4392,7 @@
           <a:blip r:embed="rId5">
             <a:alphaModFix/>
           </a:blip>
-          <a:srcRect b="0" l="0" r="0" t="0"/>
+          <a:srcRect/>
           <a:stretch/>
         </p:blipFill>
         <p:spPr>
@@ -4685,7 +4411,7 @@
       </p:pic>
       <p:pic>
         <p:nvPicPr>
-          <p:cNvPr descr="S10.gif" id="43" name="Google Shape;43;p2"/>
+          <p:cNvPr id="43" name="Google Shape;43;p2" descr="S10.gif"/>
           <p:cNvPicPr preferRelativeResize="0"/>
           <p:nvPr/>
         </p:nvPicPr>
@@ -4693,7 +4419,7 @@
           <a:blip r:embed="rId6">
             <a:alphaModFix/>
           </a:blip>
-          <a:srcRect b="0" l="0" r="0" t="0"/>
+          <a:srcRect/>
           <a:stretch/>
         </p:blipFill>
         <p:spPr>
@@ -4712,7 +4438,7 @@
       </p:pic>
       <p:pic>
         <p:nvPicPr>
-          <p:cNvPr descr="S9.gif" id="44" name="Google Shape;44;p2"/>
+          <p:cNvPr id="44" name="Google Shape;44;p2" descr="S9.gif"/>
           <p:cNvPicPr preferRelativeResize="0"/>
           <p:nvPr/>
         </p:nvPicPr>
@@ -4720,7 +4446,7 @@
           <a:blip r:embed="rId7">
             <a:alphaModFix/>
           </a:blip>
-          <a:srcRect b="0" l="0" r="0" t="0"/>
+          <a:srcRect/>
           <a:stretch/>
         </p:blipFill>
         <p:spPr>
@@ -4739,7 +4465,7 @@
       </p:pic>
       <p:pic>
         <p:nvPicPr>
-          <p:cNvPr descr="S8.gif" id="45" name="Google Shape;45;p2"/>
+          <p:cNvPr id="45" name="Google Shape;45;p2" descr="S8.gif"/>
           <p:cNvPicPr preferRelativeResize="0"/>
           <p:nvPr/>
         </p:nvPicPr>
@@ -4747,7 +4473,7 @@
           <a:blip r:embed="rId8">
             <a:alphaModFix/>
           </a:blip>
-          <a:srcRect b="0" l="0" r="0" t="0"/>
+          <a:srcRect/>
           <a:stretch/>
         </p:blipFill>
         <p:spPr>
@@ -4766,7 +4492,7 @@
       </p:pic>
       <p:pic>
         <p:nvPicPr>
-          <p:cNvPr descr="S7.gif" id="46" name="Google Shape;46;p2"/>
+          <p:cNvPr id="46" name="Google Shape;46;p2" descr="S7.gif"/>
           <p:cNvPicPr preferRelativeResize="0"/>
           <p:nvPr/>
         </p:nvPicPr>
@@ -4774,7 +4500,7 @@
           <a:blip r:embed="rId9">
             <a:alphaModFix/>
           </a:blip>
-          <a:srcRect b="0" l="0" r="0" t="0"/>
+          <a:srcRect/>
           <a:stretch/>
         </p:blipFill>
         <p:spPr>
@@ -4793,7 +4519,7 @@
       </p:pic>
       <p:pic>
         <p:nvPicPr>
-          <p:cNvPr descr="S6.gif" id="47" name="Google Shape;47;p2"/>
+          <p:cNvPr id="47" name="Google Shape;47;p2" descr="S6.gif"/>
           <p:cNvPicPr preferRelativeResize="0"/>
           <p:nvPr/>
         </p:nvPicPr>
@@ -4801,7 +4527,7 @@
           <a:blip r:embed="rId10">
             <a:alphaModFix/>
           </a:blip>
-          <a:srcRect b="0" l="0" r="0" t="0"/>
+          <a:srcRect/>
           <a:stretch/>
         </p:blipFill>
         <p:spPr>
@@ -4820,7 +4546,7 @@
       </p:pic>
       <p:pic>
         <p:nvPicPr>
-          <p:cNvPr descr="S5.gif" id="48" name="Google Shape;48;p2"/>
+          <p:cNvPr id="48" name="Google Shape;48;p2" descr="S5.gif"/>
           <p:cNvPicPr preferRelativeResize="0"/>
           <p:nvPr/>
         </p:nvPicPr>
@@ -4828,7 +4554,7 @@
           <a:blip r:embed="rId11">
             <a:alphaModFix/>
           </a:blip>
-          <a:srcRect b="0" l="0" r="0" t="0"/>
+          <a:srcRect/>
           <a:stretch/>
         </p:blipFill>
         <p:spPr>
@@ -4847,7 +4573,7 @@
       </p:pic>
       <p:pic>
         <p:nvPicPr>
-          <p:cNvPr descr="S4.gif" id="49" name="Google Shape;49;p2"/>
+          <p:cNvPr id="49" name="Google Shape;49;p2" descr="S4.gif"/>
           <p:cNvPicPr preferRelativeResize="0"/>
           <p:nvPr/>
         </p:nvPicPr>
@@ -4855,7 +4581,7 @@
           <a:blip r:embed="rId12">
             <a:alphaModFix/>
           </a:blip>
-          <a:srcRect b="0" l="0" r="0" t="0"/>
+          <a:srcRect/>
           <a:stretch/>
         </p:blipFill>
         <p:spPr>
@@ -4874,7 +4600,7 @@
       </p:pic>
       <p:pic>
         <p:nvPicPr>
-          <p:cNvPr descr="S3.gif" id="50" name="Google Shape;50;p2"/>
+          <p:cNvPr id="50" name="Google Shape;50;p2" descr="S3.gif"/>
           <p:cNvPicPr preferRelativeResize="0"/>
           <p:nvPr/>
         </p:nvPicPr>
@@ -4882,7 +4608,7 @@
           <a:blip r:embed="rId13">
             <a:alphaModFix/>
           </a:blip>
-          <a:srcRect b="0" l="0" r="0" t="0"/>
+          <a:srcRect/>
           <a:stretch/>
         </p:blipFill>
         <p:spPr>
@@ -4901,7 +4627,7 @@
       </p:pic>
       <p:pic>
         <p:nvPicPr>
-          <p:cNvPr descr="S2.gif" id="51" name="Google Shape;51;p2"/>
+          <p:cNvPr id="51" name="Google Shape;51;p2" descr="S2.gif"/>
           <p:cNvPicPr preferRelativeResize="0"/>
           <p:nvPr/>
         </p:nvPicPr>
@@ -4909,7 +4635,7 @@
           <a:blip r:embed="rId14">
             <a:alphaModFix/>
           </a:blip>
-          <a:srcRect b="0" l="0" r="0" t="0"/>
+          <a:srcRect/>
           <a:stretch/>
         </p:blipFill>
         <p:spPr>
@@ -4928,7 +4654,7 @@
       </p:pic>
       <p:pic>
         <p:nvPicPr>
-          <p:cNvPr descr="S1.gif" id="52" name="Google Shape;52;p2"/>
+          <p:cNvPr id="52" name="Google Shape;52;p2" descr="S1.gif"/>
           <p:cNvPicPr preferRelativeResize="0"/>
           <p:nvPr/>
         </p:nvPicPr>
@@ -4936,7 +4662,7 @@
           <a:blip r:embed="rId15">
             <a:alphaModFix/>
           </a:blip>
-          <a:srcRect b="0" l="0" r="0" t="0"/>
+          <a:srcRect/>
           <a:stretch/>
         </p:blipFill>
         <p:spPr>
@@ -4955,7 +4681,7 @@
       </p:pic>
       <p:pic>
         <p:nvPicPr>
-          <p:cNvPr descr="B3.gif" id="53" name="Google Shape;53;p2"/>
+          <p:cNvPr id="53" name="Google Shape;53;p2" descr="B3.gif"/>
           <p:cNvPicPr preferRelativeResize="0"/>
           <p:nvPr/>
         </p:nvPicPr>
@@ -4963,7 +4689,7 @@
           <a:blip r:embed="rId16">
             <a:alphaModFix/>
           </a:blip>
-          <a:srcRect b="0" l="0" r="0" t="0"/>
+          <a:srcRect/>
           <a:stretch/>
         </p:blipFill>
         <p:spPr>
@@ -4982,7 +4708,7 @@
       </p:pic>
       <p:pic>
         <p:nvPicPr>
-          <p:cNvPr descr="B2.gif" id="54" name="Google Shape;54;p2"/>
+          <p:cNvPr id="54" name="Google Shape;54;p2" descr="B2.gif"/>
           <p:cNvPicPr preferRelativeResize="0"/>
           <p:nvPr/>
         </p:nvPicPr>
@@ -4990,7 +4716,7 @@
           <a:blip r:embed="rId17">
             <a:alphaModFix/>
           </a:blip>
-          <a:srcRect b="0" l="0" r="0" t="0"/>
+          <a:srcRect/>
           <a:stretch/>
         </p:blipFill>
         <p:spPr>
@@ -5009,7 +4735,7 @@
       </p:pic>
       <p:pic>
         <p:nvPicPr>
-          <p:cNvPr descr="B1.gif" id="55" name="Google Shape;55;p2"/>
+          <p:cNvPr id="55" name="Google Shape;55;p2" descr="B1.gif"/>
           <p:cNvPicPr preferRelativeResize="0"/>
           <p:nvPr/>
         </p:nvPicPr>
@@ -5017,7 +4743,7 @@
           <a:blip r:embed="rId18">
             <a:alphaModFix/>
           </a:blip>
-          <a:srcRect b="0" l="0" r="0" t="0"/>
+          <a:srcRect/>
           <a:stretch/>
         </p:blipFill>
         <p:spPr>
@@ -5044,7 +4770,7 @@
           <a:blip r:embed="rId19">
             <a:alphaModFix/>
           </a:blip>
-          <a:srcRect b="0" l="0" r="0" t="0"/>
+          <a:srcRect/>
           <a:stretch/>
         </p:blipFill>
         <p:spPr>
@@ -5071,7 +4797,7 @@
           <a:blip r:embed="rId20">
             <a:alphaModFix/>
           </a:blip>
-          <a:srcRect b="0" l="0" r="0" t="0"/>
+          <a:srcRect/>
           <a:stretch/>
         </p:blipFill>
         <p:spPr>
@@ -5090,7 +4816,7 @@
       </p:pic>
       <p:pic>
         <p:nvPicPr>
-          <p:cNvPr descr="C:\Users\Nicolas Ciana\Dropbox\technicien en géomatique BF\2016_2018\Modèles\logos\autres logos\CERTIF3_trans.png" id="58" name="Google Shape;58;p2"/>
+          <p:cNvPr id="58" name="Google Shape;58;p2" descr="C:\Users\Nicolas Ciana\Dropbox\technicien en géomatique BF\2016_2018\Modèles\logos\autres logos\CERTIF3_trans.png"/>
           <p:cNvPicPr preferRelativeResize="0"/>
           <p:nvPr/>
         </p:nvPicPr>
@@ -5098,7 +4824,7 @@
           <a:blip r:embed="rId21">
             <a:alphaModFix/>
           </a:blip>
-          <a:srcRect b="0" l="0" r="0" t="0"/>
+          <a:srcRect/>
           <a:stretch/>
         </p:blipFill>
         <p:spPr>
@@ -5117,7 +4843,7 @@
       </p:pic>
       <p:pic>
         <p:nvPicPr>
-          <p:cNvPr descr="S11.gif" id="59" name="Google Shape;59;p2"/>
+          <p:cNvPr id="59" name="Google Shape;59;p2" descr="S11.gif"/>
           <p:cNvPicPr preferRelativeResize="0"/>
           <p:nvPr/>
         </p:nvPicPr>
@@ -5125,7 +4851,7 @@
           <a:blip r:embed="rId22">
             <a:alphaModFix/>
           </a:blip>
-          <a:srcRect b="0" l="0" r="0" t="0"/>
+          <a:srcRect/>
           <a:stretch/>
         </p:blipFill>
         <p:spPr>
@@ -5176,12 +4902,12 @@
           </a:ln>
         </p:spPr>
         <p:txBody>
-          <a:bodyPr anchorCtr="0" anchor="ctr" bIns="45700" lIns="91425" spcFirstLastPara="1" rIns="91425" wrap="square" tIns="45700">
+          <a:bodyPr spcFirstLastPara="1" wrap="square" lIns="91425" tIns="45700" rIns="91425" bIns="45700" anchor="ctr" anchorCtr="0">
             <a:noAutofit/>
           </a:bodyPr>
           <a:lstStyle/>
           <a:p>
-            <a:pPr indent="0" lvl="0" marL="0" marR="0" rtl="0" algn="r">
+            <a:pPr marL="0" marR="0" lvl="0" indent="0" algn="r" rtl="0">
               <a:spcBef>
                 <a:spcPts val="0"/>
               </a:spcBef>
@@ -5190,10 +4916,7 @@
               </a:spcAft>
               <a:buNone/>
             </a:pPr>
-            <a:r>
-              <a:t/>
-            </a:r>
-            <a:endParaRPr b="1" i="0" sz="3200" u="none" cap="none" strike="noStrike">
+            <a:endParaRPr sz="3200" b="1" i="0" u="none" strike="noStrike" cap="none">
               <a:solidFill>
                 <a:schemeClr val="dk1"/>
               </a:solidFill>
@@ -5208,7 +4931,9 @@
       <p:sp>
         <p:nvSpPr>
           <p:cNvPr id="61" name="Google Shape;61;p2"/>
-          <p:cNvSpPr txBox="1"/>
+          <p:cNvSpPr txBox="1">
+            <a:spLocks noGrp="1"/>
+          </p:cNvSpPr>
           <p:nvPr>
             <p:ph type="title"/>
           </p:nvPr>
@@ -5241,12 +4966,12 @@
           </a:ln>
         </p:spPr>
         <p:txBody>
-          <a:bodyPr anchorCtr="0" anchor="ctr" bIns="45700" lIns="91425" spcFirstLastPara="1" rIns="91425" wrap="square" tIns="45700">
+          <a:bodyPr spcFirstLastPara="1" wrap="square" lIns="91425" tIns="45700" rIns="91425" bIns="45700" anchor="ctr" anchorCtr="0">
             <a:noAutofit/>
           </a:bodyPr>
           <a:lstStyle/>
           <a:p>
-            <a:pPr indent="0" lvl="0" marL="0" rtl="0" algn="r">
+            <a:pPr marL="0" lvl="0" indent="0" algn="r" rtl="0">
               <a:spcBef>
                 <a:spcPts val="0"/>
               </a:spcBef>
@@ -5255,22 +4980,13 @@
               </a:spcAft>
               <a:buNone/>
             </a:pPr>
-            <a:r>
-              <a:rPr lang="fr-CH">
-                <a:latin typeface="Century Gothic"/>
-                <a:ea typeface="Century Gothic"/>
-                <a:cs typeface="Century Gothic"/>
-                <a:sym typeface="Century Gothic"/>
-              </a:rPr>
-              <a:t>Module BXX «gestion d’entreprise»</a:t>
-            </a:r>
-            <a:endParaRPr/>
+            <a:endParaRPr dirty="0"/>
           </a:p>
         </p:txBody>
       </p:sp>
       <p:pic>
         <p:nvPicPr>
-          <p:cNvPr descr="B3.jpg" id="62" name="Google Shape;62;p2"/>
+          <p:cNvPr id="62" name="Google Shape;62;p2" descr="B3.jpg"/>
           <p:cNvPicPr preferRelativeResize="0"/>
           <p:nvPr/>
         </p:nvPicPr>
@@ -5278,7 +4994,7 @@
           <a:blip r:embed="rId23">
             <a:alphaModFix/>
           </a:blip>
-          <a:srcRect b="0" l="0" r="0" t="0"/>
+          <a:srcRect/>
           <a:stretch/>
         </p:blipFill>
         <p:spPr>
@@ -5303,8 +5019,8 @@
         </p:nvSpPr>
         <p:spPr>
           <a:xfrm>
-            <a:off x="4124518" y="6459688"/>
-            <a:ext cx="1128616" cy="394594"/>
+            <a:off x="4124517" y="6459688"/>
+            <a:ext cx="1743625" cy="394594"/>
           </a:xfrm>
           <a:prstGeom prst="rect">
             <a:avLst/>
@@ -5315,12 +5031,12 @@
           </a:ln>
         </p:spPr>
         <p:txBody>
-          <a:bodyPr anchorCtr="0" anchor="t" bIns="45700" lIns="91425" spcFirstLastPara="1" rIns="91425" wrap="square" tIns="45700">
+          <a:bodyPr spcFirstLastPara="1" wrap="square" lIns="91425" tIns="45700" rIns="91425" bIns="45700" anchor="t" anchorCtr="0">
             <a:noAutofit/>
           </a:bodyPr>
           <a:lstStyle/>
           <a:p>
-            <a:pPr indent="0" lvl="0" marL="0" marR="0" rtl="0" algn="l">
+            <a:pPr marL="0" marR="0" lvl="0" indent="0" algn="l" rtl="0">
               <a:spcBef>
                 <a:spcPts val="0"/>
               </a:spcBef>
@@ -5330,7 +5046,7 @@
               <a:buNone/>
             </a:pPr>
             <a:r>
-              <a:rPr b="1" i="0" lang="fr-CH" sz="1600" u="none" cap="none" strike="noStrike">
+              <a:rPr lang="fr-CH" sz="1600" b="1" i="0" u="none" strike="noStrike" cap="none" dirty="0">
                 <a:solidFill>
                   <a:schemeClr val="dk1"/>
                 </a:solidFill>
@@ -5339,9 +5055,9 @@
                 <a:cs typeface="Century Gothic"/>
                 <a:sym typeface="Century Gothic"/>
               </a:rPr>
-              <a:t>Avril 2019</a:t>
+              <a:t>Janvier 2022</a:t>
             </a:r>
-            <a:endParaRPr b="1" i="0" sz="1600" u="none" cap="none" strike="noStrike">
+            <a:endParaRPr sz="1600" b="1" i="0" u="none" strike="noStrike" cap="none" dirty="0">
               <a:solidFill>
                 <a:schemeClr val="dk1"/>
               </a:solidFill>
@@ -5372,29 +5088,82 @@
         </p:spPr>
         <p:txBody>
           <a:bodyPr>
-            <a:prstTxWarp prst="textPlain"/>
+            <a:prstTxWarp prst="textPlain">
+              <a:avLst/>
+            </a:prstTxWarp>
           </a:bodyPr>
           <a:lstStyle/>
           <a:p>
             <a:pPr lvl="0" algn="ctr"/>
             <a:r>
-              <a:rPr b="0" i="0">
-                <a:ln cap="flat" cmpd="sng" w="12700">
+              <a:rPr b="0" i="0" dirty="0" err="1">
+                <a:ln w="12700" cap="flat" cmpd="sng">
                   <a:solidFill>
                     <a:srgbClr val="000000"/>
                   </a:solidFill>
                   <a:prstDash val="solid"/>
                   <a:round/>
-                  <a:headEnd len="sm" w="sm" type="none"/>
-                  <a:tailEnd len="sm" w="sm" type="none"/>
+                  <a:headEnd type="none" w="sm" len="sm"/>
+                  <a:tailEnd type="none" w="sm" len="sm"/>
                 </a:ln>
                 <a:solidFill>
                   <a:srgbClr val="FFC000"/>
                 </a:solidFill>
                 <a:latin typeface="Arial Black"/>
               </a:rPr>
-              <a:t>Cours : Normes SIA</a:t>
+              <a:t>Cours</a:t>
             </a:r>
+            <a:r>
+              <a:rPr b="0" i="0" dirty="0">
+                <a:ln w="12700" cap="flat" cmpd="sng">
+                  <a:solidFill>
+                    <a:srgbClr val="000000"/>
+                  </a:solidFill>
+                  <a:prstDash val="solid"/>
+                  <a:round/>
+                  <a:headEnd type="none" w="sm" len="sm"/>
+                  <a:tailEnd type="none" w="sm" len="sm"/>
+                </a:ln>
+                <a:solidFill>
+                  <a:srgbClr val="FFC000"/>
+                </a:solidFill>
+                <a:latin typeface="Arial Black"/>
+              </a:rPr>
+              <a:t> : </a:t>
+            </a:r>
+            <a:r>
+              <a:rPr lang="en-GB" b="0" i="0" dirty="0" err="1">
+                <a:ln w="12700" cap="flat" cmpd="sng">
+                  <a:solidFill>
+                    <a:srgbClr val="000000"/>
+                  </a:solidFill>
+                  <a:prstDash val="solid"/>
+                  <a:round/>
+                  <a:headEnd type="none" w="sm" len="sm"/>
+                  <a:tailEnd type="none" w="sm" len="sm"/>
+                </a:ln>
+                <a:solidFill>
+                  <a:srgbClr val="FFC000"/>
+                </a:solidFill>
+                <a:latin typeface="Arial Black"/>
+              </a:rPr>
+              <a:t>PostGIS</a:t>
+            </a:r>
+            <a:endParaRPr b="0" i="0" dirty="0">
+              <a:ln w="12700" cap="flat" cmpd="sng">
+                <a:solidFill>
+                  <a:srgbClr val="000000"/>
+                </a:solidFill>
+                <a:prstDash val="solid"/>
+                <a:round/>
+                <a:headEnd type="none" w="sm" len="sm"/>
+                <a:tailEnd type="none" w="sm" len="sm"/>
+              </a:ln>
+              <a:solidFill>
+                <a:srgbClr val="FFC000"/>
+              </a:solidFill>
+              <a:latin typeface="Arial Black"/>
+            </a:endParaRPr>
           </a:p>
         </p:txBody>
       </p:sp>
@@ -5408,7 +5177,7 @@
           <a:blip r:embed="rId25">
             <a:alphaModFix/>
           </a:blip>
-          <a:srcRect b="0" l="0" r="0" t="0"/>
+          <a:srcRect/>
           <a:stretch/>
         </p:blipFill>
         <p:spPr>
@@ -5449,12 +5218,12 @@
           </a:ln>
         </p:spPr>
         <p:txBody>
-          <a:bodyPr anchorCtr="0" anchor="t" bIns="45700" lIns="91425" spcFirstLastPara="1" rIns="91425" wrap="square" tIns="45700">
+          <a:bodyPr spcFirstLastPara="1" wrap="square" lIns="91425" tIns="45700" rIns="91425" bIns="45700" anchor="t" anchorCtr="0">
             <a:noAutofit/>
           </a:bodyPr>
           <a:lstStyle/>
           <a:p>
-            <a:pPr indent="0" lvl="0" marL="0" marR="0" rtl="0" algn="r">
+            <a:pPr marL="0" marR="0" lvl="0" indent="0" algn="r" rtl="0">
               <a:spcBef>
                 <a:spcPts val="0"/>
               </a:spcBef>
@@ -5464,7 +5233,7 @@
               <a:buNone/>
             </a:pPr>
             <a:r>
-              <a:rPr b="1" i="0" lang="fr-CH" sz="1400" u="none" cap="none" strike="noStrike">
+              <a:rPr lang="fr-CH" sz="1400" b="1" i="0" u="none" strike="noStrike" cap="none">
                 <a:solidFill>
                   <a:srgbClr val="FF0000"/>
                 </a:solidFill>
@@ -5475,7 +5244,7 @@
               </a:rPr>
               <a:t>Nom enseignant(e)</a:t>
             </a:r>
-            <a:endParaRPr b="1" i="0" sz="1400" u="none" cap="none" strike="noStrike">
+            <a:endParaRPr sz="1400" b="1" i="0" u="none" strike="noStrike" cap="none">
               <a:solidFill>
                 <a:srgbClr val="FF0000"/>
               </a:solidFill>
@@ -5498,32 +5267,32 @@
   <p:timing>
     <p:tnLst>
       <p:par>
-        <p:cTn dur="indefinite" nodeType="tmRoot" restart="never">
+        <p:cTn id="1" dur="indefinite" restart="never" nodeType="tmRoot">
           <p:childTnLst>
             <p:seq concurrent="1" nextAc="seek">
-              <p:cTn dur="indefinite" id="2" nodeType="mainSeq">
+              <p:cTn id="2" dur="indefinite" nodeType="mainSeq">
                 <p:childTnLst>
                   <p:par>
-                    <p:cTn fill="hold">
+                    <p:cTn id="3" fill="hold">
                       <p:stCondLst>
                         <p:cond delay="indefinite"/>
                       </p:stCondLst>
                       <p:childTnLst>
                         <p:par>
-                          <p:cTn fill="hold">
+                          <p:cTn id="4" fill="hold">
                             <p:stCondLst>
                               <p:cond delay="0"/>
                             </p:stCondLst>
                             <p:childTnLst>
                               <p:par>
-                                <p:cTn fill="hold" nodeType="clickEffect" presetClass="entr" presetID="10" presetSubtype="0">
+                                <p:cTn id="5" presetID="10" presetClass="entr" presetSubtype="0" fill="hold" nodeType="clickEffect">
                                   <p:stCondLst>
                                     <p:cond delay="0"/>
                                   </p:stCondLst>
                                   <p:childTnLst>
                                     <p:set>
                                       <p:cBhvr>
-                                        <p:cTn dur="1" fill="hold">
+                                        <p:cTn id="6" dur="1" fill="hold">
                                           <p:stCondLst>
                                             <p:cond delay="0"/>
                                           </p:stCondLst>
@@ -5539,9 +5308,9 @@
                                         <p:strVal val="visible"/>
                                       </p:to>
                                     </p:set>
-                                    <p:animEffect filter="fade" transition="in">
+                                    <p:animEffect transition="in" filter="fade">
                                       <p:cBhvr>
-                                        <p:cTn dur="1000"/>
+                                        <p:cTn id="7" dur="1000"/>
                                         <p:tgtEl>
                                           <p:spTgt spid="55"/>
                                         </p:tgtEl>
@@ -5551,14 +5320,14 @@
                                 </p:cTn>
                               </p:par>
                               <p:par>
-                                <p:cTn fill="hold" nodeType="withEffect" presetClass="entr" presetID="10" presetSubtype="0">
+                                <p:cTn id="8" presetID="10" presetClass="entr" presetSubtype="0" fill="hold" nodeType="withEffect">
                                   <p:stCondLst>
                                     <p:cond delay="0"/>
                                   </p:stCondLst>
                                   <p:childTnLst>
                                     <p:set>
                                       <p:cBhvr>
-                                        <p:cTn dur="1" fill="hold">
+                                        <p:cTn id="9" dur="1" fill="hold">
                                           <p:stCondLst>
                                             <p:cond delay="0"/>
                                           </p:stCondLst>
@@ -5574,9 +5343,9 @@
                                         <p:strVal val="visible"/>
                                       </p:to>
                                     </p:set>
-                                    <p:animEffect filter="fade" transition="in">
+                                    <p:animEffect transition="in" filter="fade">
                                       <p:cBhvr>
-                                        <p:cTn dur="1000"/>
+                                        <p:cTn id="10" dur="1000"/>
                                         <p:tgtEl>
                                           <p:spTgt spid="54"/>
                                         </p:tgtEl>
@@ -5586,14 +5355,14 @@
                                 </p:cTn>
                               </p:par>
                               <p:par>
-                                <p:cTn fill="hold" nodeType="withEffect" presetClass="entr" presetID="10" presetSubtype="0">
+                                <p:cTn id="11" presetID="10" presetClass="entr" presetSubtype="0" fill="hold" nodeType="withEffect">
                                   <p:stCondLst>
                                     <p:cond delay="0"/>
                                   </p:stCondLst>
                                   <p:childTnLst>
                                     <p:set>
                                       <p:cBhvr>
-                                        <p:cTn dur="1" fill="hold">
+                                        <p:cTn id="12" dur="1" fill="hold">
                                           <p:stCondLst>
                                             <p:cond delay="0"/>
                                           </p:stCondLst>
@@ -5609,9 +5378,9 @@
                                         <p:strVal val="visible"/>
                                       </p:to>
                                     </p:set>
-                                    <p:animEffect filter="fade" transition="in">
+                                    <p:animEffect transition="in" filter="fade">
                                       <p:cBhvr>
-                                        <p:cTn dur="1000"/>
+                                        <p:cTn id="13" dur="1000"/>
                                         <p:tgtEl>
                                           <p:spTgt spid="53"/>
                                         </p:tgtEl>
@@ -5621,14 +5390,14 @@
                                 </p:cTn>
                               </p:par>
                               <p:par>
-                                <p:cTn fill="hold" nodeType="withEffect" presetClass="entr" presetID="10" presetSubtype="0">
+                                <p:cTn id="14" presetID="10" presetClass="entr" presetSubtype="0" fill="hold" nodeType="withEffect">
                                   <p:stCondLst>
                                     <p:cond delay="0"/>
                                   </p:stCondLst>
                                   <p:childTnLst>
                                     <p:set>
                                       <p:cBhvr>
-                                        <p:cTn dur="1" fill="hold">
+                                        <p:cTn id="15" dur="1" fill="hold">
                                           <p:stCondLst>
                                             <p:cond delay="0"/>
                                           </p:stCondLst>
@@ -5644,9 +5413,9 @@
                                         <p:strVal val="visible"/>
                                       </p:to>
                                     </p:set>
-                                    <p:animEffect filter="fade" transition="in">
+                                    <p:animEffect transition="in" filter="fade">
                                       <p:cBhvr>
-                                        <p:cTn dur="1000"/>
+                                        <p:cTn id="16" dur="1000"/>
                                         <p:tgtEl>
                                           <p:spTgt spid="42"/>
                                         </p:tgtEl>
@@ -5656,14 +5425,14 @@
                                 </p:cTn>
                               </p:par>
                               <p:par>
-                                <p:cTn fill="hold" nodeType="withEffect" presetClass="entr" presetID="10" presetSubtype="0">
+                                <p:cTn id="17" presetID="10" presetClass="entr" presetSubtype="0" fill="hold" nodeType="withEffect">
                                   <p:stCondLst>
                                     <p:cond delay="0"/>
                                   </p:stCondLst>
                                   <p:childTnLst>
                                     <p:set>
                                       <p:cBhvr>
-                                        <p:cTn dur="1" fill="hold">
+                                        <p:cTn id="18" dur="1" fill="hold">
                                           <p:stCondLst>
                                             <p:cond delay="0"/>
                                           </p:stCondLst>
@@ -5679,9 +5448,9 @@
                                         <p:strVal val="visible"/>
                                       </p:to>
                                     </p:set>
-                                    <p:animEffect filter="fade" transition="in">
+                                    <p:animEffect transition="in" filter="fade">
                                       <p:cBhvr>
-                                        <p:cTn dur="1000"/>
+                                        <p:cTn id="19" dur="1000"/>
                                         <p:tgtEl>
                                           <p:spTgt spid="41"/>
                                         </p:tgtEl>
@@ -5691,14 +5460,14 @@
                                 </p:cTn>
                               </p:par>
                               <p:par>
-                                <p:cTn fill="hold" nodeType="withEffect" presetClass="entr" presetID="10" presetSubtype="0">
+                                <p:cTn id="20" presetID="10" presetClass="entr" presetSubtype="0" fill="hold" nodeType="withEffect">
                                   <p:stCondLst>
                                     <p:cond delay="0"/>
                                   </p:stCondLst>
                                   <p:childTnLst>
                                     <p:set>
                                       <p:cBhvr>
-                                        <p:cTn dur="1" fill="hold">
+                                        <p:cTn id="21" dur="1" fill="hold">
                                           <p:stCondLst>
                                             <p:cond delay="0"/>
                                           </p:stCondLst>
@@ -5714,9 +5483,9 @@
                                         <p:strVal val="visible"/>
                                       </p:to>
                                     </p:set>
-                                    <p:animEffect filter="fade" transition="in">
+                                    <p:animEffect transition="in" filter="fade">
                                       <p:cBhvr>
-                                        <p:cTn dur="1000"/>
+                                        <p:cTn id="22" dur="1000"/>
                                         <p:tgtEl>
                                           <p:spTgt spid="52"/>
                                         </p:tgtEl>
@@ -5726,14 +5495,14 @@
                                 </p:cTn>
                               </p:par>
                               <p:par>
-                                <p:cTn fill="hold" nodeType="withEffect" presetClass="entr" presetID="10" presetSubtype="0">
+                                <p:cTn id="23" presetID="10" presetClass="entr" presetSubtype="0" fill="hold" nodeType="withEffect">
                                   <p:stCondLst>
                                     <p:cond delay="0"/>
                                   </p:stCondLst>
                                   <p:childTnLst>
                                     <p:set>
                                       <p:cBhvr>
-                                        <p:cTn dur="1" fill="hold">
+                                        <p:cTn id="24" dur="1" fill="hold">
                                           <p:stCondLst>
                                             <p:cond delay="0"/>
                                           </p:stCondLst>
@@ -5749,9 +5518,9 @@
                                         <p:strVal val="visible"/>
                                       </p:to>
                                     </p:set>
-                                    <p:animEffect filter="fade" transition="in">
+                                    <p:animEffect transition="in" filter="fade">
                                       <p:cBhvr>
-                                        <p:cTn dur="1000"/>
+                                        <p:cTn id="25" dur="1000"/>
                                         <p:tgtEl>
                                           <p:spTgt spid="51"/>
                                         </p:tgtEl>
@@ -5761,14 +5530,14 @@
                                 </p:cTn>
                               </p:par>
                               <p:par>
-                                <p:cTn fill="hold" nodeType="withEffect" presetClass="entr" presetID="10" presetSubtype="0">
+                                <p:cTn id="26" presetID="10" presetClass="entr" presetSubtype="0" fill="hold" nodeType="withEffect">
                                   <p:stCondLst>
                                     <p:cond delay="0"/>
                                   </p:stCondLst>
                                   <p:childTnLst>
                                     <p:set>
                                       <p:cBhvr>
-                                        <p:cTn dur="1" fill="hold">
+                                        <p:cTn id="27" dur="1" fill="hold">
                                           <p:stCondLst>
                                             <p:cond delay="0"/>
                                           </p:stCondLst>
@@ -5784,9 +5553,9 @@
                                         <p:strVal val="visible"/>
                                       </p:to>
                                     </p:set>
-                                    <p:animEffect filter="fade" transition="in">
+                                    <p:animEffect transition="in" filter="fade">
                                       <p:cBhvr>
-                                        <p:cTn dur="1000"/>
+                                        <p:cTn id="28" dur="1000"/>
                                         <p:tgtEl>
                                           <p:spTgt spid="50"/>
                                         </p:tgtEl>
@@ -5796,14 +5565,14 @@
                                 </p:cTn>
                               </p:par>
                               <p:par>
-                                <p:cTn fill="hold" nodeType="withEffect" presetClass="entr" presetID="10" presetSubtype="0">
+                                <p:cTn id="29" presetID="10" presetClass="entr" presetSubtype="0" fill="hold" nodeType="withEffect">
                                   <p:stCondLst>
                                     <p:cond delay="0"/>
                                   </p:stCondLst>
                                   <p:childTnLst>
                                     <p:set>
                                       <p:cBhvr>
-                                        <p:cTn dur="1" fill="hold">
+                                        <p:cTn id="30" dur="1" fill="hold">
                                           <p:stCondLst>
                                             <p:cond delay="0"/>
                                           </p:stCondLst>
@@ -5819,9 +5588,9 @@
                                         <p:strVal val="visible"/>
                                       </p:to>
                                     </p:set>
-                                    <p:animEffect filter="fade" transition="in">
+                                    <p:animEffect transition="in" filter="fade">
                                       <p:cBhvr>
-                                        <p:cTn dur="1000"/>
+                                        <p:cTn id="31" dur="1000"/>
                                         <p:tgtEl>
                                           <p:spTgt spid="49"/>
                                         </p:tgtEl>
@@ -5831,14 +5600,14 @@
                                 </p:cTn>
                               </p:par>
                               <p:par>
-                                <p:cTn fill="hold" nodeType="withEffect" presetClass="entr" presetID="10" presetSubtype="0">
+                                <p:cTn id="32" presetID="10" presetClass="entr" presetSubtype="0" fill="hold" nodeType="withEffect">
                                   <p:stCondLst>
                                     <p:cond delay="0"/>
                                   </p:stCondLst>
                                   <p:childTnLst>
                                     <p:set>
                                       <p:cBhvr>
-                                        <p:cTn dur="1" fill="hold">
+                                        <p:cTn id="33" dur="1" fill="hold">
                                           <p:stCondLst>
                                             <p:cond delay="0"/>
                                           </p:stCondLst>
@@ -5854,9 +5623,9 @@
                                         <p:strVal val="visible"/>
                                       </p:to>
                                     </p:set>
-                                    <p:animEffect filter="fade" transition="in">
+                                    <p:animEffect transition="in" filter="fade">
                                       <p:cBhvr>
-                                        <p:cTn dur="1000"/>
+                                        <p:cTn id="34" dur="1000"/>
                                         <p:tgtEl>
                                           <p:spTgt spid="48"/>
                                         </p:tgtEl>
@@ -5866,14 +5635,14 @@
                                 </p:cTn>
                               </p:par>
                               <p:par>
-                                <p:cTn fill="hold" nodeType="withEffect" presetClass="entr" presetID="10" presetSubtype="0">
+                                <p:cTn id="35" presetID="10" presetClass="entr" presetSubtype="0" fill="hold" nodeType="withEffect">
                                   <p:stCondLst>
                                     <p:cond delay="0"/>
                                   </p:stCondLst>
                                   <p:childTnLst>
                                     <p:set>
                                       <p:cBhvr>
-                                        <p:cTn dur="1" fill="hold">
+                                        <p:cTn id="36" dur="1" fill="hold">
                                           <p:stCondLst>
                                             <p:cond delay="0"/>
                                           </p:stCondLst>
@@ -5889,9 +5658,9 @@
                                         <p:strVal val="visible"/>
                                       </p:to>
                                     </p:set>
-                                    <p:animEffect filter="fade" transition="in">
+                                    <p:animEffect transition="in" filter="fade">
                                       <p:cBhvr>
-                                        <p:cTn dur="1000"/>
+                                        <p:cTn id="37" dur="1000"/>
                                         <p:tgtEl>
                                           <p:spTgt spid="47"/>
                                         </p:tgtEl>
@@ -5901,14 +5670,14 @@
                                 </p:cTn>
                               </p:par>
                               <p:par>
-                                <p:cTn fill="hold" nodeType="withEffect" presetClass="entr" presetID="10" presetSubtype="0">
+                                <p:cTn id="38" presetID="10" presetClass="entr" presetSubtype="0" fill="hold" nodeType="withEffect">
                                   <p:stCondLst>
                                     <p:cond delay="0"/>
                                   </p:stCondLst>
                                   <p:childTnLst>
                                     <p:set>
                                       <p:cBhvr>
-                                        <p:cTn dur="1" fill="hold">
+                                        <p:cTn id="39" dur="1" fill="hold">
                                           <p:stCondLst>
                                             <p:cond delay="0"/>
                                           </p:stCondLst>
@@ -5924,9 +5693,9 @@
                                         <p:strVal val="visible"/>
                                       </p:to>
                                     </p:set>
-                                    <p:animEffect filter="fade" transition="in">
+                                    <p:animEffect transition="in" filter="fade">
                                       <p:cBhvr>
-                                        <p:cTn dur="1000"/>
+                                        <p:cTn id="40" dur="1000"/>
                                         <p:tgtEl>
                                           <p:spTgt spid="57"/>
                                         </p:tgtEl>
@@ -5936,14 +5705,14 @@
                                 </p:cTn>
                               </p:par>
                               <p:par>
-                                <p:cTn fill="hold" nodeType="withEffect" presetClass="entr" presetID="10" presetSubtype="0">
+                                <p:cTn id="41" presetID="10" presetClass="entr" presetSubtype="0" fill="hold" nodeType="withEffect">
                                   <p:stCondLst>
                                     <p:cond delay="0"/>
                                   </p:stCondLst>
                                   <p:childTnLst>
                                     <p:set>
                                       <p:cBhvr>
-                                        <p:cTn dur="1" fill="hold">
+                                        <p:cTn id="42" dur="1" fill="hold">
                                           <p:stCondLst>
                                             <p:cond delay="0"/>
                                           </p:stCondLst>
@@ -5959,9 +5728,9 @@
                                         <p:strVal val="visible"/>
                                       </p:to>
                                     </p:set>
-                                    <p:animEffect filter="fade" transition="in">
+                                    <p:animEffect transition="in" filter="fade">
                                       <p:cBhvr>
-                                        <p:cTn dur="1000"/>
+                                        <p:cTn id="43" dur="1000"/>
                                         <p:tgtEl>
                                           <p:spTgt spid="46"/>
                                         </p:tgtEl>
@@ -5971,14 +5740,14 @@
                                 </p:cTn>
                               </p:par>
                               <p:par>
-                                <p:cTn fill="hold" nodeType="withEffect" presetClass="entr" presetID="10" presetSubtype="0">
+                                <p:cTn id="44" presetID="10" presetClass="entr" presetSubtype="0" fill="hold" nodeType="withEffect">
                                   <p:stCondLst>
                                     <p:cond delay="0"/>
                                   </p:stCondLst>
                                   <p:childTnLst>
                                     <p:set>
                                       <p:cBhvr>
-                                        <p:cTn dur="1" fill="hold">
+                                        <p:cTn id="45" dur="1" fill="hold">
                                           <p:stCondLst>
                                             <p:cond delay="0"/>
                                           </p:stCondLst>
@@ -5994,9 +5763,9 @@
                                         <p:strVal val="visible"/>
                                       </p:to>
                                     </p:set>
-                                    <p:animEffect filter="fade" transition="in">
+                                    <p:animEffect transition="in" filter="fade">
                                       <p:cBhvr>
-                                        <p:cTn dur="1000"/>
+                                        <p:cTn id="46" dur="1000"/>
                                         <p:tgtEl>
                                           <p:spTgt spid="45"/>
                                         </p:tgtEl>
@@ -6006,14 +5775,14 @@
                                 </p:cTn>
                               </p:par>
                               <p:par>
-                                <p:cTn fill="hold" nodeType="withEffect" presetClass="entr" presetID="10" presetSubtype="0">
+                                <p:cTn id="47" presetID="10" presetClass="entr" presetSubtype="0" fill="hold" nodeType="withEffect">
                                   <p:stCondLst>
                                     <p:cond delay="0"/>
                                   </p:stCondLst>
                                   <p:childTnLst>
                                     <p:set>
                                       <p:cBhvr>
-                                        <p:cTn dur="1" fill="hold">
+                                        <p:cTn id="48" dur="1" fill="hold">
                                           <p:stCondLst>
                                             <p:cond delay="0"/>
                                           </p:stCondLst>
@@ -6029,9 +5798,9 @@
                                         <p:strVal val="visible"/>
                                       </p:to>
                                     </p:set>
-                                    <p:animEffect filter="fade" transition="in">
+                                    <p:animEffect transition="in" filter="fade">
                                       <p:cBhvr>
-                                        <p:cTn dur="1000"/>
+                                        <p:cTn id="49" dur="1000"/>
                                         <p:tgtEl>
                                           <p:spTgt spid="44"/>
                                         </p:tgtEl>
@@ -6041,14 +5810,14 @@
                                 </p:cTn>
                               </p:par>
                               <p:par>
-                                <p:cTn fill="hold" nodeType="withEffect" presetClass="entr" presetID="10" presetSubtype="0">
+                                <p:cTn id="50" presetID="10" presetClass="entr" presetSubtype="0" fill="hold" nodeType="withEffect">
                                   <p:stCondLst>
                                     <p:cond delay="0"/>
                                   </p:stCondLst>
                                   <p:childTnLst>
                                     <p:set>
                                       <p:cBhvr>
-                                        <p:cTn dur="1" fill="hold">
+                                        <p:cTn id="51" dur="1" fill="hold">
                                           <p:stCondLst>
                                             <p:cond delay="0"/>
                                           </p:stCondLst>
@@ -6064,9 +5833,9 @@
                                         <p:strVal val="visible"/>
                                       </p:to>
                                     </p:set>
-                                    <p:animEffect filter="fade" transition="in">
+                                    <p:animEffect transition="in" filter="fade">
                                       <p:cBhvr>
-                                        <p:cTn dur="1000"/>
+                                        <p:cTn id="52" dur="1000"/>
                                         <p:tgtEl>
                                           <p:spTgt spid="43"/>
                                         </p:tgtEl>
@@ -6076,14 +5845,14 @@
                                 </p:cTn>
                               </p:par>
                               <p:par>
-                                <p:cTn fill="hold" nodeType="withEffect" presetClass="entr" presetID="10" presetSubtype="0">
+                                <p:cTn id="53" presetID="10" presetClass="entr" presetSubtype="0" fill="hold" nodeType="withEffect">
                                   <p:stCondLst>
                                     <p:cond delay="0"/>
                                   </p:stCondLst>
                                   <p:childTnLst>
                                     <p:set>
                                       <p:cBhvr>
-                                        <p:cTn dur="1" fill="hold">
+                                        <p:cTn id="54" dur="1" fill="hold">
                                           <p:stCondLst>
                                             <p:cond delay="0"/>
                                           </p:stCondLst>
@@ -6099,9 +5868,9 @@
                                         <p:strVal val="visible"/>
                                       </p:to>
                                     </p:set>
-                                    <p:animEffect filter="fade" transition="in">
+                                    <p:animEffect transition="in" filter="fade">
                                       <p:cBhvr>
-                                        <p:cTn dur="1000"/>
+                                        <p:cTn id="55" dur="1000"/>
                                         <p:tgtEl>
                                           <p:spTgt spid="59"/>
                                         </p:tgtEl>
@@ -6111,14 +5880,14 @@
                                 </p:cTn>
                               </p:par>
                               <p:par>
-                                <p:cTn fill="hold" nodeType="withEffect" presetClass="entr" presetID="10" presetSubtype="0">
+                                <p:cTn id="56" presetID="10" presetClass="entr" presetSubtype="0" fill="hold" nodeType="withEffect">
                                   <p:stCondLst>
                                     <p:cond delay="0"/>
                                   </p:stCondLst>
                                   <p:childTnLst>
                                     <p:set>
                                       <p:cBhvr>
-                                        <p:cTn dur="1" fill="hold">
+                                        <p:cTn id="57" dur="1" fill="hold">
                                           <p:stCondLst>
                                             <p:cond delay="0"/>
                                           </p:stCondLst>
@@ -6134,9 +5903,9 @@
                                         <p:strVal val="visible"/>
                                       </p:to>
                                     </p:set>
-                                    <p:animEffect filter="fade" transition="in">
+                                    <p:animEffect transition="in" filter="fade">
                                       <p:cBhvr>
-                                        <p:cTn dur="1000"/>
+                                        <p:cTn id="58" dur="1000"/>
                                         <p:tgtEl>
                                           <p:spTgt spid="56"/>
                                         </p:tgtEl>
@@ -6146,14 +5915,14 @@
                                 </p:cTn>
                               </p:par>
                               <p:par>
-                                <p:cTn fill="hold" nodeType="withEffect" presetClass="entr" presetID="10" presetSubtype="0">
+                                <p:cTn id="59" presetID="10" presetClass="entr" presetSubtype="0" fill="hold" nodeType="withEffect">
                                   <p:stCondLst>
                                     <p:cond delay="0"/>
                                   </p:stCondLst>
                                   <p:childTnLst>
                                     <p:set>
                                       <p:cBhvr>
-                                        <p:cTn dur="1" fill="hold">
+                                        <p:cTn id="60" dur="1" fill="hold">
                                           <p:stCondLst>
                                             <p:cond delay="0"/>
                                           </p:stCondLst>
@@ -6169,9 +5938,9 @@
                                         <p:strVal val="visible"/>
                                       </p:to>
                                     </p:set>
-                                    <p:animEffect filter="fade" transition="in">
+                                    <p:animEffect transition="in" filter="fade">
                                       <p:cBhvr>
-                                        <p:cTn dur="1000"/>
+                                        <p:cTn id="61" dur="1000"/>
                                         <p:tgtEl>
                                           <p:spTgt spid="58"/>
                                         </p:tgtEl>
@@ -6189,14 +5958,14 @@
                 </p:childTnLst>
               </p:cTn>
               <p:prevCondLst>
-                <p:cond evt="onPrev">
+                <p:cond evt="onPrev" delay="0">
                   <p:tgtEl>
                     <p:sldTgt/>
                   </p:tgtEl>
                 </p:cond>
               </p:prevCondLst>
               <p:nextCondLst>
-                <p:cond evt="onNext">
+                <p:cond evt="onNext" delay="0">
                   <p:tgtEl>
                     <p:sldTgt/>
                   </p:tgtEl>
@@ -6212,11 +5981,11 @@
 </file>
 
 <file path=ppt/slides/slide3.xml><?xml version="1.0" encoding="utf-8"?>
-<p:sld xmlns:a="http://schemas.openxmlformats.org/drawingml/2006/main" xmlns:r="http://schemas.openxmlformats.org/officeDocument/2006/relationships" xmlns:mc="http://schemas.openxmlformats.org/markup-compatibility/2006" xmlns:mv="urn:schemas-microsoft-com:mac:vml" xmlns:p="http://schemas.openxmlformats.org/presentationml/2006/main" xmlns:c="http://schemas.openxmlformats.org/drawingml/2006/chart" xmlns:dgm="http://schemas.openxmlformats.org/drawingml/2006/diagram" xmlns:o="urn:schemas-microsoft-com:office:office" xmlns:v="urn:schemas-microsoft-com:vml" xmlns:pvml="urn:schemas-microsoft-com:office:powerpoint" xmlns:com="http://schemas.openxmlformats.org/drawingml/2006/compatibility" xmlns:p14="http://schemas.microsoft.com/office/powerpoint/2010/main" xmlns:p15="http://schemas.microsoft.com/office/powerpoint/2012/main" xmlns:ahyp="http://schemas.microsoft.com/office/drawing/2018/hyperlinkcolor">
+<p:sld xmlns:a="http://schemas.openxmlformats.org/drawingml/2006/main" xmlns:r="http://schemas.openxmlformats.org/officeDocument/2006/relationships" xmlns:p="http://schemas.openxmlformats.org/presentationml/2006/main">
   <p:cSld>
     <p:spTree>
       <p:nvGrpSpPr>
-        <p:cNvPr id="70" name="Shape 70"/>
+        <p:cNvPr id="1" name="Shape 70"/>
         <p:cNvGrpSpPr/>
         <p:nvPr/>
       </p:nvGrpSpPr>
@@ -6231,7 +6000,9 @@
       <p:sp>
         <p:nvSpPr>
           <p:cNvPr id="71" name="Google Shape;71;p3"/>
-          <p:cNvSpPr txBox="1"/>
+          <p:cNvSpPr txBox="1">
+            <a:spLocks noGrp="1"/>
+          </p:cNvSpPr>
           <p:nvPr>
             <p:ph type="title"/>
           </p:nvPr>
@@ -6264,12 +6035,12 @@
           </a:ln>
         </p:spPr>
         <p:txBody>
-          <a:bodyPr anchorCtr="0" anchor="ctr" bIns="45700" lIns="91425" spcFirstLastPara="1" rIns="91425" wrap="square" tIns="45700">
+          <a:bodyPr spcFirstLastPara="1" wrap="square" lIns="91425" tIns="45700" rIns="91425" bIns="45700" anchor="ctr" anchorCtr="0">
             <a:noAutofit/>
           </a:bodyPr>
           <a:lstStyle/>
           <a:p>
-            <a:pPr indent="0" lvl="0" marL="0" rtl="0" algn="r">
+            <a:pPr marL="0" lvl="0" indent="0" algn="r" rtl="0">
               <a:spcBef>
                 <a:spcPts val="0"/>
               </a:spcBef>
@@ -6279,375 +6050,74 @@
               <a:buNone/>
             </a:pPr>
             <a:r>
-              <a:rPr lang="fr-CH">
+              <a:rPr lang="fr-CH" dirty="0">
                 <a:latin typeface="Century Gothic"/>
                 <a:ea typeface="Century Gothic"/>
                 <a:cs typeface="Century Gothic"/>
                 <a:sym typeface="Century Gothic"/>
               </a:rPr>
-              <a:t>Introduction …</a:t>
+              <a:t>Introduction</a:t>
             </a:r>
-            <a:endParaRPr/>
+            <a:endParaRPr dirty="0"/>
           </a:p>
         </p:txBody>
       </p:sp>
-      <p:sp>
-        <p:nvSpPr>
-          <p:cNvPr id="72" name="Google Shape;72;p3"/>
-          <p:cNvSpPr txBox="1"/>
-          <p:nvPr>
-            <p:ph idx="1" type="body"/>
-          </p:nvPr>
-        </p:nvSpPr>
+      <p:pic>
+        <p:nvPicPr>
+          <p:cNvPr id="4" name="Picture 3">
+            <a:extLst>
+              <a:ext uri="{FF2B5EF4-FFF2-40B4-BE49-F238E27FC236}">
+                <a16:creationId xmlns:a16="http://schemas.microsoft.com/office/drawing/2014/main" id="{15B9DC9F-E359-468F-A419-D7874E652876}"/>
+              </a:ext>
+            </a:extLst>
+          </p:cNvPr>
+          <p:cNvPicPr>
+            <a:picLocks noChangeAspect="1"/>
+          </p:cNvPicPr>
+          <p:nvPr/>
+        </p:nvPicPr>
+        <p:blipFill>
+          <a:blip r:embed="rId3"/>
+          <a:stretch>
+            <a:fillRect/>
+          </a:stretch>
+        </p:blipFill>
         <p:spPr>
           <a:xfrm>
-            <a:off x="457200" y="1600200"/>
-            <a:ext cx="8229600" cy="4525963"/>
+            <a:off x="499674" y="1878316"/>
+            <a:ext cx="8373392" cy="3785884"/>
           </a:xfrm>
           <a:prstGeom prst="rect">
             <a:avLst/>
           </a:prstGeom>
-          <a:solidFill>
-            <a:schemeClr val="lt1"/>
-          </a:solidFill>
-          <a:ln>
-            <a:noFill/>
-          </a:ln>
-        </p:spPr>
-        <p:txBody>
-          <a:bodyPr anchorCtr="0" anchor="t" bIns="45700" lIns="91425" spcFirstLastPara="1" rIns="91425" wrap="square" tIns="45700">
-            <a:noAutofit/>
-          </a:bodyPr>
-          <a:lstStyle/>
-          <a:p>
-            <a:pPr indent="-342900" lvl="0" marL="342900" rtl="0" algn="l">
-              <a:spcBef>
-                <a:spcPts val="0"/>
-              </a:spcBef>
-              <a:spcAft>
-                <a:spcPts val="0"/>
-              </a:spcAft>
-              <a:buClr>
-                <a:schemeClr val="dk1"/>
-              </a:buClr>
-              <a:buSzPts val="2800"/>
-              <a:buFont typeface="Noto Sans Symbols"/>
-              <a:buChar char="•"/>
-            </a:pPr>
-            <a:r>
-              <a:rPr lang="fr-CH">
-                <a:latin typeface="Century Gothic"/>
-                <a:ea typeface="Century Gothic"/>
-                <a:cs typeface="Century Gothic"/>
-                <a:sym typeface="Century Gothic"/>
-              </a:rPr>
-              <a:t> Le …</a:t>
-            </a:r>
-            <a:endParaRPr/>
-          </a:p>
-          <a:p>
-            <a:pPr indent="-342900" lvl="0" marL="342900" rtl="0" algn="l">
-              <a:spcBef>
-                <a:spcPts val="1960"/>
-              </a:spcBef>
-              <a:spcAft>
-                <a:spcPts val="0"/>
-              </a:spcAft>
-              <a:buClr>
-                <a:schemeClr val="dk1"/>
-              </a:buClr>
-              <a:buSzPts val="2800"/>
-              <a:buFont typeface="Noto Sans Symbols"/>
-              <a:buChar char="•"/>
-            </a:pPr>
-            <a:r>
-              <a:rPr b="1" lang="fr-CH">
-                <a:latin typeface="Century Gothic"/>
-                <a:ea typeface="Century Gothic"/>
-                <a:cs typeface="Century Gothic"/>
-                <a:sym typeface="Century Gothic"/>
-              </a:rPr>
-              <a:t> Le …</a:t>
-            </a:r>
-            <a:endParaRPr>
-              <a:latin typeface="Century Gothic"/>
-              <a:ea typeface="Century Gothic"/>
-              <a:cs typeface="Century Gothic"/>
-              <a:sym typeface="Century Gothic"/>
-            </a:endParaRPr>
-          </a:p>
-          <a:p>
-            <a:pPr indent="-342900" lvl="0" marL="342900" rtl="0" algn="l">
-              <a:spcBef>
-                <a:spcPts val="1960"/>
-              </a:spcBef>
-              <a:spcAft>
-                <a:spcPts val="0"/>
-              </a:spcAft>
-              <a:buClr>
-                <a:schemeClr val="dk1"/>
-              </a:buClr>
-              <a:buSzPts val="2800"/>
-              <a:buFont typeface="Noto Sans Symbols"/>
-              <a:buChar char="•"/>
-            </a:pPr>
-            <a:r>
-              <a:rPr lang="fr-CH">
-                <a:latin typeface="Century Gothic"/>
-                <a:ea typeface="Century Gothic"/>
-                <a:cs typeface="Century Gothic"/>
-                <a:sym typeface="Century Gothic"/>
-              </a:rPr>
-              <a:t> Le …</a:t>
-            </a:r>
-            <a:endParaRPr b="1">
-              <a:latin typeface="Century Gothic"/>
-              <a:ea typeface="Century Gothic"/>
-              <a:cs typeface="Century Gothic"/>
-              <a:sym typeface="Century Gothic"/>
-            </a:endParaRPr>
-          </a:p>
-        </p:txBody>
-      </p:sp>
+        </p:spPr>
+      </p:pic>
     </p:spTree>
   </p:cSld>
   <p:clrMapOvr>
     <a:masterClrMapping/>
   </p:clrMapOvr>
-  <mc:AlternateContent>
+  <mc:AlternateContent xmlns:mc="http://schemas.openxmlformats.org/markup-compatibility/2006" xmlns:p14="http://schemas.microsoft.com/office/powerpoint/2010/main">
     <mc:Choice Requires="p14">
       <p:transition spd="slow" p14:dur="1200">
-        <p14:prism dir="l"/>
+        <p14:prism/>
       </p:transition>
     </mc:Choice>
-    <mc:Fallback>
+    <mc:Fallback xmlns="" xmlns:mv="urn:schemas-microsoft-com:mac:vml" xmlns:c="http://schemas.openxmlformats.org/drawingml/2006/chart" xmlns:dgm="http://schemas.openxmlformats.org/drawingml/2006/diagram" xmlns:o="urn:schemas-microsoft-com:office:office" xmlns:v="urn:schemas-microsoft-com:vml" xmlns:pvml="urn:schemas-microsoft-com:office:powerpoint" xmlns:com="http://schemas.openxmlformats.org/drawingml/2006/compatibility" xmlns:p15="http://schemas.microsoft.com/office/powerpoint/2012/main" xmlns:ahyp="http://schemas.microsoft.com/office/drawing/2018/hyperlinkcolor">
       <p:transition spd="slow">
         <p:fade/>
       </p:transition>
     </mc:Fallback>
   </mc:AlternateContent>
-  <p:timing>
-    <p:tnLst>
-      <p:par>
-        <p:cTn dur="indefinite" nodeType="tmRoot" restart="never">
-          <p:childTnLst>
-            <p:seq concurrent="1" nextAc="seek">
-              <p:cTn dur="indefinite" id="2" nodeType="mainSeq">
-                <p:childTnLst>
-                  <p:par>
-                    <p:cTn fill="hold">
-                      <p:stCondLst>
-                        <p:cond delay="indefinite"/>
-                      </p:stCondLst>
-                      <p:childTnLst>
-                        <p:par>
-                          <p:cTn fill="hold">
-                            <p:stCondLst>
-                              <p:cond delay="0"/>
-                            </p:stCondLst>
-                            <p:childTnLst>
-                              <p:par>
-                                <p:cTn fill="hold" nodeType="clickEffect" presetClass="entr" presetID="10" presetSubtype="0">
-                                  <p:stCondLst>
-                                    <p:cond delay="0"/>
-                                  </p:stCondLst>
-                                  <p:childTnLst>
-                                    <p:set>
-                                      <p:cBhvr>
-                                        <p:cTn dur="1" fill="hold">
-                                          <p:stCondLst>
-                                            <p:cond delay="0"/>
-                                          </p:stCondLst>
-                                        </p:cTn>
-                                        <p:tgtEl>
-                                          <p:spTgt spid="72">
-                                            <p:txEl>
-                                              <p:pRg end="0" st="0"/>
-                                            </p:txEl>
-                                          </p:spTgt>
-                                        </p:tgtEl>
-                                        <p:attrNameLst>
-                                          <p:attrName>style.visibility</p:attrName>
-                                        </p:attrNameLst>
-                                      </p:cBhvr>
-                                      <p:to>
-                                        <p:strVal val="visible"/>
-                                      </p:to>
-                                    </p:set>
-                                    <p:animEffect filter="fade" transition="in">
-                                      <p:cBhvr>
-                                        <p:cTn dur="1000"/>
-                                        <p:tgtEl>
-                                          <p:spTgt spid="72">
-                                            <p:txEl>
-                                              <p:pRg end="0" st="0"/>
-                                            </p:txEl>
-                                          </p:spTgt>
-                                        </p:tgtEl>
-                                      </p:cBhvr>
-                                    </p:animEffect>
-                                  </p:childTnLst>
-                                </p:cTn>
-                              </p:par>
-                            </p:childTnLst>
-                          </p:cTn>
-                        </p:par>
-                      </p:childTnLst>
-                    </p:cTn>
-                  </p:par>
-                  <p:par>
-                    <p:cTn fill="hold">
-                      <p:stCondLst>
-                        <p:cond delay="indefinite"/>
-                      </p:stCondLst>
-                      <p:childTnLst>
-                        <p:par>
-                          <p:cTn fill="hold">
-                            <p:stCondLst>
-                              <p:cond delay="0"/>
-                            </p:stCondLst>
-                            <p:childTnLst>
-                              <p:par>
-                                <p:cTn fill="hold" nodeType="clickEffect" presetClass="entr" presetID="10" presetSubtype="0">
-                                  <p:stCondLst>
-                                    <p:cond delay="0"/>
-                                  </p:stCondLst>
-                                  <p:childTnLst>
-                                    <p:set>
-                                      <p:cBhvr>
-                                        <p:cTn dur="1" fill="hold">
-                                          <p:stCondLst>
-                                            <p:cond delay="0"/>
-                                          </p:stCondLst>
-                                        </p:cTn>
-                                        <p:tgtEl>
-                                          <p:spTgt spid="72">
-                                            <p:txEl>
-                                              <p:pRg end="1" st="1"/>
-                                            </p:txEl>
-                                          </p:spTgt>
-                                        </p:tgtEl>
-                                        <p:attrNameLst>
-                                          <p:attrName>style.visibility</p:attrName>
-                                        </p:attrNameLst>
-                                      </p:cBhvr>
-                                      <p:to>
-                                        <p:strVal val="visible"/>
-                                      </p:to>
-                                    </p:set>
-                                    <p:animEffect filter="fade" transition="in">
-                                      <p:cBhvr>
-                                        <p:cTn dur="1000"/>
-                                        <p:tgtEl>
-                                          <p:spTgt spid="72">
-                                            <p:txEl>
-                                              <p:pRg end="1" st="1"/>
-                                            </p:txEl>
-                                          </p:spTgt>
-                                        </p:tgtEl>
-                                      </p:cBhvr>
-                                    </p:animEffect>
-                                  </p:childTnLst>
-                                </p:cTn>
-                              </p:par>
-                            </p:childTnLst>
-                          </p:cTn>
-                        </p:par>
-                      </p:childTnLst>
-                    </p:cTn>
-                  </p:par>
-                  <p:par>
-                    <p:cTn fill="hold">
-                      <p:stCondLst>
-                        <p:cond delay="indefinite"/>
-                      </p:stCondLst>
-                      <p:childTnLst>
-                        <p:par>
-                          <p:cTn fill="hold">
-                            <p:stCondLst>
-                              <p:cond delay="0"/>
-                            </p:stCondLst>
-                            <p:childTnLst>
-                              <p:par>
-                                <p:cTn fill="hold" nodeType="clickEffect" presetClass="entr" presetID="10" presetSubtype="0">
-                                  <p:stCondLst>
-                                    <p:cond delay="0"/>
-                                  </p:stCondLst>
-                                  <p:childTnLst>
-                                    <p:set>
-                                      <p:cBhvr>
-                                        <p:cTn dur="1" fill="hold">
-                                          <p:stCondLst>
-                                            <p:cond delay="0"/>
-                                          </p:stCondLst>
-                                        </p:cTn>
-                                        <p:tgtEl>
-                                          <p:spTgt spid="72">
-                                            <p:txEl>
-                                              <p:pRg end="2" st="2"/>
-                                            </p:txEl>
-                                          </p:spTgt>
-                                        </p:tgtEl>
-                                        <p:attrNameLst>
-                                          <p:attrName>style.visibility</p:attrName>
-                                        </p:attrNameLst>
-                                      </p:cBhvr>
-                                      <p:to>
-                                        <p:strVal val="visible"/>
-                                      </p:to>
-                                    </p:set>
-                                    <p:animEffect filter="fade" transition="in">
-                                      <p:cBhvr>
-                                        <p:cTn dur="1000"/>
-                                        <p:tgtEl>
-                                          <p:spTgt spid="72">
-                                            <p:txEl>
-                                              <p:pRg end="2" st="2"/>
-                                            </p:txEl>
-                                          </p:spTgt>
-                                        </p:tgtEl>
-                                      </p:cBhvr>
-                                    </p:animEffect>
-                                  </p:childTnLst>
-                                </p:cTn>
-                              </p:par>
-                            </p:childTnLst>
-                          </p:cTn>
-                        </p:par>
-                      </p:childTnLst>
-                    </p:cTn>
-                  </p:par>
-                </p:childTnLst>
-              </p:cTn>
-              <p:prevCondLst>
-                <p:cond evt="onPrev">
-                  <p:tgtEl>
-                    <p:sldTgt/>
-                  </p:tgtEl>
-                </p:cond>
-              </p:prevCondLst>
-              <p:nextCondLst>
-                <p:cond evt="onNext">
-                  <p:tgtEl>
-                    <p:sldTgt/>
-                  </p:tgtEl>
-                </p:cond>
-              </p:nextCondLst>
-            </p:seq>
-          </p:childTnLst>
-        </p:cTn>
-      </p:par>
-    </p:tnLst>
-  </p:timing>
 </p:sld>
 </file>
 
 <file path=ppt/slides/slide4.xml><?xml version="1.0" encoding="utf-8"?>
-<p:sld xmlns:a="http://schemas.openxmlformats.org/drawingml/2006/main" xmlns:r="http://schemas.openxmlformats.org/officeDocument/2006/relationships" xmlns:mc="http://schemas.openxmlformats.org/markup-compatibility/2006" xmlns:mv="urn:schemas-microsoft-com:mac:vml" xmlns:p="http://schemas.openxmlformats.org/presentationml/2006/main" xmlns:c="http://schemas.openxmlformats.org/drawingml/2006/chart" xmlns:dgm="http://schemas.openxmlformats.org/drawingml/2006/diagram" xmlns:o="urn:schemas-microsoft-com:office:office" xmlns:v="urn:schemas-microsoft-com:vml" xmlns:pvml="urn:schemas-microsoft-com:office:powerpoint" xmlns:com="http://schemas.openxmlformats.org/drawingml/2006/compatibility" xmlns:p14="http://schemas.microsoft.com/office/powerpoint/2010/main" xmlns:p15="http://schemas.microsoft.com/office/powerpoint/2012/main" xmlns:ahyp="http://schemas.microsoft.com/office/drawing/2018/hyperlinkcolor">
+<p:sld xmlns:a="http://schemas.openxmlformats.org/drawingml/2006/main" xmlns:r="http://schemas.openxmlformats.org/officeDocument/2006/relationships" xmlns:p="http://schemas.openxmlformats.org/presentationml/2006/main">
   <p:cSld>
     <p:spTree>
       <p:nvGrpSpPr>
-        <p:cNvPr id="76" name="Shape 76"/>
+        <p:cNvPr id="1" name="Shape 70"/>
         <p:cNvGrpSpPr/>
         <p:nvPr/>
       </p:nvGrpSpPr>
@@ -6661,8 +6131,10 @@
       </p:grpSpPr>
       <p:sp>
         <p:nvSpPr>
-          <p:cNvPr id="77" name="Google Shape;77;p4"/>
-          <p:cNvSpPr txBox="1"/>
+          <p:cNvPr id="71" name="Google Shape;71;p3"/>
+          <p:cNvSpPr txBox="1">
+            <a:spLocks noGrp="1"/>
+          </p:cNvSpPr>
           <p:nvPr>
             <p:ph type="title"/>
           </p:nvPr>
@@ -6695,12 +6167,12 @@
           </a:ln>
         </p:spPr>
         <p:txBody>
-          <a:bodyPr anchorCtr="0" anchor="ctr" bIns="45700" lIns="91425" spcFirstLastPara="1" rIns="91425" wrap="square" tIns="45700">
+          <a:bodyPr spcFirstLastPara="1" wrap="square" lIns="91425" tIns="45700" rIns="91425" bIns="45700" anchor="ctr" anchorCtr="0">
             <a:noAutofit/>
           </a:bodyPr>
           <a:lstStyle/>
           <a:p>
-            <a:pPr indent="0" lvl="0" marL="0" rtl="0" algn="r">
+            <a:pPr marL="0" lvl="0" indent="0" algn="r" rtl="0">
               <a:spcBef>
                 <a:spcPts val="0"/>
               </a:spcBef>
@@ -6710,363 +6182,308 @@
               <a:buNone/>
             </a:pPr>
             <a:r>
-              <a:rPr lang="fr-CH">
+              <a:rPr lang="fr-CH" dirty="0">
                 <a:latin typeface="Century Gothic"/>
                 <a:ea typeface="Century Gothic"/>
                 <a:cs typeface="Century Gothic"/>
                 <a:sym typeface="Century Gothic"/>
               </a:rPr>
-              <a:t>Chapitre 1 NNNNNNNNN …</a:t>
+              <a:t>Introduction</a:t>
             </a:r>
-            <a:endParaRPr/>
+            <a:endParaRPr dirty="0"/>
           </a:p>
         </p:txBody>
       </p:sp>
       <p:sp>
         <p:nvSpPr>
-          <p:cNvPr id="78" name="Google Shape;78;p4"/>
+          <p:cNvPr id="2" name="TextBox 1">
+            <a:extLst>
+              <a:ext uri="{FF2B5EF4-FFF2-40B4-BE49-F238E27FC236}">
+                <a16:creationId xmlns:a16="http://schemas.microsoft.com/office/drawing/2014/main" id="{122509DF-1052-434F-89F4-8F866BDF1359}"/>
+              </a:ext>
+            </a:extLst>
+          </p:cNvPr>
           <p:cNvSpPr txBox="1"/>
-          <p:nvPr>
-            <p:ph idx="1" type="body"/>
-          </p:nvPr>
+          <p:nvPr/>
         </p:nvSpPr>
         <p:spPr>
           <a:xfrm>
-            <a:off x="457200" y="1600200"/>
-            <a:ext cx="8229600" cy="4525963"/>
+            <a:off x="855133" y="1921933"/>
+            <a:ext cx="7755467" cy="1569660"/>
           </a:xfrm>
           <a:prstGeom prst="rect">
             <a:avLst/>
           </a:prstGeom>
-          <a:solidFill>
-            <a:schemeClr val="lt1"/>
-          </a:solidFill>
-          <a:ln>
-            <a:noFill/>
-          </a:ln>
+          <a:noFill/>
         </p:spPr>
         <p:txBody>
-          <a:bodyPr anchorCtr="0" anchor="t" bIns="45700" lIns="91425" spcFirstLastPara="1" rIns="91425" wrap="square" tIns="45700">
-            <a:noAutofit/>
+          <a:bodyPr wrap="square" rtlCol="0">
+            <a:spAutoFit/>
           </a:bodyPr>
           <a:lstStyle/>
           <a:p>
-            <a:pPr indent="-342900" lvl="0" marL="342900" rtl="0" algn="l">
-              <a:spcBef>
-                <a:spcPts val="0"/>
-              </a:spcBef>
-              <a:spcAft>
-                <a:spcPts val="0"/>
-              </a:spcAft>
-              <a:buClr>
-                <a:schemeClr val="dk1"/>
-              </a:buClr>
-              <a:buSzPts val="2800"/>
-              <a:buFont typeface="Noto Sans Symbols"/>
+            <a:r>
+              <a:rPr lang="en-GB" sz="1600" dirty="0"/>
+              <a:t>Sur ma page </a:t>
+            </a:r>
+            <a:r>
+              <a:rPr lang="en-GB" sz="1600" dirty="0" err="1"/>
+              <a:t>github</a:t>
+            </a:r>
+            <a:r>
+              <a:rPr lang="en-GB" sz="1600" dirty="0"/>
+              <a:t>, </a:t>
+            </a:r>
+            <a:r>
+              <a:rPr lang="en-GB" sz="1600" dirty="0" err="1"/>
+              <a:t>vous</a:t>
+            </a:r>
+            <a:r>
+              <a:rPr lang="en-GB" sz="1600" dirty="0"/>
+              <a:t> </a:t>
+            </a:r>
+            <a:r>
+              <a:rPr lang="en-GB" sz="1600" dirty="0" err="1"/>
+              <a:t>allez</a:t>
+            </a:r>
+            <a:r>
+              <a:rPr lang="en-GB" sz="1600" dirty="0"/>
+              <a:t> </a:t>
+            </a:r>
+            <a:r>
+              <a:rPr lang="en-GB" sz="1600" dirty="0" err="1"/>
+              <a:t>trouver</a:t>
+            </a:r>
+            <a:r>
+              <a:rPr lang="en-GB" sz="1600" dirty="0"/>
+              <a:t> :</a:t>
+            </a:r>
+          </a:p>
+          <a:p>
+            <a:pPr marL="285750" lvl="2" indent="-285750">
+              <a:buFont typeface="Arial" panose="020B0604020202020204" pitchFamily="34" charset="0"/>
               <a:buChar char="•"/>
             </a:pPr>
             <a:r>
-              <a:rPr lang="fr-CH">
-                <a:latin typeface="Century Gothic"/>
-                <a:ea typeface="Century Gothic"/>
-                <a:cs typeface="Century Gothic"/>
-                <a:sym typeface="Century Gothic"/>
-              </a:rPr>
-              <a:t> Le …</a:t>
+              <a:rPr lang="en-GB" sz="1600" dirty="0"/>
+              <a:t>Les </a:t>
             </a:r>
-            <a:endParaRPr/>
+            <a:r>
+              <a:rPr lang="en-GB" sz="1600" dirty="0" err="1"/>
+              <a:t>présentations</a:t>
+            </a:r>
+            <a:r>
+              <a:rPr lang="en-GB" sz="1600" dirty="0"/>
+              <a:t> </a:t>
+            </a:r>
+            <a:r>
+              <a:rPr lang="en-GB" sz="1600" dirty="0" err="1"/>
+              <a:t>powerpoint</a:t>
+            </a:r>
+            <a:endParaRPr lang="en-GB" sz="1600" dirty="0"/>
           </a:p>
           <a:p>
-            <a:pPr indent="-342900" lvl="0" marL="342900" rtl="0" algn="l">
-              <a:spcBef>
-                <a:spcPts val="1960"/>
-              </a:spcBef>
-              <a:spcAft>
-                <a:spcPts val="0"/>
-              </a:spcAft>
-              <a:buClr>
-                <a:schemeClr val="dk1"/>
-              </a:buClr>
-              <a:buSzPts val="2800"/>
-              <a:buFont typeface="Noto Sans Symbols"/>
+            <a:pPr marL="285750" lvl="2" indent="-285750">
+              <a:buFont typeface="Arial" panose="020B0604020202020204" pitchFamily="34" charset="0"/>
               <a:buChar char="•"/>
             </a:pPr>
             <a:r>
-              <a:rPr b="1" lang="fr-CH">
-                <a:latin typeface="Century Gothic"/>
-                <a:ea typeface="Century Gothic"/>
-                <a:cs typeface="Century Gothic"/>
-                <a:sym typeface="Century Gothic"/>
-              </a:rPr>
-              <a:t> Le …</a:t>
+              <a:rPr lang="en-GB" sz="1600" dirty="0"/>
+              <a:t>Les instructions “</a:t>
             </a:r>
-            <a:endParaRPr>
-              <a:latin typeface="Century Gothic"/>
-              <a:ea typeface="Century Gothic"/>
-              <a:cs typeface="Century Gothic"/>
-              <a:sym typeface="Century Gothic"/>
-            </a:endParaRPr>
+            <a:r>
+              <a:rPr lang="en-GB" sz="1600" dirty="0" err="1"/>
+              <a:t>principales</a:t>
+            </a:r>
+            <a:r>
+              <a:rPr lang="en-GB" sz="1600" dirty="0"/>
+              <a:t>” pour </a:t>
+            </a:r>
+            <a:r>
+              <a:rPr lang="en-GB" sz="1600" dirty="0" err="1"/>
+              <a:t>l’installation</a:t>
+            </a:r>
+            <a:r>
+              <a:rPr lang="en-GB" sz="1600" dirty="0"/>
+              <a:t> des </a:t>
+            </a:r>
+            <a:r>
+              <a:rPr lang="en-GB" sz="1600" dirty="0" err="1"/>
+              <a:t>différents</a:t>
+            </a:r>
+            <a:r>
+              <a:rPr lang="en-GB" sz="1600" dirty="0"/>
+              <a:t> </a:t>
+            </a:r>
+            <a:r>
+              <a:rPr lang="en-GB" sz="1600" dirty="0" err="1"/>
+              <a:t>composants</a:t>
+            </a:r>
+            <a:r>
+              <a:rPr lang="en-GB" sz="1600" dirty="0"/>
+              <a:t> de </a:t>
+            </a:r>
+            <a:r>
+              <a:rPr lang="en-GB" sz="1600" dirty="0" err="1"/>
+              <a:t>notre</a:t>
+            </a:r>
+            <a:r>
+              <a:rPr lang="en-GB" sz="1600" dirty="0"/>
+              <a:t> SIT</a:t>
+            </a:r>
           </a:p>
           <a:p>
-            <a:pPr indent="-342900" lvl="0" marL="342900" rtl="0" algn="l">
-              <a:spcBef>
-                <a:spcPts val="1960"/>
-              </a:spcBef>
-              <a:spcAft>
-                <a:spcPts val="0"/>
-              </a:spcAft>
-              <a:buClr>
-                <a:schemeClr val="dk1"/>
-              </a:buClr>
-              <a:buSzPts val="2800"/>
-              <a:buFont typeface="Noto Sans Symbols"/>
+            <a:pPr marL="285750" lvl="2" indent="-285750">
+              <a:buFont typeface="Arial" panose="020B0604020202020204" pitchFamily="34" charset="0"/>
               <a:buChar char="•"/>
             </a:pPr>
             <a:r>
-              <a:rPr lang="fr-CH">
-                <a:latin typeface="Century Gothic"/>
-                <a:ea typeface="Century Gothic"/>
-                <a:cs typeface="Century Gothic"/>
-                <a:sym typeface="Century Gothic"/>
-              </a:rPr>
-              <a:t> Le …</a:t>
+              <a:rPr lang="en-GB" sz="1600" dirty="0"/>
+              <a:t>Des </a:t>
             </a:r>
-            <a:endParaRPr b="1">
-              <a:latin typeface="Century Gothic"/>
-              <a:ea typeface="Century Gothic"/>
-              <a:cs typeface="Century Gothic"/>
-              <a:sym typeface="Century Gothic"/>
-            </a:endParaRPr>
+            <a:r>
+              <a:rPr lang="en-GB" sz="1600" dirty="0" err="1"/>
+              <a:t>vidéos</a:t>
+            </a:r>
+            <a:r>
+              <a:rPr lang="en-GB" sz="1600" dirty="0"/>
+              <a:t> pour </a:t>
+            </a:r>
+            <a:r>
+              <a:rPr lang="en-GB" sz="1600" dirty="0" err="1"/>
+              <a:t>l’installation</a:t>
+            </a:r>
+            <a:endParaRPr lang="en-GB" sz="1600" dirty="0"/>
+          </a:p>
+          <a:p>
+            <a:pPr marL="285750" lvl="2" indent="-285750">
+              <a:buFont typeface="Arial" panose="020B0604020202020204" pitchFamily="34" charset="0"/>
+              <a:buChar char="•"/>
+            </a:pPr>
+            <a:r>
+              <a:rPr lang="en-GB" sz="1600" dirty="0" err="1"/>
+              <a:t>Quelques</a:t>
+            </a:r>
+            <a:r>
+              <a:rPr lang="en-GB" sz="1600" dirty="0"/>
+              <a:t> </a:t>
+            </a:r>
+            <a:r>
+              <a:rPr lang="en-GB" sz="1600" dirty="0" err="1"/>
+              <a:t>informations</a:t>
+            </a:r>
+            <a:r>
+              <a:rPr lang="en-GB" sz="1600" dirty="0"/>
+              <a:t> </a:t>
+            </a:r>
+            <a:r>
+              <a:rPr lang="en-GB" sz="1600" dirty="0" err="1"/>
+              <a:t>thériques</a:t>
+            </a:r>
+            <a:r>
+              <a:rPr lang="en-GB" sz="1600" dirty="0"/>
+              <a:t> </a:t>
+            </a:r>
+            <a:endParaRPr lang="fr-CH" sz="1600" dirty="0"/>
           </a:p>
         </p:txBody>
       </p:sp>
+      <p:sp>
+        <p:nvSpPr>
+          <p:cNvPr id="6" name="TextBox 5">
+            <a:extLst>
+              <a:ext uri="{FF2B5EF4-FFF2-40B4-BE49-F238E27FC236}">
+                <a16:creationId xmlns:a16="http://schemas.microsoft.com/office/drawing/2014/main" id="{196C9D24-4310-48F8-9759-723E6599BC83}"/>
+              </a:ext>
+            </a:extLst>
+          </p:cNvPr>
+          <p:cNvSpPr txBox="1"/>
+          <p:nvPr/>
+        </p:nvSpPr>
+        <p:spPr>
+          <a:xfrm>
+            <a:off x="855133" y="3986311"/>
+            <a:ext cx="4652432" cy="307777"/>
+          </a:xfrm>
+          <a:prstGeom prst="rect">
+            <a:avLst/>
+          </a:prstGeom>
+          <a:noFill/>
+        </p:spPr>
+        <p:txBody>
+          <a:bodyPr wrap="square">
+            <a:spAutoFit/>
+          </a:bodyPr>
+          <a:lstStyle/>
+          <a:p>
+            <a:r>
+              <a:rPr lang="fr-CH" b="1" dirty="0"/>
+              <a:t>https://github.com/regislon/cfgeo_s2</a:t>
+            </a:r>
+          </a:p>
+        </p:txBody>
+      </p:sp>
+      <p:pic>
+        <p:nvPicPr>
+          <p:cNvPr id="7" name="Picture 6">
+            <a:extLst>
+              <a:ext uri="{FF2B5EF4-FFF2-40B4-BE49-F238E27FC236}">
+                <a16:creationId xmlns:a16="http://schemas.microsoft.com/office/drawing/2014/main" id="{D6188B17-16C9-4C6C-960E-A2026037559E}"/>
+              </a:ext>
+            </a:extLst>
+          </p:cNvPr>
+          <p:cNvPicPr>
+            <a:picLocks noChangeAspect="1"/>
+          </p:cNvPicPr>
+          <p:nvPr/>
+        </p:nvPicPr>
+        <p:blipFill>
+          <a:blip r:embed="rId3"/>
+          <a:stretch>
+            <a:fillRect/>
+          </a:stretch>
+        </p:blipFill>
+        <p:spPr>
+          <a:xfrm>
+            <a:off x="4572000" y="3194050"/>
+            <a:ext cx="4572000" cy="2571750"/>
+          </a:xfrm>
+          <a:prstGeom prst="rect">
+            <a:avLst/>
+          </a:prstGeom>
+        </p:spPr>
+      </p:pic>
     </p:spTree>
+    <p:extLst>
+      <p:ext uri="{BB962C8B-B14F-4D97-AF65-F5344CB8AC3E}">
+        <p14:creationId xmlns:p14="http://schemas.microsoft.com/office/powerpoint/2010/main" val="2192438109"/>
+      </p:ext>
+    </p:extLst>
   </p:cSld>
   <p:clrMapOvr>
     <a:masterClrMapping/>
   </p:clrMapOvr>
-  <p:timing>
-    <p:tnLst>
-      <p:par>
-        <p:cTn dur="indefinite" nodeType="tmRoot" restart="never">
-          <p:childTnLst>
-            <p:seq concurrent="1" nextAc="seek">
-              <p:cTn dur="indefinite" id="2" nodeType="mainSeq">
-                <p:childTnLst>
-                  <p:par>
-                    <p:cTn fill="hold">
-                      <p:stCondLst>
-                        <p:cond delay="indefinite"/>
-                      </p:stCondLst>
-                      <p:childTnLst>
-                        <p:par>
-                          <p:cTn fill="hold">
-                            <p:stCondLst>
-                              <p:cond delay="0"/>
-                            </p:stCondLst>
-                            <p:childTnLst>
-                              <p:par>
-                                <p:cTn fill="hold" nodeType="clickEffect" presetClass="entr" presetID="10" presetSubtype="0">
-                                  <p:stCondLst>
-                                    <p:cond delay="0"/>
-                                  </p:stCondLst>
-                                  <p:childTnLst>
-                                    <p:set>
-                                      <p:cBhvr>
-                                        <p:cTn dur="1" fill="hold">
-                                          <p:stCondLst>
-                                            <p:cond delay="0"/>
-                                          </p:stCondLst>
-                                        </p:cTn>
-                                        <p:tgtEl>
-                                          <p:spTgt spid="78">
-                                            <p:txEl>
-                                              <p:pRg end="0" st="0"/>
-                                            </p:txEl>
-                                          </p:spTgt>
-                                        </p:tgtEl>
-                                        <p:attrNameLst>
-                                          <p:attrName>style.visibility</p:attrName>
-                                        </p:attrNameLst>
-                                      </p:cBhvr>
-                                      <p:to>
-                                        <p:strVal val="visible"/>
-                                      </p:to>
-                                    </p:set>
-                                    <p:animEffect filter="fade" transition="in">
-                                      <p:cBhvr>
-                                        <p:cTn dur="1000"/>
-                                        <p:tgtEl>
-                                          <p:spTgt spid="78">
-                                            <p:txEl>
-                                              <p:pRg end="0" st="0"/>
-                                            </p:txEl>
-                                          </p:spTgt>
-                                        </p:tgtEl>
-                                      </p:cBhvr>
-                                    </p:animEffect>
-                                  </p:childTnLst>
-                                </p:cTn>
-                              </p:par>
-                            </p:childTnLst>
-                          </p:cTn>
-                        </p:par>
-                      </p:childTnLst>
-                    </p:cTn>
-                  </p:par>
-                  <p:par>
-                    <p:cTn fill="hold">
-                      <p:stCondLst>
-                        <p:cond delay="indefinite"/>
-                      </p:stCondLst>
-                      <p:childTnLst>
-                        <p:par>
-                          <p:cTn fill="hold">
-                            <p:stCondLst>
-                              <p:cond delay="0"/>
-                            </p:stCondLst>
-                            <p:childTnLst>
-                              <p:par>
-                                <p:cTn fill="hold" nodeType="clickEffect" presetClass="entr" presetID="10" presetSubtype="0">
-                                  <p:stCondLst>
-                                    <p:cond delay="0"/>
-                                  </p:stCondLst>
-                                  <p:childTnLst>
-                                    <p:set>
-                                      <p:cBhvr>
-                                        <p:cTn dur="1" fill="hold">
-                                          <p:stCondLst>
-                                            <p:cond delay="0"/>
-                                          </p:stCondLst>
-                                        </p:cTn>
-                                        <p:tgtEl>
-                                          <p:spTgt spid="78">
-                                            <p:txEl>
-                                              <p:pRg end="1" st="1"/>
-                                            </p:txEl>
-                                          </p:spTgt>
-                                        </p:tgtEl>
-                                        <p:attrNameLst>
-                                          <p:attrName>style.visibility</p:attrName>
-                                        </p:attrNameLst>
-                                      </p:cBhvr>
-                                      <p:to>
-                                        <p:strVal val="visible"/>
-                                      </p:to>
-                                    </p:set>
-                                    <p:animEffect filter="fade" transition="in">
-                                      <p:cBhvr>
-                                        <p:cTn dur="1000"/>
-                                        <p:tgtEl>
-                                          <p:spTgt spid="78">
-                                            <p:txEl>
-                                              <p:pRg end="1" st="1"/>
-                                            </p:txEl>
-                                          </p:spTgt>
-                                        </p:tgtEl>
-                                      </p:cBhvr>
-                                    </p:animEffect>
-                                  </p:childTnLst>
-                                </p:cTn>
-                              </p:par>
-                            </p:childTnLst>
-                          </p:cTn>
-                        </p:par>
-                      </p:childTnLst>
-                    </p:cTn>
-                  </p:par>
-                  <p:par>
-                    <p:cTn fill="hold">
-                      <p:stCondLst>
-                        <p:cond delay="indefinite"/>
-                      </p:stCondLst>
-                      <p:childTnLst>
-                        <p:par>
-                          <p:cTn fill="hold">
-                            <p:stCondLst>
-                              <p:cond delay="0"/>
-                            </p:stCondLst>
-                            <p:childTnLst>
-                              <p:par>
-                                <p:cTn fill="hold" nodeType="clickEffect" presetClass="entr" presetID="10" presetSubtype="0">
-                                  <p:stCondLst>
-                                    <p:cond delay="0"/>
-                                  </p:stCondLst>
-                                  <p:childTnLst>
-                                    <p:set>
-                                      <p:cBhvr>
-                                        <p:cTn dur="1" fill="hold">
-                                          <p:stCondLst>
-                                            <p:cond delay="0"/>
-                                          </p:stCondLst>
-                                        </p:cTn>
-                                        <p:tgtEl>
-                                          <p:spTgt spid="78">
-                                            <p:txEl>
-                                              <p:pRg end="2" st="2"/>
-                                            </p:txEl>
-                                          </p:spTgt>
-                                        </p:tgtEl>
-                                        <p:attrNameLst>
-                                          <p:attrName>style.visibility</p:attrName>
-                                        </p:attrNameLst>
-                                      </p:cBhvr>
-                                      <p:to>
-                                        <p:strVal val="visible"/>
-                                      </p:to>
-                                    </p:set>
-                                    <p:animEffect filter="fade" transition="in">
-                                      <p:cBhvr>
-                                        <p:cTn dur="1000"/>
-                                        <p:tgtEl>
-                                          <p:spTgt spid="78">
-                                            <p:txEl>
-                                              <p:pRg end="2" st="2"/>
-                                            </p:txEl>
-                                          </p:spTgt>
-                                        </p:tgtEl>
-                                      </p:cBhvr>
-                                    </p:animEffect>
-                                  </p:childTnLst>
-                                </p:cTn>
-                              </p:par>
-                            </p:childTnLst>
-                          </p:cTn>
-                        </p:par>
-                      </p:childTnLst>
-                    </p:cTn>
-                  </p:par>
-                </p:childTnLst>
-              </p:cTn>
-              <p:prevCondLst>
-                <p:cond evt="onPrev">
-                  <p:tgtEl>
-                    <p:sldTgt/>
-                  </p:tgtEl>
-                </p:cond>
-              </p:prevCondLst>
-              <p:nextCondLst>
-                <p:cond evt="onNext">
-                  <p:tgtEl>
-                    <p:sldTgt/>
-                  </p:tgtEl>
-                </p:cond>
-              </p:nextCondLst>
-            </p:seq>
-          </p:childTnLst>
-        </p:cTn>
-      </p:par>
-    </p:tnLst>
-  </p:timing>
+  <mc:AlternateContent xmlns:mc="http://schemas.openxmlformats.org/markup-compatibility/2006">
+    <mc:Choice xmlns:p14="http://schemas.microsoft.com/office/powerpoint/2010/main" Requires="p14">
+      <p:transition spd="slow" p14:dur="1200">
+        <p14:prism/>
+      </p:transition>
+    </mc:Choice>
+    <mc:Fallback>
+      <p:transition spd="slow">
+        <p:fade/>
+      </p:transition>
+    </mc:Fallback>
+  </mc:AlternateContent>
 </p:sld>
 </file>
 
 <file path=ppt/slides/slide5.xml><?xml version="1.0" encoding="utf-8"?>
-<p:sld xmlns:a="http://schemas.openxmlformats.org/drawingml/2006/main" xmlns:r="http://schemas.openxmlformats.org/officeDocument/2006/relationships" xmlns:mc="http://schemas.openxmlformats.org/markup-compatibility/2006" xmlns:mv="urn:schemas-microsoft-com:mac:vml" xmlns:p="http://schemas.openxmlformats.org/presentationml/2006/main" xmlns:c="http://schemas.openxmlformats.org/drawingml/2006/chart" xmlns:dgm="http://schemas.openxmlformats.org/drawingml/2006/diagram" xmlns:o="urn:schemas-microsoft-com:office:office" xmlns:v="urn:schemas-microsoft-com:vml" xmlns:pvml="urn:schemas-microsoft-com:office:powerpoint" xmlns:com="http://schemas.openxmlformats.org/drawingml/2006/compatibility" xmlns:p14="http://schemas.microsoft.com/office/powerpoint/2010/main" xmlns:p15="http://schemas.microsoft.com/office/powerpoint/2012/main" xmlns:ahyp="http://schemas.microsoft.com/office/drawing/2018/hyperlinkcolor" showMasterSp="0">
+<p:sld xmlns:a="http://schemas.openxmlformats.org/drawingml/2006/main" xmlns:r="http://schemas.openxmlformats.org/officeDocument/2006/relationships" xmlns:p="http://schemas.openxmlformats.org/presentationml/2006/main">
   <p:cSld>
     <p:spTree>
       <p:nvGrpSpPr>
-        <p:cNvPr id="84" name="Shape 84"/>
+        <p:cNvPr id="1" name="Shape 70"/>
         <p:cNvGrpSpPr/>
         <p:nvPr/>
       </p:nvGrpSpPr>
@@ -7080,396 +6497,10 @@
       </p:grpSpPr>
       <p:sp>
         <p:nvSpPr>
-          <p:cNvPr id="85" name="Google Shape;85;p5"/>
-          <p:cNvSpPr txBox="1"/>
-          <p:nvPr>
-            <p:ph idx="4294967295" type="title"/>
-          </p:nvPr>
-        </p:nvSpPr>
-        <p:spPr>
-          <a:xfrm>
-            <a:off x="1196975" y="0"/>
-            <a:ext cx="7947025" cy="1196975"/>
-          </a:xfrm>
-          <a:prstGeom prst="rect">
-            <a:avLst/>
-          </a:prstGeom>
-          <a:gradFill>
-            <a:gsLst>
-              <a:gs pos="0">
-                <a:srgbClr val="FFFFFF">
-                  <a:alpha val="45882"/>
-                </a:srgbClr>
-              </a:gs>
-              <a:gs pos="100000">
-                <a:srgbClr val="0070C0"/>
-              </a:gs>
-            </a:gsLst>
-            <a:lin ang="0" scaled="0"/>
-          </a:gradFill>
-          <a:ln>
-            <a:noFill/>
-          </a:ln>
-        </p:spPr>
-        <p:txBody>
-          <a:bodyPr anchorCtr="0" anchor="ctr" bIns="45700" lIns="91425" spcFirstLastPara="1" rIns="91425" wrap="square" tIns="45700">
-            <a:noAutofit/>
-          </a:bodyPr>
-          <a:lstStyle/>
-          <a:p>
-            <a:pPr indent="0" lvl="0" marL="0" rtl="0" algn="r">
-              <a:spcBef>
-                <a:spcPts val="0"/>
-              </a:spcBef>
-              <a:spcAft>
-                <a:spcPts val="0"/>
-              </a:spcAft>
-              <a:buNone/>
-            </a:pPr>
-            <a:r>
-              <a:rPr b="0" lang="fr-CH">
-                <a:solidFill>
-                  <a:schemeClr val="accent4"/>
-                </a:solidFill>
-              </a:rPr>
-              <a:t>1) </a:t>
-            </a:r>
-            <a:r>
-              <a:rPr lang="fr-CH">
-                <a:solidFill>
-                  <a:schemeClr val="accent4"/>
-                </a:solidFill>
-              </a:rPr>
-              <a:t>EXERCICE</a:t>
-            </a:r>
-            <a:endParaRPr>
-              <a:solidFill>
-                <a:schemeClr val="accent4"/>
-              </a:solidFill>
-            </a:endParaRPr>
-          </a:p>
-        </p:txBody>
-      </p:sp>
-      <p:pic>
-        <p:nvPicPr>
-          <p:cNvPr id="86" name="Google Shape;86;p5"/>
-          <p:cNvPicPr preferRelativeResize="0"/>
-          <p:nvPr/>
-        </p:nvPicPr>
-        <p:blipFill rotWithShape="1">
-          <a:blip r:embed="rId3">
-            <a:alphaModFix/>
-          </a:blip>
-          <a:srcRect b="0" l="0" r="0" t="0"/>
-          <a:stretch/>
-        </p:blipFill>
-        <p:spPr>
-          <a:xfrm>
-            <a:off x="107504" y="116632"/>
-            <a:ext cx="725050" cy="720977"/>
-          </a:xfrm>
-          <a:prstGeom prst="rect">
-            <a:avLst/>
-          </a:prstGeom>
-          <a:noFill/>
-          <a:ln>
-            <a:noFill/>
-          </a:ln>
-        </p:spPr>
-      </p:pic>
-      <p:sp>
-        <p:nvSpPr>
-          <p:cNvPr id="87" name="Google Shape;87;p5">
-            <a:hlinkClick r:id="rId4"/>
-          </p:cNvPr>
-          <p:cNvSpPr/>
-          <p:nvPr/>
-        </p:nvSpPr>
-        <p:spPr>
-          <a:xfrm>
-            <a:off x="1115617" y="1268760"/>
-            <a:ext cx="7632848" cy="3672408"/>
-          </a:xfrm>
-          <a:prstGeom prst="rect">
-            <a:avLst/>
-          </a:prstGeom>
-        </p:spPr>
-        <p:txBody>
-          <a:bodyPr>
-            <a:prstTxWarp prst="textPlain"/>
-          </a:bodyPr>
-          <a:lstStyle/>
-          <a:p>
-            <a:pPr lvl="0" algn="ctr"/>
-            <a:r>
-              <a:rPr b="0" i="0">
-                <a:ln cap="flat" cmpd="sng" w="12700">
-                  <a:solidFill>
-                    <a:srgbClr val="000000"/>
-                  </a:solidFill>
-                  <a:prstDash val="solid"/>
-                  <a:round/>
-                  <a:headEnd len="sm" w="sm" type="none"/>
-                  <a:tailEnd len="sm" w="sm" type="none"/>
-                </a:ln>
-                <a:solidFill>
-                  <a:srgbClr val="FFC000"/>
-                </a:solidFill>
-                <a:latin typeface="Arial Black"/>
-              </a:rPr>
-              <a:t>Exercice « préanalyse 2 »</a:t>
-            </a:r>
-            <a:br>
-              <a:rPr b="0" i="0">
-                <a:ln cap="flat" cmpd="sng" w="12700">
-                  <a:solidFill>
-                    <a:srgbClr val="000000"/>
-                  </a:solidFill>
-                  <a:prstDash val="solid"/>
-                  <a:round/>
-                  <a:headEnd len="sm" w="sm" type="none"/>
-                  <a:tailEnd len="sm" w="sm" type="none"/>
-                </a:ln>
-                <a:solidFill>
-                  <a:srgbClr val="FFC000"/>
-                </a:solidFill>
-                <a:latin typeface="Arial Black"/>
-              </a:rPr>
-            </a:br>
-            <a:r>
-              <a:rPr b="0" i="0">
-                <a:ln cap="flat" cmpd="sng" w="12700">
-                  <a:solidFill>
-                    <a:srgbClr val="000000"/>
-                  </a:solidFill>
-                  <a:prstDash val="solid"/>
-                  <a:round/>
-                  <a:headEnd len="sm" w="sm" type="none"/>
-                  <a:tailEnd len="sm" w="sm" type="none"/>
-                </a:ln>
-                <a:solidFill>
-                  <a:srgbClr val="FFC000"/>
-                </a:solidFill>
-                <a:latin typeface="Arial Black"/>
-              </a:rPr>
-              <a:t>Détermination du clocher 1243458.9</a:t>
-            </a:r>
-            <a:br>
-              <a:rPr b="0" i="0">
-                <a:ln cap="flat" cmpd="sng" w="12700">
-                  <a:solidFill>
-                    <a:srgbClr val="000000"/>
-                  </a:solidFill>
-                  <a:prstDash val="solid"/>
-                  <a:round/>
-                  <a:headEnd len="sm" w="sm" type="none"/>
-                  <a:tailEnd len="sm" w="sm" type="none"/>
-                </a:ln>
-                <a:solidFill>
-                  <a:srgbClr val="FFC000"/>
-                </a:solidFill>
-                <a:latin typeface="Arial Black"/>
-              </a:rPr>
-            </a:br>
-            <a:r>
-              <a:rPr b="0" i="0">
-                <a:ln cap="flat" cmpd="sng" w="12700">
-                  <a:solidFill>
-                    <a:srgbClr val="000000"/>
-                  </a:solidFill>
-                  <a:prstDash val="solid"/>
-                  <a:round/>
-                  <a:headEnd len="sm" w="sm" type="none"/>
-                  <a:tailEnd len="sm" w="sm" type="none"/>
-                </a:ln>
-                <a:solidFill>
-                  <a:srgbClr val="FFC000"/>
-                </a:solidFill>
-                <a:latin typeface="Arial Black"/>
-              </a:rPr>
-              <a:t>Calcul LTOP seul ou par groupe</a:t>
-            </a:r>
-          </a:p>
-        </p:txBody>
-      </p:sp>
-      <p:pic>
-        <p:nvPicPr>
-          <p:cNvPr descr="C:\Users\Nicolas Ciana\Dropbox\technicien en géomatique BF\2013_2015\modules\S07 pfix\S7a Pfix_gnss\S7a Ciana\exercices\10 ex_LTOP preanalyse2\légende2.bmp" id="88" name="Google Shape;88;p5"/>
-          <p:cNvPicPr preferRelativeResize="0"/>
-          <p:nvPr/>
-        </p:nvPicPr>
-        <p:blipFill rotWithShape="1">
-          <a:blip r:embed="rId5">
-            <a:alphaModFix/>
-          </a:blip>
-          <a:srcRect b="0" l="0" r="0" t="0"/>
-          <a:stretch/>
-        </p:blipFill>
-        <p:spPr>
-          <a:xfrm>
-            <a:off x="436665" y="4941168"/>
-            <a:ext cx="5479820" cy="1792905"/>
-          </a:xfrm>
-          <a:prstGeom prst="rect">
-            <a:avLst/>
-          </a:prstGeom>
-          <a:noFill/>
-          <a:ln>
-            <a:noFill/>
-          </a:ln>
-        </p:spPr>
-      </p:pic>
-    </p:spTree>
-  </p:cSld>
-  <p:clrMapOvr>
-    <a:masterClrMapping/>
-  </p:clrMapOvr>
-  <mc:AlternateContent>
-    <mc:Choice Requires="p14">
-      <p:transition spd="slow" p14:dur="1100">
-        <p14:flip dir="l"/>
-      </p:transition>
-    </mc:Choice>
-    <mc:Fallback>
-      <p:transition spd="slow">
-        <p:fade/>
-      </p:transition>
-    </mc:Fallback>
-  </mc:AlternateContent>
-  <p:timing>
-    <p:tnLst>
-      <p:par>
-        <p:cTn dur="indefinite" nodeType="tmRoot" restart="never">
-          <p:childTnLst>
-            <p:seq concurrent="1" nextAc="seek">
-              <p:cTn dur="indefinite" id="2" nodeType="mainSeq">
-                <p:childTnLst>
-                  <p:par>
-                    <p:cTn fill="hold">
-                      <p:stCondLst>
-                        <p:cond delay="indefinite"/>
-                      </p:stCondLst>
-                      <p:childTnLst>
-                        <p:par>
-                          <p:cTn fill="hold">
-                            <p:stCondLst>
-                              <p:cond delay="0"/>
-                            </p:stCondLst>
-                            <p:childTnLst>
-                              <p:par>
-                                <p:cTn fill="hold" nodeType="clickEffect" presetClass="entr" presetID="10" presetSubtype="0">
-                                  <p:stCondLst>
-                                    <p:cond delay="0"/>
-                                  </p:stCondLst>
-                                  <p:childTnLst>
-                                    <p:set>
-                                      <p:cBhvr>
-                                        <p:cTn dur="1" fill="hold">
-                                          <p:stCondLst>
-                                            <p:cond delay="0"/>
-                                          </p:stCondLst>
-                                        </p:cTn>
-                                        <p:tgtEl>
-                                          <p:spTgt spid="87"/>
-                                        </p:tgtEl>
-                                        <p:attrNameLst>
-                                          <p:attrName>style.visibility</p:attrName>
-                                        </p:attrNameLst>
-                                      </p:cBhvr>
-                                      <p:to>
-                                        <p:strVal val="visible"/>
-                                      </p:to>
-                                    </p:set>
-                                    <p:animEffect filter="fade" transition="in">
-                                      <p:cBhvr>
-                                        <p:cTn dur="500"/>
-                                        <p:tgtEl>
-                                          <p:spTgt spid="87"/>
-                                        </p:tgtEl>
-                                      </p:cBhvr>
-                                    </p:animEffect>
-                                  </p:childTnLst>
-                                </p:cTn>
-                              </p:par>
-                            </p:childTnLst>
-                          </p:cTn>
-                        </p:par>
-                      </p:childTnLst>
-                    </p:cTn>
-                  </p:par>
-                </p:childTnLst>
-              </p:cTn>
-              <p:prevCondLst>
-                <p:cond evt="onPrev">
-                  <p:tgtEl>
-                    <p:sldTgt/>
-                  </p:tgtEl>
-                </p:cond>
-              </p:prevCondLst>
-              <p:nextCondLst>
-                <p:cond evt="onNext">
-                  <p:tgtEl>
-                    <p:sldTgt/>
-                  </p:tgtEl>
-                </p:cond>
-              </p:nextCondLst>
-            </p:seq>
-          </p:childTnLst>
-        </p:cTn>
-      </p:par>
-    </p:tnLst>
-  </p:timing>
-</p:sld>
-</file>
-
-<file path=ppt/slides/slide6.xml><?xml version="1.0" encoding="utf-8"?>
-<p:sld xmlns:a="http://schemas.openxmlformats.org/drawingml/2006/main" xmlns:r="http://schemas.openxmlformats.org/officeDocument/2006/relationships" xmlns:mc="http://schemas.openxmlformats.org/markup-compatibility/2006" xmlns:mv="urn:schemas-microsoft-com:mac:vml" xmlns:p="http://schemas.openxmlformats.org/presentationml/2006/main" xmlns:c="http://schemas.openxmlformats.org/drawingml/2006/chart" xmlns:dgm="http://schemas.openxmlformats.org/drawingml/2006/diagram" xmlns:o="urn:schemas-microsoft-com:office:office" xmlns:v="urn:schemas-microsoft-com:vml" xmlns:pvml="urn:schemas-microsoft-com:office:powerpoint" xmlns:com="http://schemas.openxmlformats.org/drawingml/2006/compatibility" xmlns:p14="http://schemas.microsoft.com/office/powerpoint/2010/main" xmlns:p15="http://schemas.microsoft.com/office/powerpoint/2012/main" xmlns:ahyp="http://schemas.microsoft.com/office/drawing/2018/hyperlinkcolor">
-  <p:cSld>
-    <p:spTree>
-      <p:nvGrpSpPr>
-        <p:cNvPr id="95" name="Shape 95"/>
-        <p:cNvGrpSpPr/>
-        <p:nvPr/>
-      </p:nvGrpSpPr>
-      <p:grpSpPr>
-        <a:xfrm>
-          <a:off x="0" y="0"/>
-          <a:ext cx="0" cy="0"/>
-          <a:chOff x="0" y="0"/>
-          <a:chExt cx="0" cy="0"/>
-        </a:xfrm>
-      </p:grpSpPr>
-      <p:pic>
-        <p:nvPicPr>
-          <p:cNvPr id="96" name="Google Shape;96;p6"/>
-          <p:cNvPicPr preferRelativeResize="0"/>
-          <p:nvPr/>
-        </p:nvPicPr>
-        <p:blipFill rotWithShape="1">
-          <a:blip r:embed="rId3">
-            <a:alphaModFix/>
-          </a:blip>
-          <a:srcRect b="0" l="0" r="0" t="0"/>
-          <a:stretch/>
-        </p:blipFill>
-        <p:spPr>
-          <a:xfrm>
-            <a:off x="-30869" y="1484784"/>
-            <a:ext cx="9205737" cy="3456384"/>
-          </a:xfrm>
-          <a:prstGeom prst="rect">
-            <a:avLst/>
-          </a:prstGeom>
-          <a:noFill/>
-          <a:ln>
-            <a:noFill/>
-          </a:ln>
-        </p:spPr>
-      </p:pic>
-      <p:sp>
-        <p:nvSpPr>
-          <p:cNvPr id="97" name="Google Shape;97;p6"/>
-          <p:cNvSpPr txBox="1"/>
+          <p:cNvPr id="71" name="Google Shape;71;p3"/>
+          <p:cNvSpPr txBox="1">
+            <a:spLocks noGrp="1"/>
+          </p:cNvSpPr>
           <p:nvPr>
             <p:ph type="title"/>
           </p:nvPr>
@@ -7502,12 +6533,12 @@
           </a:ln>
         </p:spPr>
         <p:txBody>
-          <a:bodyPr anchorCtr="0" anchor="ctr" bIns="45700" lIns="91425" spcFirstLastPara="1" rIns="91425" wrap="square" tIns="45700">
+          <a:bodyPr spcFirstLastPara="1" wrap="square" lIns="91425" tIns="45700" rIns="91425" bIns="45700" anchor="ctr" anchorCtr="0">
             <a:noAutofit/>
           </a:bodyPr>
           <a:lstStyle/>
           <a:p>
-            <a:pPr indent="0" lvl="0" marL="0" rtl="0" algn="r">
+            <a:pPr marL="0" lvl="0" indent="0" algn="r" rtl="0">
               <a:spcBef>
                 <a:spcPts val="0"/>
               </a:spcBef>
@@ -7517,573 +6548,169 @@
               <a:buNone/>
             </a:pPr>
             <a:r>
-              <a:rPr lang="fr-CH">
+              <a:rPr lang="fr-CH" dirty="0">
                 <a:latin typeface="Century Gothic"/>
                 <a:ea typeface="Century Gothic"/>
                 <a:cs typeface="Century Gothic"/>
                 <a:sym typeface="Century Gothic"/>
               </a:rPr>
-              <a:t>Centre de formation géomatique suisse – organisation romande</a:t>
+              <a:t>Introduction</a:t>
             </a:r>
-            <a:endParaRPr/>
+            <a:endParaRPr dirty="0"/>
           </a:p>
         </p:txBody>
       </p:sp>
-      <p:pic>
-        <p:nvPicPr>
-          <p:cNvPr descr="S12.GIF" id="98" name="Google Shape;98;p6"/>
-          <p:cNvPicPr preferRelativeResize="0"/>
+      <p:sp>
+        <p:nvSpPr>
+          <p:cNvPr id="6" name="TextBox 5">
+            <a:extLst>
+              <a:ext uri="{FF2B5EF4-FFF2-40B4-BE49-F238E27FC236}">
+                <a16:creationId xmlns:a16="http://schemas.microsoft.com/office/drawing/2014/main" id="{196C9D24-4310-48F8-9759-723E6599BC83}"/>
+              </a:ext>
+            </a:extLst>
+          </p:cNvPr>
+          <p:cNvSpPr txBox="1"/>
           <p:nvPr/>
-        </p:nvPicPr>
-        <p:blipFill rotWithShape="1">
-          <a:blip r:embed="rId4">
-            <a:alphaModFix/>
-          </a:blip>
-          <a:srcRect b="0" l="0" r="0" t="0"/>
-          <a:stretch/>
-        </p:blipFill>
-        <p:spPr>
-          <a:xfrm rot="-1434160">
-            <a:off x="7319215" y="1306795"/>
-            <a:ext cx="285750" cy="284163"/>
+        </p:nvSpPr>
+        <p:spPr>
+          <a:xfrm>
+            <a:off x="1542870" y="6406289"/>
+            <a:ext cx="4652432" cy="307777"/>
           </a:xfrm>
           <a:prstGeom prst="rect">
             <a:avLst/>
           </a:prstGeom>
           <a:noFill/>
-          <a:ln>
-            <a:noFill/>
-          </a:ln>
-        </p:spPr>
-      </p:pic>
-      <p:pic>
-        <p:nvPicPr>
-          <p:cNvPr descr="S11.gif" id="99" name="Google Shape;99;p6"/>
-          <p:cNvPicPr preferRelativeResize="0"/>
-          <p:nvPr/>
-        </p:nvPicPr>
-        <p:blipFill rotWithShape="1">
-          <a:blip r:embed="rId5">
-            <a:alphaModFix/>
-          </a:blip>
-          <a:srcRect b="0" l="0" r="0" t="0"/>
-          <a:stretch/>
-        </p:blipFill>
-        <p:spPr>
-          <a:xfrm>
-            <a:off x="7731176" y="1341909"/>
-            <a:ext cx="276225" cy="285750"/>
-          </a:xfrm>
-          <a:prstGeom prst="rect">
-            <a:avLst/>
-          </a:prstGeom>
-          <a:noFill/>
-          <a:ln>
-            <a:noFill/>
-          </a:ln>
-        </p:spPr>
-      </p:pic>
-      <p:pic>
-        <p:nvPicPr>
-          <p:cNvPr descr="S10.gif" id="100" name="Google Shape;100;p6"/>
-          <p:cNvPicPr preferRelativeResize="0"/>
-          <p:nvPr/>
-        </p:nvPicPr>
-        <p:blipFill rotWithShape="1">
-          <a:blip r:embed="rId6">
-            <a:alphaModFix/>
-          </a:blip>
-          <a:srcRect b="0" l="0" r="0" t="0"/>
-          <a:stretch/>
-        </p:blipFill>
-        <p:spPr>
-          <a:xfrm rot="-656350">
-            <a:off x="8113996" y="1471290"/>
-            <a:ext cx="295275" cy="312737"/>
-          </a:xfrm>
-          <a:prstGeom prst="rect">
-            <a:avLst/>
-          </a:prstGeom>
-          <a:noFill/>
-          <a:ln>
-            <a:noFill/>
-          </a:ln>
-        </p:spPr>
-      </p:pic>
-      <p:pic>
-        <p:nvPicPr>
-          <p:cNvPr descr="S9.gif" id="101" name="Google Shape;101;p6"/>
-          <p:cNvPicPr preferRelativeResize="0"/>
-          <p:nvPr/>
-        </p:nvPicPr>
-        <p:blipFill rotWithShape="1">
-          <a:blip r:embed="rId7">
-            <a:alphaModFix/>
-          </a:blip>
-          <a:srcRect b="0" l="0" r="0" t="0"/>
-          <a:stretch/>
-        </p:blipFill>
-        <p:spPr>
-          <a:xfrm rot="1413584">
-            <a:off x="8481816" y="1660487"/>
-            <a:ext cx="317297" cy="343738"/>
-          </a:xfrm>
-          <a:prstGeom prst="rect">
-            <a:avLst/>
-          </a:prstGeom>
-          <a:noFill/>
-          <a:ln>
-            <a:noFill/>
-          </a:ln>
-        </p:spPr>
-      </p:pic>
-      <p:pic>
-        <p:nvPicPr>
-          <p:cNvPr descr="S8.gif" id="102" name="Google Shape;102;p6"/>
-          <p:cNvPicPr preferRelativeResize="0"/>
-          <p:nvPr/>
-        </p:nvPicPr>
-        <p:blipFill rotWithShape="1">
-          <a:blip r:embed="rId8">
-            <a:alphaModFix/>
-          </a:blip>
-          <a:srcRect b="0" l="0" r="0" t="0"/>
-          <a:stretch/>
-        </p:blipFill>
-        <p:spPr>
-          <a:xfrm rot="-909934">
-            <a:off x="8665236" y="2035433"/>
-            <a:ext cx="408977" cy="429708"/>
-          </a:xfrm>
-          <a:prstGeom prst="rect">
-            <a:avLst/>
-          </a:prstGeom>
-          <a:noFill/>
-          <a:ln>
-            <a:noFill/>
-          </a:ln>
-        </p:spPr>
-      </p:pic>
-      <p:pic>
-        <p:nvPicPr>
-          <p:cNvPr descr="S7.gif" id="103" name="Google Shape;103;p6"/>
-          <p:cNvPicPr preferRelativeResize="0"/>
-          <p:nvPr/>
-        </p:nvPicPr>
-        <p:blipFill rotWithShape="1">
-          <a:blip r:embed="rId9">
-            <a:alphaModFix/>
-          </a:blip>
-          <a:srcRect b="0" l="0" r="0" t="0"/>
-          <a:stretch/>
-        </p:blipFill>
-        <p:spPr>
-          <a:xfrm>
-            <a:off x="8601022" y="2522249"/>
-            <a:ext cx="427181" cy="439387"/>
-          </a:xfrm>
-          <a:prstGeom prst="rect">
-            <a:avLst/>
-          </a:prstGeom>
-          <a:noFill/>
-          <a:ln>
-            <a:noFill/>
-          </a:ln>
-        </p:spPr>
-      </p:pic>
-      <p:pic>
-        <p:nvPicPr>
-          <p:cNvPr descr="S6.gif" id="104" name="Google Shape;104;p6"/>
-          <p:cNvPicPr preferRelativeResize="0"/>
-          <p:nvPr/>
-        </p:nvPicPr>
-        <p:blipFill rotWithShape="1">
-          <a:blip r:embed="rId10">
-            <a:alphaModFix/>
-          </a:blip>
-          <a:srcRect b="0" l="0" r="0" t="0"/>
-          <a:stretch/>
-        </p:blipFill>
-        <p:spPr>
-          <a:xfrm rot="-880253">
-            <a:off x="8576772" y="3039938"/>
-            <a:ext cx="317500" cy="346075"/>
-          </a:xfrm>
-          <a:prstGeom prst="rect">
-            <a:avLst/>
-          </a:prstGeom>
-          <a:noFill/>
-          <a:ln>
-            <a:noFill/>
-          </a:ln>
-        </p:spPr>
-      </p:pic>
-      <p:pic>
-        <p:nvPicPr>
-          <p:cNvPr descr="S5.gif" id="105" name="Google Shape;105;p6"/>
-          <p:cNvPicPr preferRelativeResize="0"/>
-          <p:nvPr/>
-        </p:nvPicPr>
-        <p:blipFill rotWithShape="1">
-          <a:blip r:embed="rId11">
-            <a:alphaModFix/>
-          </a:blip>
-          <a:srcRect b="0" l="0" r="0" t="0"/>
-          <a:stretch/>
-        </p:blipFill>
-        <p:spPr>
-          <a:xfrm rot="-1795067">
-            <a:off x="8336511" y="3623444"/>
-            <a:ext cx="403225" cy="407988"/>
-          </a:xfrm>
-          <a:prstGeom prst="rect">
-            <a:avLst/>
-          </a:prstGeom>
-          <a:noFill/>
-          <a:ln>
-            <a:noFill/>
-          </a:ln>
-        </p:spPr>
-      </p:pic>
-      <p:pic>
-        <p:nvPicPr>
-          <p:cNvPr descr="S4.gif" id="106" name="Google Shape;106;p6"/>
-          <p:cNvPicPr preferRelativeResize="0"/>
-          <p:nvPr/>
-        </p:nvPicPr>
-        <p:blipFill rotWithShape="1">
-          <a:blip r:embed="rId12">
-            <a:alphaModFix/>
-          </a:blip>
-          <a:srcRect b="0" l="0" r="0" t="0"/>
-          <a:stretch/>
-        </p:blipFill>
-        <p:spPr>
-          <a:xfrm rot="736464">
-            <a:off x="7964560" y="3981493"/>
-            <a:ext cx="355600" cy="396875"/>
-          </a:xfrm>
-          <a:prstGeom prst="rect">
-            <a:avLst/>
-          </a:prstGeom>
-          <a:noFill/>
-          <a:ln>
-            <a:noFill/>
-          </a:ln>
-        </p:spPr>
-      </p:pic>
-      <p:pic>
-        <p:nvPicPr>
-          <p:cNvPr descr="S3.gif" id="107" name="Google Shape;107;p6"/>
-          <p:cNvPicPr preferRelativeResize="0"/>
-          <p:nvPr/>
-        </p:nvPicPr>
-        <p:blipFill rotWithShape="1">
-          <a:blip r:embed="rId13">
-            <a:alphaModFix/>
-          </a:blip>
-          <a:srcRect b="0" l="0" r="0" t="0"/>
-          <a:stretch/>
-        </p:blipFill>
-        <p:spPr>
-          <a:xfrm>
-            <a:off x="7356497" y="4146999"/>
-            <a:ext cx="396875" cy="428625"/>
-          </a:xfrm>
-          <a:prstGeom prst="rect">
-            <a:avLst/>
-          </a:prstGeom>
-          <a:noFill/>
-          <a:ln>
-            <a:noFill/>
-          </a:ln>
-        </p:spPr>
-      </p:pic>
-      <p:pic>
-        <p:nvPicPr>
-          <p:cNvPr descr="S1.gif" id="108" name="Google Shape;108;p6"/>
-          <p:cNvPicPr preferRelativeResize="0"/>
-          <p:nvPr/>
-        </p:nvPicPr>
-        <p:blipFill rotWithShape="1">
-          <a:blip r:embed="rId14">
-            <a:alphaModFix/>
-          </a:blip>
-          <a:srcRect b="0" l="0" r="0" t="0"/>
-          <a:stretch/>
-        </p:blipFill>
-        <p:spPr>
-          <a:xfrm rot="-511436">
-            <a:off x="6233168" y="4155709"/>
-            <a:ext cx="458787" cy="454025"/>
-          </a:xfrm>
-          <a:prstGeom prst="rect">
-            <a:avLst/>
-          </a:prstGeom>
-          <a:noFill/>
-          <a:ln>
-            <a:noFill/>
-          </a:ln>
-        </p:spPr>
-      </p:pic>
-      <p:pic>
-        <p:nvPicPr>
-          <p:cNvPr descr="B5.gif" id="109" name="Google Shape;109;p6"/>
-          <p:cNvPicPr preferRelativeResize="0"/>
-          <p:nvPr/>
-        </p:nvPicPr>
-        <p:blipFill rotWithShape="1">
-          <a:blip r:embed="rId15">
-            <a:alphaModFix/>
-          </a:blip>
-          <a:srcRect b="0" l="0" r="0" t="0"/>
-          <a:stretch/>
-        </p:blipFill>
-        <p:spPr>
-          <a:xfrm rot="676489">
-            <a:off x="5849143" y="4221849"/>
-            <a:ext cx="396875" cy="412750"/>
-          </a:xfrm>
-          <a:prstGeom prst="rect">
-            <a:avLst/>
-          </a:prstGeom>
-          <a:noFill/>
-          <a:ln>
-            <a:noFill/>
-          </a:ln>
-        </p:spPr>
-      </p:pic>
-      <p:pic>
-        <p:nvPicPr>
-          <p:cNvPr descr="B4.gif" id="110" name="Google Shape;110;p6"/>
-          <p:cNvPicPr preferRelativeResize="0"/>
-          <p:nvPr/>
-        </p:nvPicPr>
-        <p:blipFill rotWithShape="1">
-          <a:blip r:embed="rId16">
-            <a:alphaModFix/>
-          </a:blip>
-          <a:srcRect b="0" l="0" r="0" t="0"/>
-          <a:stretch/>
-        </p:blipFill>
-        <p:spPr>
-          <a:xfrm rot="-692607">
-            <a:off x="5139809" y="4338420"/>
-            <a:ext cx="612775" cy="661987"/>
-          </a:xfrm>
-          <a:prstGeom prst="rect">
-            <a:avLst/>
-          </a:prstGeom>
-          <a:noFill/>
-          <a:ln>
-            <a:noFill/>
-          </a:ln>
-        </p:spPr>
-      </p:pic>
-      <p:pic>
-        <p:nvPicPr>
-          <p:cNvPr descr="B3.gif" id="111" name="Google Shape;111;p6"/>
-          <p:cNvPicPr preferRelativeResize="0"/>
-          <p:nvPr/>
-        </p:nvPicPr>
-        <p:blipFill rotWithShape="1">
-          <a:blip r:embed="rId17">
-            <a:alphaModFix/>
-          </a:blip>
-          <a:srcRect b="0" l="0" r="0" t="0"/>
-          <a:stretch/>
-        </p:blipFill>
-        <p:spPr>
-          <a:xfrm rot="1214792">
-            <a:off x="4452939" y="4720059"/>
-            <a:ext cx="654050" cy="669925"/>
-          </a:xfrm>
-          <a:prstGeom prst="rect">
-            <a:avLst/>
-          </a:prstGeom>
-          <a:noFill/>
-          <a:ln>
-            <a:noFill/>
-          </a:ln>
-        </p:spPr>
-      </p:pic>
-      <p:pic>
-        <p:nvPicPr>
-          <p:cNvPr descr="B2.gif" id="112" name="Google Shape;112;p6"/>
-          <p:cNvPicPr preferRelativeResize="0"/>
-          <p:nvPr/>
-        </p:nvPicPr>
-        <p:blipFill rotWithShape="1">
-          <a:blip r:embed="rId18">
-            <a:alphaModFix/>
-          </a:blip>
-          <a:srcRect b="0" l="0" r="0" t="0"/>
-          <a:stretch/>
-        </p:blipFill>
-        <p:spPr>
-          <a:xfrm rot="-630657">
-            <a:off x="2896973" y="5153018"/>
-            <a:ext cx="903287" cy="1000125"/>
-          </a:xfrm>
-          <a:prstGeom prst="rect">
-            <a:avLst/>
-          </a:prstGeom>
-          <a:noFill/>
-          <a:ln>
-            <a:noFill/>
-          </a:ln>
-        </p:spPr>
-      </p:pic>
-      <p:pic>
-        <p:nvPicPr>
-          <p:cNvPr descr="B1.gif" id="113" name="Google Shape;113;p6"/>
-          <p:cNvPicPr preferRelativeResize="0"/>
-          <p:nvPr/>
-        </p:nvPicPr>
-        <p:blipFill rotWithShape="1">
-          <a:blip r:embed="rId19">
-            <a:alphaModFix/>
-          </a:blip>
-          <a:srcRect b="0" l="0" r="0" t="0"/>
-          <a:stretch/>
-        </p:blipFill>
-        <p:spPr>
-          <a:xfrm rot="-1255784">
-            <a:off x="1559194" y="5423149"/>
-            <a:ext cx="1360487" cy="1484313"/>
-          </a:xfrm>
-          <a:prstGeom prst="rect">
-            <a:avLst/>
-          </a:prstGeom>
-          <a:noFill/>
-          <a:ln>
-            <a:noFill/>
-          </a:ln>
-        </p:spPr>
-      </p:pic>
-      <p:pic>
-        <p:nvPicPr>
-          <p:cNvPr descr="S2.gif" id="114" name="Google Shape;114;p6"/>
-          <p:cNvPicPr preferRelativeResize="0"/>
-          <p:nvPr/>
-        </p:nvPicPr>
-        <p:blipFill rotWithShape="1">
-          <a:blip r:embed="rId20">
-            <a:alphaModFix/>
-          </a:blip>
-          <a:srcRect b="0" l="0" r="0" t="0"/>
-          <a:stretch/>
-        </p:blipFill>
-        <p:spPr>
-          <a:xfrm rot="-1154934">
-            <a:off x="6778629" y="4295117"/>
-            <a:ext cx="371475" cy="400050"/>
-          </a:xfrm>
-          <a:prstGeom prst="rect">
-            <a:avLst/>
-          </a:prstGeom>
-          <a:noFill/>
-          <a:ln>
-            <a:noFill/>
-          </a:ln>
-        </p:spPr>
-      </p:pic>
-      <p:sp>
-        <p:nvSpPr>
-          <p:cNvPr id="115" name="Google Shape;115;p6"/>
-          <p:cNvSpPr/>
-          <p:nvPr/>
-        </p:nvSpPr>
-        <p:spPr>
-          <a:xfrm rot="-432697">
-            <a:off x="84644" y="1352030"/>
-            <a:ext cx="6270918" cy="1422770"/>
-          </a:xfrm>
-          <a:prstGeom prst="rect">
-            <a:avLst/>
-          </a:prstGeom>
         </p:spPr>
         <p:txBody>
-          <a:bodyPr>
-            <a:prstTxWarp prst="textPlain"/>
+          <a:bodyPr wrap="square">
+            <a:spAutoFit/>
           </a:bodyPr>
           <a:lstStyle/>
           <a:p>
-            <a:pPr lvl="0" algn="ctr"/>
             <a:r>
-              <a:rPr b="0" i="0">
-                <a:ln cap="flat" cmpd="sng" w="25400">
-                  <a:solidFill>
-                    <a:srgbClr val="000000"/>
-                  </a:solidFill>
-                  <a:prstDash val="solid"/>
-                  <a:round/>
-                  <a:headEnd len="sm" w="sm" type="none"/>
-                  <a:tailEnd len="sm" w="sm" type="none"/>
-                </a:ln>
-                <a:solidFill>
-                  <a:srgbClr val="FFC000"/>
-                </a:solidFill>
-                <a:latin typeface="Arial Black"/>
-              </a:rPr>
-              <a:t>Merci de votre attention</a:t>
+              <a:rPr lang="fr-CH" b="1" dirty="0"/>
+              <a:t>https://github.com/regislon/cfgeo_s2</a:t>
             </a:r>
           </a:p>
         </p:txBody>
       </p:sp>
       <p:pic>
         <p:nvPicPr>
-          <p:cNvPr id="116" name="Google Shape;116;p6"/>
-          <p:cNvPicPr preferRelativeResize="0"/>
+          <p:cNvPr id="10" name="Picture 9">
+            <a:extLst>
+              <a:ext uri="{FF2B5EF4-FFF2-40B4-BE49-F238E27FC236}">
+                <a16:creationId xmlns:a16="http://schemas.microsoft.com/office/drawing/2014/main" id="{95F91AA5-622C-4DB4-B82C-719CBA82158A}"/>
+              </a:ext>
+            </a:extLst>
+          </p:cNvPr>
+          <p:cNvPicPr>
+            <a:picLocks noChangeAspect="1"/>
+          </p:cNvPicPr>
           <p:nvPr/>
         </p:nvPicPr>
-        <p:blipFill rotWithShape="1">
-          <a:blip r:embed="rId21">
-            <a:alphaModFix/>
-          </a:blip>
-          <a:srcRect b="0" l="0" r="0" t="0"/>
-          <a:stretch/>
+        <p:blipFill>
+          <a:blip r:embed="rId3"/>
+          <a:stretch>
+            <a:fillRect/>
+          </a:stretch>
         </p:blipFill>
         <p:spPr>
           <a:xfrm>
-            <a:off x="35496" y="5517233"/>
-            <a:ext cx="1303466" cy="1296144"/>
+            <a:off x="1328536" y="1394262"/>
+            <a:ext cx="6291463" cy="4814739"/>
           </a:xfrm>
           <a:prstGeom prst="rect">
             <a:avLst/>
           </a:prstGeom>
-          <a:noFill/>
+        </p:spPr>
+      </p:pic>
+    </p:spTree>
+    <p:extLst>
+      <p:ext uri="{BB962C8B-B14F-4D97-AF65-F5344CB8AC3E}">
+        <p14:creationId xmlns:p14="http://schemas.microsoft.com/office/powerpoint/2010/main" val="523505484"/>
+      </p:ext>
+    </p:extLst>
+  </p:cSld>
+  <p:clrMapOvr>
+    <a:masterClrMapping/>
+  </p:clrMapOvr>
+  <mc:AlternateContent xmlns:mc="http://schemas.openxmlformats.org/markup-compatibility/2006">
+    <mc:Choice xmlns:p14="http://schemas.microsoft.com/office/powerpoint/2010/main" Requires="p14">
+      <p:transition spd="slow" p14:dur="1200">
+        <p14:prism/>
+      </p:transition>
+    </mc:Choice>
+    <mc:Fallback>
+      <p:transition spd="slow">
+        <p:fade/>
+      </p:transition>
+    </mc:Fallback>
+  </mc:AlternateContent>
+</p:sld>
+</file>
+
+<file path=ppt/slides/slide6.xml><?xml version="1.0" encoding="utf-8"?>
+<p:sld xmlns:a="http://schemas.openxmlformats.org/drawingml/2006/main" xmlns:r="http://schemas.openxmlformats.org/officeDocument/2006/relationships" xmlns:p="http://schemas.openxmlformats.org/presentationml/2006/main">
+  <p:cSld>
+    <p:spTree>
+      <p:nvGrpSpPr>
+        <p:cNvPr id="1" name="Shape 70"/>
+        <p:cNvGrpSpPr/>
+        <p:nvPr/>
+      </p:nvGrpSpPr>
+      <p:grpSpPr>
+        <a:xfrm>
+          <a:off x="0" y="0"/>
+          <a:ext cx="0" cy="0"/>
+          <a:chOff x="0" y="0"/>
+          <a:chExt cx="0" cy="0"/>
+        </a:xfrm>
+      </p:grpSpPr>
+      <p:sp>
+        <p:nvSpPr>
+          <p:cNvPr id="71" name="Google Shape;71;p3"/>
+          <p:cNvSpPr txBox="1">
+            <a:spLocks noGrp="1"/>
+          </p:cNvSpPr>
+          <p:nvPr>
+            <p:ph type="title"/>
+          </p:nvPr>
+        </p:nvSpPr>
+        <p:spPr>
+          <a:xfrm>
+            <a:off x="1196977" y="0"/>
+            <a:ext cx="7947023" cy="1196975"/>
+          </a:xfrm>
+          <a:prstGeom prst="rect">
+            <a:avLst/>
+          </a:prstGeom>
+          <a:gradFill>
+            <a:gsLst>
+              <a:gs pos="0">
+                <a:srgbClr val="FFFFFF">
+                  <a:alpha val="45882"/>
+                </a:srgbClr>
+              </a:gs>
+              <a:gs pos="100000">
+                <a:srgbClr val="FF3300">
+                  <a:alpha val="64705"/>
+                </a:srgbClr>
+              </a:gs>
+            </a:gsLst>
+            <a:lin ang="0" scaled="0"/>
+          </a:gradFill>
           <a:ln>
             <a:noFill/>
           </a:ln>
         </p:spPr>
-      </p:pic>
-      <p:sp>
-        <p:nvSpPr>
-          <p:cNvPr id="117" name="Google Shape;117;p6"/>
-          <p:cNvSpPr txBox="1"/>
-          <p:nvPr/>
-        </p:nvSpPr>
-        <p:spPr>
-          <a:xfrm>
-            <a:off x="6041295" y="4961358"/>
-            <a:ext cx="3102705" cy="1508572"/>
-          </a:xfrm>
-          <a:prstGeom prst="rect">
-            <a:avLst/>
-          </a:prstGeom>
-          <a:noFill/>
-          <a:ln>
-            <a:noFill/>
-          </a:ln>
-        </p:spPr>
         <p:txBody>
-          <a:bodyPr anchorCtr="0" anchor="t" bIns="45700" lIns="91425" spcFirstLastPara="1" rIns="91425" wrap="square" tIns="45700">
+          <a:bodyPr spcFirstLastPara="1" wrap="square" lIns="91425" tIns="45700" rIns="91425" bIns="45700" anchor="ctr" anchorCtr="0">
             <a:noAutofit/>
           </a:bodyPr>
           <a:lstStyle/>
           <a:p>
-            <a:pPr indent="0" lvl="0" marL="0" marR="0" rtl="0" algn="l">
+            <a:pPr marL="0" lvl="0" indent="0" algn="r" rtl="0">
               <a:spcBef>
                 <a:spcPts val="0"/>
               </a:spcBef>
@@ -8093,258 +6720,101 @@
               <a:buNone/>
             </a:pPr>
             <a:r>
-              <a:rPr b="1" i="0" lang="fr-CH" sz="1600" u="none" cap="none" strike="noStrike">
-                <a:solidFill>
-                  <a:schemeClr val="dk1"/>
-                </a:solidFill>
+              <a:rPr lang="fr-CH" dirty="0">
                 <a:latin typeface="Century Gothic"/>
                 <a:ea typeface="Century Gothic"/>
                 <a:cs typeface="Century Gothic"/>
                 <a:sym typeface="Century Gothic"/>
               </a:rPr>
-              <a:t>Coordonnées enseignant(e)</a:t>
+              <a:t>Introduction</a:t>
             </a:r>
-            <a:endParaRPr b="1" i="0" sz="1600" u="none" cap="none" strike="noStrike">
-              <a:solidFill>
-                <a:schemeClr val="dk1"/>
-              </a:solidFill>
-              <a:latin typeface="Century Gothic"/>
-              <a:ea typeface="Century Gothic"/>
-              <a:cs typeface="Century Gothic"/>
-              <a:sym typeface="Century Gothic"/>
-            </a:endParaRPr>
+            <a:endParaRPr dirty="0"/>
           </a:p>
+        </p:txBody>
+      </p:sp>
+      <p:sp>
+        <p:nvSpPr>
+          <p:cNvPr id="6" name="TextBox 5">
+            <a:extLst>
+              <a:ext uri="{FF2B5EF4-FFF2-40B4-BE49-F238E27FC236}">
+                <a16:creationId xmlns:a16="http://schemas.microsoft.com/office/drawing/2014/main" id="{196C9D24-4310-48F8-9759-723E6599BC83}"/>
+              </a:ext>
+            </a:extLst>
+          </p:cNvPr>
+          <p:cNvSpPr txBox="1"/>
+          <p:nvPr/>
+        </p:nvSpPr>
+        <p:spPr>
+          <a:xfrm>
+            <a:off x="1542870" y="6406289"/>
+            <a:ext cx="4652432" cy="307777"/>
+          </a:xfrm>
+          <a:prstGeom prst="rect">
+            <a:avLst/>
+          </a:prstGeom>
+          <a:noFill/>
+        </p:spPr>
+        <p:txBody>
+          <a:bodyPr wrap="square">
+            <a:spAutoFit/>
+          </a:bodyPr>
+          <a:lstStyle/>
           <a:p>
-            <a:pPr indent="0" lvl="0" marL="0" marR="0" rtl="0" algn="l">
-              <a:spcBef>
-                <a:spcPts val="0"/>
-              </a:spcBef>
-              <a:spcAft>
-                <a:spcPts val="0"/>
-              </a:spcAft>
-              <a:buNone/>
-            </a:pPr>
             <a:r>
-              <a:rPr b="1" i="0" lang="fr-CH" sz="1600" u="none" cap="none" strike="noStrike">
-                <a:solidFill>
-                  <a:schemeClr val="dk1"/>
-                </a:solidFill>
-                <a:latin typeface="Century Gothic"/>
-                <a:ea typeface="Century Gothic"/>
-                <a:cs typeface="Century Gothic"/>
-                <a:sym typeface="Century Gothic"/>
-              </a:rPr>
-              <a:t>Chemin des Corjons 26</a:t>
+              <a:rPr lang="fr-CH" b="1" dirty="0"/>
+              <a:t>https://github.com/regislon/cfgeo_s2</a:t>
             </a:r>
-            <a:endParaRPr/>
-          </a:p>
-          <a:p>
-            <a:pPr indent="0" lvl="0" marL="0" marR="0" rtl="0" algn="l">
-              <a:spcBef>
-                <a:spcPts val="0"/>
-              </a:spcBef>
-              <a:spcAft>
-                <a:spcPts val="0"/>
-              </a:spcAft>
-              <a:buNone/>
-            </a:pPr>
-            <a:r>
-              <a:rPr b="1" i="0" lang="fr-CH" sz="1600" u="none" cap="none" strike="noStrike">
-                <a:solidFill>
-                  <a:schemeClr val="dk1"/>
-                </a:solidFill>
-                <a:latin typeface="Century Gothic"/>
-                <a:ea typeface="Century Gothic"/>
-                <a:cs typeface="Century Gothic"/>
-                <a:sym typeface="Century Gothic"/>
-              </a:rPr>
-              <a:t>1052 Le Mont-sur-Lausanne</a:t>
-            </a:r>
-            <a:endParaRPr/>
-          </a:p>
-          <a:p>
-            <a:pPr indent="0" lvl="0" marL="0" marR="0" rtl="0" algn="l">
-              <a:spcBef>
-                <a:spcPts val="0"/>
-              </a:spcBef>
-              <a:spcAft>
-                <a:spcPts val="0"/>
-              </a:spcAft>
-              <a:buNone/>
-            </a:pPr>
-            <a:r>
-              <a:rPr b="1" i="0" lang="fr-CH" sz="1600" u="none" cap="none" strike="noStrike">
-                <a:solidFill>
-                  <a:schemeClr val="dk1"/>
-                </a:solidFill>
-                <a:latin typeface="Century Gothic"/>
-                <a:ea typeface="Century Gothic"/>
-                <a:cs typeface="Century Gothic"/>
-                <a:sym typeface="Century Gothic"/>
-              </a:rPr>
-              <a:t>+41 79 679 47 58</a:t>
-            </a:r>
-            <a:endParaRPr/>
-          </a:p>
-          <a:p>
-            <a:pPr indent="0" lvl="0" marL="0" marR="0" rtl="0" algn="l">
-              <a:spcBef>
-                <a:spcPts val="0"/>
-              </a:spcBef>
-              <a:spcAft>
-                <a:spcPts val="0"/>
-              </a:spcAft>
-              <a:buNone/>
-            </a:pPr>
-            <a:r>
-              <a:rPr b="1" i="0" lang="fr-CH" sz="1600" u="none" cap="none" strike="noStrike">
-                <a:solidFill>
-                  <a:schemeClr val="dk1"/>
-                </a:solidFill>
-                <a:latin typeface="Century Gothic"/>
-                <a:ea typeface="Century Gothic"/>
-                <a:cs typeface="Century Gothic"/>
-                <a:sym typeface="Century Gothic"/>
-              </a:rPr>
-              <a:t>nicolas.ciana@bluewin.ch</a:t>
-            </a:r>
-            <a:endParaRPr b="1" i="0" sz="1600" u="none" cap="none" strike="noStrike">
-              <a:solidFill>
-                <a:schemeClr val="dk1"/>
-              </a:solidFill>
-              <a:latin typeface="Century Gothic"/>
-              <a:ea typeface="Century Gothic"/>
-              <a:cs typeface="Century Gothic"/>
-              <a:sym typeface="Century Gothic"/>
-            </a:endParaRPr>
           </a:p>
         </p:txBody>
       </p:sp>
       <p:pic>
         <p:nvPicPr>
-          <p:cNvPr descr="C:\Users\Nicolas Ciana\Dropbox\technicien en géomatique BF\2016_2018\Modèles\logos\autres logos\CERTIF3_trans.png" id="118" name="Google Shape;118;p6"/>
-          <p:cNvPicPr preferRelativeResize="0"/>
+          <p:cNvPr id="3" name="Picture 2">
+            <a:extLst>
+              <a:ext uri="{FF2B5EF4-FFF2-40B4-BE49-F238E27FC236}">
+                <a16:creationId xmlns:a16="http://schemas.microsoft.com/office/drawing/2014/main" id="{CD5C09EF-6494-4644-9DDB-F4C98032BFEB}"/>
+              </a:ext>
+            </a:extLst>
+          </p:cNvPr>
+          <p:cNvPicPr>
+            <a:picLocks noChangeAspect="1"/>
+          </p:cNvPicPr>
           <p:nvPr/>
         </p:nvPicPr>
-        <p:blipFill rotWithShape="1">
-          <a:blip r:embed="rId22">
-            <a:alphaModFix/>
-          </a:blip>
-          <a:srcRect b="0" l="0" r="0" t="0"/>
-          <a:stretch/>
+        <p:blipFill>
+          <a:blip r:embed="rId3"/>
+          <a:stretch>
+            <a:fillRect/>
+          </a:stretch>
         </p:blipFill>
         <p:spPr>
           <a:xfrm>
-            <a:off x="850373" y="258856"/>
-            <a:ext cx="977178" cy="1002233"/>
+            <a:off x="968643" y="1427420"/>
+            <a:ext cx="7206714" cy="4748424"/>
           </a:xfrm>
           <a:prstGeom prst="rect">
             <a:avLst/>
           </a:prstGeom>
-          <a:noFill/>
-          <a:ln>
-            <a:noFill/>
-          </a:ln>
         </p:spPr>
       </p:pic>
-      <p:pic>
-        <p:nvPicPr>
-          <p:cNvPr id="119" name="Google Shape;119;p6"/>
-          <p:cNvPicPr preferRelativeResize="0"/>
-          <p:nvPr/>
-        </p:nvPicPr>
-        <p:blipFill rotWithShape="1">
-          <a:blip r:embed="rId23">
-            <a:alphaModFix/>
-          </a:blip>
-          <a:srcRect b="0" l="0" r="0" t="0"/>
-          <a:stretch/>
-        </p:blipFill>
-        <p:spPr>
-          <a:xfrm>
-            <a:off x="3754583" y="4961358"/>
-            <a:ext cx="739870" cy="739870"/>
-          </a:xfrm>
-          <a:prstGeom prst="rect">
-            <a:avLst/>
-          </a:prstGeom>
-          <a:noFill/>
-          <a:ln>
-            <a:noFill/>
-          </a:ln>
-        </p:spPr>
-      </p:pic>
-      <p:sp>
-        <p:nvSpPr>
-          <p:cNvPr id="120" name="Google Shape;120;p6"/>
-          <p:cNvSpPr txBox="1"/>
-          <p:nvPr/>
-        </p:nvSpPr>
-        <p:spPr>
-          <a:xfrm>
-            <a:off x="4124518" y="6459688"/>
-            <a:ext cx="1128616" cy="394594"/>
-          </a:xfrm>
-          <a:prstGeom prst="rect">
-            <a:avLst/>
-          </a:prstGeom>
-          <a:noFill/>
-          <a:ln>
-            <a:noFill/>
-          </a:ln>
-        </p:spPr>
-        <p:txBody>
-          <a:bodyPr anchorCtr="0" anchor="t" bIns="45700" lIns="91425" spcFirstLastPara="1" rIns="91425" wrap="square" tIns="45700">
-            <a:noAutofit/>
-          </a:bodyPr>
-          <a:lstStyle/>
-          <a:p>
-            <a:pPr indent="0" lvl="0" marL="0" marR="0" rtl="0" algn="l">
-              <a:spcBef>
-                <a:spcPts val="0"/>
-              </a:spcBef>
-              <a:spcAft>
-                <a:spcPts val="0"/>
-              </a:spcAft>
-              <a:buNone/>
-            </a:pPr>
-            <a:r>
-              <a:rPr b="1" i="0" lang="fr-CH" sz="1600" u="none" cap="none" strike="noStrike">
-                <a:solidFill>
-                  <a:schemeClr val="dk1"/>
-                </a:solidFill>
-                <a:latin typeface="Century Gothic"/>
-                <a:ea typeface="Century Gothic"/>
-                <a:cs typeface="Century Gothic"/>
-                <a:sym typeface="Century Gothic"/>
-              </a:rPr>
-              <a:t>Avril 2019</a:t>
-            </a:r>
-            <a:endParaRPr b="1" i="0" sz="1600" u="none" cap="none" strike="noStrike">
-              <a:solidFill>
-                <a:schemeClr val="dk1"/>
-              </a:solidFill>
-              <a:latin typeface="Century Gothic"/>
-              <a:ea typeface="Century Gothic"/>
-              <a:cs typeface="Century Gothic"/>
-              <a:sym typeface="Century Gothic"/>
-            </a:endParaRPr>
-          </a:p>
-        </p:txBody>
-      </p:sp>
     </p:spTree>
+    <p:extLst>
+      <p:ext uri="{BB962C8B-B14F-4D97-AF65-F5344CB8AC3E}">
+        <p14:creationId xmlns:p14="http://schemas.microsoft.com/office/powerpoint/2010/main" val="3277164440"/>
+      </p:ext>
+    </p:extLst>
   </p:cSld>
   <p:clrMapOvr>
     <a:masterClrMapping/>
   </p:clrMapOvr>
-  <mc:AlternateContent>
-    <mc:Choice Requires="p14">
-      <p:transition spd="slow" p14:dur="1400">
-        <p14:doors dir="vert"/>
+  <mc:AlternateContent xmlns:mc="http://schemas.openxmlformats.org/markup-compatibility/2006">
+    <mc:Choice xmlns:p14="http://schemas.microsoft.com/office/powerpoint/2010/main" Requires="p14">
+      <p:transition spd="slow" p14:dur="1200">
+        <p14:prism/>
       </p:transition>
     </mc:Choice>
     <mc:Fallback>
-      <p:transition spd="med">
+      <p:transition spd="slow">
         <p:fade/>
       </p:transition>
     </mc:Fallback>
@@ -8353,7 +6823,288 @@
 </file>
 
 <file path=ppt/theme/theme1.xml><?xml version="1.0" encoding="utf-8"?>
-<a:theme xmlns:a="http://schemas.openxmlformats.org/drawingml/2006/main" xmlns:r="http://schemas.openxmlformats.org/officeDocument/2006/relationships" name="Thème Office">
+<a:theme xmlns:a="http://schemas.openxmlformats.org/drawingml/2006/main" name="CF-geo">
+  <a:themeElements>
+    <a:clrScheme name="Kaktus 2">
+      <a:dk1>
+        <a:srgbClr val="000000"/>
+      </a:dk1>
+      <a:lt1>
+        <a:srgbClr val="FFFFFF"/>
+      </a:lt1>
+      <a:dk2>
+        <a:srgbClr val="000000"/>
+      </a:dk2>
+      <a:lt2>
+        <a:srgbClr val="006600"/>
+      </a:lt2>
+      <a:accent1>
+        <a:srgbClr val="F5EBC1"/>
+      </a:accent1>
+      <a:accent2>
+        <a:srgbClr val="FFCC00"/>
+      </a:accent2>
+      <a:accent3>
+        <a:srgbClr val="FFFFFF"/>
+      </a:accent3>
+      <a:accent4>
+        <a:srgbClr val="000000"/>
+      </a:accent4>
+      <a:accent5>
+        <a:srgbClr val="F9F3DD"/>
+      </a:accent5>
+      <a:accent6>
+        <a:srgbClr val="E7B900"/>
+      </a:accent6>
+      <a:hlink>
+        <a:srgbClr val="D4876C"/>
+      </a:hlink>
+      <a:folHlink>
+        <a:srgbClr val="B2B2B2"/>
+      </a:folHlink>
+    </a:clrScheme>
+    <a:fontScheme name="Office">
+      <a:majorFont>
+        <a:latin typeface="Arial"/>
+        <a:ea typeface=""/>
+        <a:cs typeface=""/>
+        <a:font script="Jpan" typeface="ＭＳ Ｐゴシック"/>
+        <a:font script="Hang" typeface="맑은 고딕"/>
+        <a:font script="Hans" typeface="宋体"/>
+        <a:font script="Hant" typeface="新細明體"/>
+        <a:font script="Arab" typeface="Times New Roman"/>
+        <a:font script="Hebr" typeface="Times New Roman"/>
+        <a:font script="Thai" typeface="Angsana New"/>
+        <a:font script="Ethi" typeface="Nyala"/>
+        <a:font script="Beng" typeface="Vrinda"/>
+        <a:font script="Gujr" typeface="Shruti"/>
+        <a:font script="Khmr" typeface="MoolBoran"/>
+        <a:font script="Knda" typeface="Tunga"/>
+        <a:font script="Guru" typeface="Raavi"/>
+        <a:font script="Cans" typeface="Euphemia"/>
+        <a:font script="Cher" typeface="Plantagenet Cherokee"/>
+        <a:font script="Yiii" typeface="Microsoft Yi Baiti"/>
+        <a:font script="Tibt" typeface="Microsoft Himalaya"/>
+        <a:font script="Thaa" typeface="MV Boli"/>
+        <a:font script="Deva" typeface="Mangal"/>
+        <a:font script="Telu" typeface="Gautami"/>
+        <a:font script="Taml" typeface="Latha"/>
+        <a:font script="Syrc" typeface="Estrangelo Edessa"/>
+        <a:font script="Orya" typeface="Kalinga"/>
+        <a:font script="Mlym" typeface="Kartika"/>
+        <a:font script="Laoo" typeface="DokChampa"/>
+        <a:font script="Sinh" typeface="Iskoola Pota"/>
+        <a:font script="Mong" typeface="Mongolian Baiti"/>
+        <a:font script="Viet" typeface="Times New Roman"/>
+        <a:font script="Uigh" typeface="Microsoft Uighur"/>
+        <a:font script="Geor" typeface="Sylfaen"/>
+      </a:majorFont>
+      <a:minorFont>
+        <a:latin typeface="Arial"/>
+        <a:ea typeface=""/>
+        <a:cs typeface=""/>
+        <a:font script="Jpan" typeface="ＭＳ Ｐゴシック"/>
+        <a:font script="Hang" typeface="맑은 고딕"/>
+        <a:font script="Hans" typeface="宋体"/>
+        <a:font script="Hant" typeface="新細明體"/>
+        <a:font script="Arab" typeface="Arial"/>
+        <a:font script="Hebr" typeface="Arial"/>
+        <a:font script="Thai" typeface="Cordia New"/>
+        <a:font script="Ethi" typeface="Nyala"/>
+        <a:font script="Beng" typeface="Vrinda"/>
+        <a:font script="Gujr" typeface="Shruti"/>
+        <a:font script="Khmr" typeface="DaunPenh"/>
+        <a:font script="Knda" typeface="Tunga"/>
+        <a:font script="Guru" typeface="Raavi"/>
+        <a:font script="Cans" typeface="Euphemia"/>
+        <a:font script="Cher" typeface="Plantagenet Cherokee"/>
+        <a:font script="Yiii" typeface="Microsoft Yi Baiti"/>
+        <a:font script="Tibt" typeface="Microsoft Himalaya"/>
+        <a:font script="Thaa" typeface="MV Boli"/>
+        <a:font script="Deva" typeface="Mangal"/>
+        <a:font script="Telu" typeface="Gautami"/>
+        <a:font script="Taml" typeface="Latha"/>
+        <a:font script="Syrc" typeface="Estrangelo Edessa"/>
+        <a:font script="Orya" typeface="Kalinga"/>
+        <a:font script="Mlym" typeface="Kartika"/>
+        <a:font script="Laoo" typeface="DokChampa"/>
+        <a:font script="Sinh" typeface="Iskoola Pota"/>
+        <a:font script="Mong" typeface="Mongolian Baiti"/>
+        <a:font script="Viet" typeface="Arial"/>
+        <a:font script="Uigh" typeface="Microsoft Uighur"/>
+        <a:font script="Geor" typeface="Sylfaen"/>
+      </a:minorFont>
+    </a:fontScheme>
+    <a:fmtScheme name="Office">
+      <a:fillStyleLst>
+        <a:solidFill>
+          <a:schemeClr val="phClr"/>
+        </a:solidFill>
+        <a:gradFill rotWithShape="1">
+          <a:gsLst>
+            <a:gs pos="0">
+              <a:schemeClr val="phClr">
+                <a:tint val="50000"/>
+                <a:satMod val="300000"/>
+              </a:schemeClr>
+            </a:gs>
+            <a:gs pos="35000">
+              <a:schemeClr val="phClr">
+                <a:tint val="37000"/>
+                <a:satMod val="300000"/>
+              </a:schemeClr>
+            </a:gs>
+            <a:gs pos="100000">
+              <a:schemeClr val="phClr">
+                <a:tint val="15000"/>
+                <a:satMod val="350000"/>
+              </a:schemeClr>
+            </a:gs>
+          </a:gsLst>
+          <a:lin ang="16200000" scaled="1"/>
+        </a:gradFill>
+        <a:gradFill rotWithShape="1">
+          <a:gsLst>
+            <a:gs pos="0">
+              <a:schemeClr val="phClr">
+                <a:tint val="100000"/>
+                <a:shade val="100000"/>
+                <a:satMod val="130000"/>
+              </a:schemeClr>
+            </a:gs>
+            <a:gs pos="100000">
+              <a:schemeClr val="phClr">
+                <a:tint val="50000"/>
+                <a:shade val="100000"/>
+                <a:satMod val="350000"/>
+              </a:schemeClr>
+            </a:gs>
+          </a:gsLst>
+          <a:lin ang="16200000" scaled="0"/>
+        </a:gradFill>
+      </a:fillStyleLst>
+      <a:lnStyleLst>
+        <a:ln w="9525" cap="flat" cmpd="sng" algn="ctr">
+          <a:solidFill>
+            <a:schemeClr val="phClr">
+              <a:shade val="95000"/>
+              <a:satMod val="105000"/>
+            </a:schemeClr>
+          </a:solidFill>
+          <a:prstDash val="solid"/>
+        </a:ln>
+        <a:ln w="25400" cap="flat" cmpd="sng" algn="ctr">
+          <a:solidFill>
+            <a:schemeClr val="phClr"/>
+          </a:solidFill>
+          <a:prstDash val="solid"/>
+        </a:ln>
+        <a:ln w="38100" cap="flat" cmpd="sng" algn="ctr">
+          <a:solidFill>
+            <a:schemeClr val="phClr"/>
+          </a:solidFill>
+          <a:prstDash val="solid"/>
+        </a:ln>
+      </a:lnStyleLst>
+      <a:effectStyleLst>
+        <a:effectStyle>
+          <a:effectLst>
+            <a:outerShdw blurRad="40000" dist="20000" dir="5400000" rotWithShape="0">
+              <a:srgbClr val="000000">
+                <a:alpha val="38000"/>
+              </a:srgbClr>
+            </a:outerShdw>
+          </a:effectLst>
+        </a:effectStyle>
+        <a:effectStyle>
+          <a:effectLst>
+            <a:outerShdw blurRad="40000" dist="23000" dir="5400000" rotWithShape="0">
+              <a:srgbClr val="000000">
+                <a:alpha val="35000"/>
+              </a:srgbClr>
+            </a:outerShdw>
+          </a:effectLst>
+        </a:effectStyle>
+        <a:effectStyle>
+          <a:effectLst>
+            <a:outerShdw blurRad="40000" dist="23000" dir="5400000" rotWithShape="0">
+              <a:srgbClr val="000000">
+                <a:alpha val="35000"/>
+              </a:srgbClr>
+            </a:outerShdw>
+          </a:effectLst>
+          <a:scene3d>
+            <a:camera prst="orthographicFront">
+              <a:rot lat="0" lon="0" rev="0"/>
+            </a:camera>
+            <a:lightRig rig="threePt" dir="t">
+              <a:rot lat="0" lon="0" rev="1200000"/>
+            </a:lightRig>
+          </a:scene3d>
+          <a:sp3d>
+            <a:bevelT w="63500" h="25400"/>
+          </a:sp3d>
+        </a:effectStyle>
+      </a:effectStyleLst>
+      <a:bgFillStyleLst>
+        <a:solidFill>
+          <a:schemeClr val="phClr"/>
+        </a:solidFill>
+        <a:gradFill rotWithShape="1">
+          <a:gsLst>
+            <a:gs pos="0">
+              <a:schemeClr val="phClr">
+                <a:tint val="40000"/>
+                <a:satMod val="350000"/>
+              </a:schemeClr>
+            </a:gs>
+            <a:gs pos="40000">
+              <a:schemeClr val="phClr">
+                <a:tint val="45000"/>
+                <a:shade val="99000"/>
+                <a:satMod val="350000"/>
+              </a:schemeClr>
+            </a:gs>
+            <a:gs pos="100000">
+              <a:schemeClr val="phClr">
+                <a:shade val="20000"/>
+                <a:satMod val="255000"/>
+              </a:schemeClr>
+            </a:gs>
+          </a:gsLst>
+          <a:path path="circle">
+            <a:fillToRect l="50000" t="-80000" r="50000" b="180000"/>
+          </a:path>
+        </a:gradFill>
+        <a:gradFill rotWithShape="1">
+          <a:gsLst>
+            <a:gs pos="0">
+              <a:schemeClr val="phClr">
+                <a:tint val="80000"/>
+                <a:satMod val="300000"/>
+              </a:schemeClr>
+            </a:gs>
+            <a:gs pos="100000">
+              <a:schemeClr val="phClr">
+                <a:shade val="30000"/>
+                <a:satMod val="200000"/>
+              </a:schemeClr>
+            </a:gs>
+          </a:gsLst>
+          <a:path path="circle">
+            <a:fillToRect l="50000" t="50000" r="50000" b="50000"/>
+          </a:path>
+        </a:gradFill>
+      </a:bgFillStyleLst>
+    </a:fmtScheme>
+  </a:themeElements>
+  <a:objectDefaults/>
+  <a:extraClrSchemeLst/>
+</a:theme>
+</file>
+
+<file path=ppt/theme/theme2.xml><?xml version="1.0" encoding="utf-8"?>
+<a:theme xmlns:a="http://schemas.openxmlformats.org/drawingml/2006/main" name="Thème Office">
   <a:themeElements>
     <a:clrScheme name="">
       <a:dk1>
@@ -8628,284 +7379,7 @@
       </a:bgFillStyleLst>
     </a:fmtScheme>
   </a:themeElements>
-</a:theme>
-</file>
-
-<file path=ppt/theme/theme2.xml><?xml version="1.0" encoding="utf-8"?>
-<a:theme xmlns:a="http://schemas.openxmlformats.org/drawingml/2006/main" xmlns:r="http://schemas.openxmlformats.org/officeDocument/2006/relationships" name="CF-geo">
-  <a:themeElements>
-    <a:clrScheme name="Kaktus 2">
-      <a:dk1>
-        <a:srgbClr val="000000"/>
-      </a:dk1>
-      <a:lt1>
-        <a:srgbClr val="FFFFFF"/>
-      </a:lt1>
-      <a:dk2>
-        <a:srgbClr val="000000"/>
-      </a:dk2>
-      <a:lt2>
-        <a:srgbClr val="006600"/>
-      </a:lt2>
-      <a:accent1>
-        <a:srgbClr val="F5EBC1"/>
-      </a:accent1>
-      <a:accent2>
-        <a:srgbClr val="FFCC00"/>
-      </a:accent2>
-      <a:accent3>
-        <a:srgbClr val="FFFFFF"/>
-      </a:accent3>
-      <a:accent4>
-        <a:srgbClr val="000000"/>
-      </a:accent4>
-      <a:accent5>
-        <a:srgbClr val="F9F3DD"/>
-      </a:accent5>
-      <a:accent6>
-        <a:srgbClr val="E7B900"/>
-      </a:accent6>
-      <a:hlink>
-        <a:srgbClr val="D4876C"/>
-      </a:hlink>
-      <a:folHlink>
-        <a:srgbClr val="B2B2B2"/>
-      </a:folHlink>
-    </a:clrScheme>
-    <a:fontScheme name="Office">
-      <a:majorFont>
-        <a:latin typeface="Arial"/>
-        <a:ea typeface=""/>
-        <a:cs typeface=""/>
-        <a:font script="Jpan" typeface="ＭＳ Ｐゴシック"/>
-        <a:font script="Hang" typeface="맑은 고딕"/>
-        <a:font script="Hans" typeface="宋体"/>
-        <a:font script="Hant" typeface="新細明體"/>
-        <a:font script="Arab" typeface="Times New Roman"/>
-        <a:font script="Hebr" typeface="Times New Roman"/>
-        <a:font script="Thai" typeface="Angsana New"/>
-        <a:font script="Ethi" typeface="Nyala"/>
-        <a:font script="Beng" typeface="Vrinda"/>
-        <a:font script="Gujr" typeface="Shruti"/>
-        <a:font script="Khmr" typeface="MoolBoran"/>
-        <a:font script="Knda" typeface="Tunga"/>
-        <a:font script="Guru" typeface="Raavi"/>
-        <a:font script="Cans" typeface="Euphemia"/>
-        <a:font script="Cher" typeface="Plantagenet Cherokee"/>
-        <a:font script="Yiii" typeface="Microsoft Yi Baiti"/>
-        <a:font script="Tibt" typeface="Microsoft Himalaya"/>
-        <a:font script="Thaa" typeface="MV Boli"/>
-        <a:font script="Deva" typeface="Mangal"/>
-        <a:font script="Telu" typeface="Gautami"/>
-        <a:font script="Taml" typeface="Latha"/>
-        <a:font script="Syrc" typeface="Estrangelo Edessa"/>
-        <a:font script="Orya" typeface="Kalinga"/>
-        <a:font script="Mlym" typeface="Kartika"/>
-        <a:font script="Laoo" typeface="DokChampa"/>
-        <a:font script="Sinh" typeface="Iskoola Pota"/>
-        <a:font script="Mong" typeface="Mongolian Baiti"/>
-        <a:font script="Viet" typeface="Times New Roman"/>
-        <a:font script="Uigh" typeface="Microsoft Uighur"/>
-        <a:font script="Geor" typeface="Sylfaen"/>
-      </a:majorFont>
-      <a:minorFont>
-        <a:latin typeface="Arial"/>
-        <a:ea typeface=""/>
-        <a:cs typeface=""/>
-        <a:font script="Jpan" typeface="ＭＳ Ｐゴシック"/>
-        <a:font script="Hang" typeface="맑은 고딕"/>
-        <a:font script="Hans" typeface="宋体"/>
-        <a:font script="Hant" typeface="新細明體"/>
-        <a:font script="Arab" typeface="Arial"/>
-        <a:font script="Hebr" typeface="Arial"/>
-        <a:font script="Thai" typeface="Cordia New"/>
-        <a:font script="Ethi" typeface="Nyala"/>
-        <a:font script="Beng" typeface="Vrinda"/>
-        <a:font script="Gujr" typeface="Shruti"/>
-        <a:font script="Khmr" typeface="DaunPenh"/>
-        <a:font script="Knda" typeface="Tunga"/>
-        <a:font script="Guru" typeface="Raavi"/>
-        <a:font script="Cans" typeface="Euphemia"/>
-        <a:font script="Cher" typeface="Plantagenet Cherokee"/>
-        <a:font script="Yiii" typeface="Microsoft Yi Baiti"/>
-        <a:font script="Tibt" typeface="Microsoft Himalaya"/>
-        <a:font script="Thaa" typeface="MV Boli"/>
-        <a:font script="Deva" typeface="Mangal"/>
-        <a:font script="Telu" typeface="Gautami"/>
-        <a:font script="Taml" typeface="Latha"/>
-        <a:font script="Syrc" typeface="Estrangelo Edessa"/>
-        <a:font script="Orya" typeface="Kalinga"/>
-        <a:font script="Mlym" typeface="Kartika"/>
-        <a:font script="Laoo" typeface="DokChampa"/>
-        <a:font script="Sinh" typeface="Iskoola Pota"/>
-        <a:font script="Mong" typeface="Mongolian Baiti"/>
-        <a:font script="Viet" typeface="Arial"/>
-        <a:font script="Uigh" typeface="Microsoft Uighur"/>
-        <a:font script="Geor" typeface="Sylfaen"/>
-      </a:minorFont>
-    </a:fontScheme>
-    <a:fmtScheme name="Office">
-      <a:fillStyleLst>
-        <a:solidFill>
-          <a:schemeClr val="phClr"/>
-        </a:solidFill>
-        <a:gradFill rotWithShape="1">
-          <a:gsLst>
-            <a:gs pos="0">
-              <a:schemeClr val="phClr">
-                <a:tint val="50000"/>
-                <a:satMod val="300000"/>
-              </a:schemeClr>
-            </a:gs>
-            <a:gs pos="35000">
-              <a:schemeClr val="phClr">
-                <a:tint val="37000"/>
-                <a:satMod val="300000"/>
-              </a:schemeClr>
-            </a:gs>
-            <a:gs pos="100000">
-              <a:schemeClr val="phClr">
-                <a:tint val="15000"/>
-                <a:satMod val="350000"/>
-              </a:schemeClr>
-            </a:gs>
-          </a:gsLst>
-          <a:lin ang="16200000" scaled="1"/>
-        </a:gradFill>
-        <a:gradFill rotWithShape="1">
-          <a:gsLst>
-            <a:gs pos="0">
-              <a:schemeClr val="phClr">
-                <a:tint val="100000"/>
-                <a:shade val="100000"/>
-                <a:satMod val="130000"/>
-              </a:schemeClr>
-            </a:gs>
-            <a:gs pos="100000">
-              <a:schemeClr val="phClr">
-                <a:tint val="50000"/>
-                <a:shade val="100000"/>
-                <a:satMod val="350000"/>
-              </a:schemeClr>
-            </a:gs>
-          </a:gsLst>
-          <a:lin ang="16200000" scaled="0"/>
-        </a:gradFill>
-      </a:fillStyleLst>
-      <a:lnStyleLst>
-        <a:ln w="9525" cap="flat" cmpd="sng" algn="ctr">
-          <a:solidFill>
-            <a:schemeClr val="phClr">
-              <a:shade val="95000"/>
-              <a:satMod val="105000"/>
-            </a:schemeClr>
-          </a:solidFill>
-          <a:prstDash val="solid"/>
-        </a:ln>
-        <a:ln w="25400" cap="flat" cmpd="sng" algn="ctr">
-          <a:solidFill>
-            <a:schemeClr val="phClr"/>
-          </a:solidFill>
-          <a:prstDash val="solid"/>
-        </a:ln>
-        <a:ln w="38100" cap="flat" cmpd="sng" algn="ctr">
-          <a:solidFill>
-            <a:schemeClr val="phClr"/>
-          </a:solidFill>
-          <a:prstDash val="solid"/>
-        </a:ln>
-      </a:lnStyleLst>
-      <a:effectStyleLst>
-        <a:effectStyle>
-          <a:effectLst>
-            <a:outerShdw blurRad="40000" dist="20000" dir="5400000" rotWithShape="0">
-              <a:srgbClr val="000000">
-                <a:alpha val="38000"/>
-              </a:srgbClr>
-            </a:outerShdw>
-          </a:effectLst>
-        </a:effectStyle>
-        <a:effectStyle>
-          <a:effectLst>
-            <a:outerShdw blurRad="40000" dist="23000" dir="5400000" rotWithShape="0">
-              <a:srgbClr val="000000">
-                <a:alpha val="35000"/>
-              </a:srgbClr>
-            </a:outerShdw>
-          </a:effectLst>
-        </a:effectStyle>
-        <a:effectStyle>
-          <a:effectLst>
-            <a:outerShdw blurRad="40000" dist="23000" dir="5400000" rotWithShape="0">
-              <a:srgbClr val="000000">
-                <a:alpha val="35000"/>
-              </a:srgbClr>
-            </a:outerShdw>
-          </a:effectLst>
-          <a:scene3d>
-            <a:camera prst="orthographicFront">
-              <a:rot lat="0" lon="0" rev="0"/>
-            </a:camera>
-            <a:lightRig rig="threePt" dir="t">
-              <a:rot lat="0" lon="0" rev="1200000"/>
-            </a:lightRig>
-          </a:scene3d>
-          <a:sp3d>
-            <a:bevelT w="63500" h="25400"/>
-          </a:sp3d>
-        </a:effectStyle>
-      </a:effectStyleLst>
-      <a:bgFillStyleLst>
-        <a:solidFill>
-          <a:schemeClr val="phClr"/>
-        </a:solidFill>
-        <a:gradFill rotWithShape="1">
-          <a:gsLst>
-            <a:gs pos="0">
-              <a:schemeClr val="phClr">
-                <a:tint val="40000"/>
-                <a:satMod val="350000"/>
-              </a:schemeClr>
-            </a:gs>
-            <a:gs pos="40000">
-              <a:schemeClr val="phClr">
-                <a:tint val="45000"/>
-                <a:shade val="99000"/>
-                <a:satMod val="350000"/>
-              </a:schemeClr>
-            </a:gs>
-            <a:gs pos="100000">
-              <a:schemeClr val="phClr">
-                <a:shade val="20000"/>
-                <a:satMod val="255000"/>
-              </a:schemeClr>
-            </a:gs>
-          </a:gsLst>
-          <a:path path="circle">
-            <a:fillToRect l="50000" t="-80000" r="50000" b="180000"/>
-          </a:path>
-        </a:gradFill>
-        <a:gradFill rotWithShape="1">
-          <a:gsLst>
-            <a:gs pos="0">
-              <a:schemeClr val="phClr">
-                <a:tint val="80000"/>
-                <a:satMod val="300000"/>
-              </a:schemeClr>
-            </a:gs>
-            <a:gs pos="100000">
-              <a:schemeClr val="phClr">
-                <a:shade val="30000"/>
-                <a:satMod val="200000"/>
-              </a:schemeClr>
-            </a:gs>
-          </a:gsLst>
-          <a:path path="circle">
-            <a:fillToRect l="50000" t="50000" r="50000" b="50000"/>
-          </a:path>
-        </a:gradFill>
-      </a:bgFillStyleLst>
-    </a:fmtScheme>
-  </a:themeElements>
+  <a:objectDefaults/>
+  <a:extraClrSchemeLst/>
 </a:theme>
 </file>
--- a/slides/introduction.pptx
+++ b/slides/introduction.pptx
@@ -303,7 +303,7 @@
       </p15:notesGuideLst>
     </p:ext>
     <p:ext uri="http://customooxmlschemas.google.com/">
-      <go:slidesCustomData xmlns="" xmlns:mc="http://schemas.openxmlformats.org/markup-compatibility/2006" xmlns:mv="urn:schemas-microsoft-com:mac:vml" xmlns:c="http://schemas.openxmlformats.org/drawingml/2006/chart" xmlns:dgm="http://schemas.openxmlformats.org/drawingml/2006/diagram" xmlns:o="urn:schemas-microsoft-com:office:office" xmlns:v="urn:schemas-microsoft-com:vml" xmlns:pvml="urn:schemas-microsoft-com:office:powerpoint" xmlns:com="http://schemas.openxmlformats.org/drawingml/2006/compatibility" xmlns:p14="http://schemas.microsoft.com/office/powerpoint/2010/main" xmlns:p15="http://schemas.microsoft.com/office/powerpoint/2012/main" xmlns:ahyp="http://schemas.microsoft.com/office/drawing/2018/hyperlinkcolor" xmlns:go="http://customooxmlschemas.google.com/" r:id="rId50" roundtripDataSignature="AMtx7mh019ysyy8ngHVmXeADEBCdWKWQmw=="/>
+      <go:slidesCustomData xmlns:go="http://customooxmlschemas.google.com/" xmlns:ahyp="http://schemas.microsoft.com/office/drawing/2018/hyperlinkcolor" xmlns:p15="http://schemas.microsoft.com/office/powerpoint/2012/main" xmlns:p14="http://schemas.microsoft.com/office/powerpoint/2010/main" xmlns:com="http://schemas.openxmlformats.org/drawingml/2006/compatibility" xmlns:pvml="urn:schemas-microsoft-com:office:powerpoint" xmlns:v="urn:schemas-microsoft-com:vml" xmlns:o="urn:schemas-microsoft-com:office:office" xmlns:dgm="http://schemas.openxmlformats.org/drawingml/2006/diagram" xmlns:c="http://schemas.openxmlformats.org/drawingml/2006/chart" xmlns:mv="urn:schemas-microsoft-com:mac:vml" xmlns:mc="http://schemas.openxmlformats.org/markup-compatibility/2006" xmlns="" r:id="rId50" roundtripDataSignature="AMtx7mh019ysyy8ngHVmXeADEBCdWKWQmw=="/>
     </p:ext>
   </p:extLst>
 </p:presentation>
@@ -4302,7 +4302,7 @@
         <p14:doors dir="vert"/>
       </p:transition>
     </mc:Choice>
-    <mc:Fallback xmlns="" xmlns:mv="urn:schemas-microsoft-com:mac:vml" xmlns:c="http://schemas.openxmlformats.org/drawingml/2006/chart" xmlns:dgm="http://schemas.openxmlformats.org/drawingml/2006/diagram" xmlns:o="urn:schemas-microsoft-com:office:office" xmlns:v="urn:schemas-microsoft-com:vml" xmlns:pvml="urn:schemas-microsoft-com:office:powerpoint" xmlns:com="http://schemas.openxmlformats.org/drawingml/2006/compatibility" xmlns:p15="http://schemas.microsoft.com/office/powerpoint/2012/main" xmlns:ahyp="http://schemas.microsoft.com/office/drawing/2018/hyperlinkcolor">
+    <mc:Fallback xmlns:ahyp="http://schemas.microsoft.com/office/drawing/2018/hyperlinkcolor" xmlns:p15="http://schemas.microsoft.com/office/powerpoint/2012/main" xmlns:com="http://schemas.openxmlformats.org/drawingml/2006/compatibility" xmlns:pvml="urn:schemas-microsoft-com:office:powerpoint" xmlns:v="urn:schemas-microsoft-com:vml" xmlns:o="urn:schemas-microsoft-com:office:office" xmlns:dgm="http://schemas.openxmlformats.org/drawingml/2006/diagram" xmlns:c="http://schemas.openxmlformats.org/drawingml/2006/chart" xmlns:mv="urn:schemas-microsoft-com:mac:vml" xmlns="">
       <p:transition spd="med">
         <p:fade/>
       </p:transition>
@@ -5132,7 +5132,7 @@
               <a:t> : </a:t>
             </a:r>
             <a:r>
-              <a:rPr lang="en-GB" b="0" i="0" dirty="0" err="1">
+              <a:rPr lang="en-GB" b="0" i="0" dirty="0">
                 <a:ln w="12700" cap="flat" cmpd="sng">
                   <a:solidFill>
                     <a:srgbClr val="000000"/>
@@ -5147,7 +5147,7 @@
                 </a:solidFill>
                 <a:latin typeface="Arial Black"/>
               </a:rPr>
-              <a:t>PostGIS</a:t>
+              <a:t>Introduction</a:t>
             </a:r>
             <a:endParaRPr b="0" i="0" dirty="0">
               <a:ln w="12700" cap="flat" cmpd="sng">
@@ -6103,7 +6103,7 @@
         <p14:prism/>
       </p:transition>
     </mc:Choice>
-    <mc:Fallback xmlns="" xmlns:mv="urn:schemas-microsoft-com:mac:vml" xmlns:c="http://schemas.openxmlformats.org/drawingml/2006/chart" xmlns:dgm="http://schemas.openxmlformats.org/drawingml/2006/diagram" xmlns:o="urn:schemas-microsoft-com:office:office" xmlns:v="urn:schemas-microsoft-com:vml" xmlns:pvml="urn:schemas-microsoft-com:office:powerpoint" xmlns:com="http://schemas.openxmlformats.org/drawingml/2006/compatibility" xmlns:p15="http://schemas.microsoft.com/office/powerpoint/2012/main" xmlns:ahyp="http://schemas.microsoft.com/office/drawing/2018/hyperlinkcolor">
+    <mc:Fallback xmlns:ahyp="http://schemas.microsoft.com/office/drawing/2018/hyperlinkcolor" xmlns:p15="http://schemas.microsoft.com/office/powerpoint/2012/main" xmlns:com="http://schemas.openxmlformats.org/drawingml/2006/compatibility" xmlns:pvml="urn:schemas-microsoft-com:office:powerpoint" xmlns:v="urn:schemas-microsoft-com:vml" xmlns:o="urn:schemas-microsoft-com:office:office" xmlns:dgm="http://schemas.openxmlformats.org/drawingml/2006/diagram" xmlns:c="http://schemas.openxmlformats.org/drawingml/2006/chart" xmlns:mv="urn:schemas-microsoft-com:mac:vml" xmlns="">
       <p:transition spd="slow">
         <p:fade/>
       </p:transition>
@@ -6463,13 +6463,13 @@
   <p:clrMapOvr>
     <a:masterClrMapping/>
   </p:clrMapOvr>
-  <mc:AlternateContent xmlns:mc="http://schemas.openxmlformats.org/markup-compatibility/2006">
-    <mc:Choice xmlns:p14="http://schemas.microsoft.com/office/powerpoint/2010/main" Requires="p14">
+  <mc:AlternateContent xmlns:mc="http://schemas.openxmlformats.org/markup-compatibility/2006" xmlns:p14="http://schemas.microsoft.com/office/powerpoint/2010/main">
+    <mc:Choice Requires="p14">
       <p:transition spd="slow" p14:dur="1200">
         <p14:prism/>
       </p:transition>
     </mc:Choice>
-    <mc:Fallback>
+    <mc:Fallback xmlns="">
       <p:transition spd="slow">
         <p:fade/>
       </p:transition>
@@ -6635,13 +6635,13 @@
   <p:clrMapOvr>
     <a:masterClrMapping/>
   </p:clrMapOvr>
-  <mc:AlternateContent xmlns:mc="http://schemas.openxmlformats.org/markup-compatibility/2006">
-    <mc:Choice xmlns:p14="http://schemas.microsoft.com/office/powerpoint/2010/main" Requires="p14">
+  <mc:AlternateContent xmlns:mc="http://schemas.openxmlformats.org/markup-compatibility/2006" xmlns:p14="http://schemas.microsoft.com/office/powerpoint/2010/main">
+    <mc:Choice Requires="p14">
       <p:transition spd="slow" p14:dur="1200">
         <p14:prism/>
       </p:transition>
     </mc:Choice>
-    <mc:Fallback>
+    <mc:Fallback xmlns="">
       <p:transition spd="slow">
         <p:fade/>
       </p:transition>
@@ -6807,13 +6807,13 @@
   <p:clrMapOvr>
     <a:masterClrMapping/>
   </p:clrMapOvr>
-  <mc:AlternateContent xmlns:mc="http://schemas.openxmlformats.org/markup-compatibility/2006">
-    <mc:Choice xmlns:p14="http://schemas.microsoft.com/office/powerpoint/2010/main" Requires="p14">
+  <mc:AlternateContent xmlns:mc="http://schemas.openxmlformats.org/markup-compatibility/2006" xmlns:p14="http://schemas.microsoft.com/office/powerpoint/2010/main">
+    <mc:Choice Requires="p14">
       <p:transition spd="slow" p14:dur="1200">
         <p14:prism/>
       </p:transition>
     </mc:Choice>
-    <mc:Fallback>
+    <mc:Fallback xmlns="">
       <p:transition spd="slow">
         <p:fade/>
       </p:transition>
